--- a/presentation.pptx
+++ b/presentation.pptx
@@ -6,6 +6,16 @@
   </p:sldMasterIdLst>
   <p:sldIdLst>
     <p:sldId id="256" r:id="rId2"/>
+    <p:sldId id="257" r:id="rId3"/>
+    <p:sldId id="261" r:id="rId4"/>
+    <p:sldId id="262" r:id="rId5"/>
+    <p:sldId id="268" r:id="rId6"/>
+    <p:sldId id="269" r:id="rId7"/>
+    <p:sldId id="263" r:id="rId8"/>
+    <p:sldId id="264" r:id="rId9"/>
+    <p:sldId id="266" r:id="rId10"/>
+    <p:sldId id="267" r:id="rId11"/>
+    <p:sldId id="265" r:id="rId12"/>
   </p:sldIdLst>
   <p:sldSz cx="12192000" cy="6858000"/>
   <p:notesSz cx="6858000" cy="9144000"/>
@@ -104,6 +114,11 @@
       </a:defRPr>
     </a:lvl9pPr>
   </p:defaultTextStyle>
+  <p:extLst>
+    <p:ext uri="{EFAFB233-063F-42B5-8137-9DF3F51BA10A}">
+      <p15:sldGuideLst xmlns:p15="http://schemas.microsoft.com/office/powerpoint/2012/main"/>
+    </p:ext>
+  </p:extLst>
 </p:presentation>
 </file>
 
@@ -129,7 +144,7 @@
           <p:cNvPr id="2" name="Title 1">
             <a:extLst>
               <a:ext uri="{FF2B5EF4-FFF2-40B4-BE49-F238E27FC236}">
-                <a16:creationId xmlns:a16="http://schemas.microsoft.com/office/drawing/2014/main" id="{0C81515F-C539-599D-EC92-5FDB39379C88}"/>
+                <a16:creationId xmlns:a16="http://schemas.microsoft.com/office/drawing/2014/main" id="{22EDCF6B-E039-903E-496D-17D5409AB20C}"/>
               </a:ext>
             </a:extLst>
           </p:cNvPr>
@@ -166,7 +181,7 @@
           <p:cNvPr id="3" name="Subtitle 2">
             <a:extLst>
               <a:ext uri="{FF2B5EF4-FFF2-40B4-BE49-F238E27FC236}">
-                <a16:creationId xmlns:a16="http://schemas.microsoft.com/office/drawing/2014/main" id="{3B41FD24-6D46-3F42-41DB-6CCD701D5557}"/>
+                <a16:creationId xmlns:a16="http://schemas.microsoft.com/office/drawing/2014/main" id="{88BDDE2C-5AD5-B1D2-E9F7-97150A0267B5}"/>
               </a:ext>
             </a:extLst>
           </p:cNvPr>
@@ -236,7 +251,7 @@
           <p:cNvPr id="4" name="Date Placeholder 3">
             <a:extLst>
               <a:ext uri="{FF2B5EF4-FFF2-40B4-BE49-F238E27FC236}">
-                <a16:creationId xmlns:a16="http://schemas.microsoft.com/office/drawing/2014/main" id="{F813FA60-FB40-CD22-C108-05506B0059E5}"/>
+                <a16:creationId xmlns:a16="http://schemas.microsoft.com/office/drawing/2014/main" id="{4320CECC-0953-0863-2B38-8EDB58866845}"/>
               </a:ext>
             </a:extLst>
           </p:cNvPr>
@@ -252,9 +267,9 @@
           <a:bodyPr/>
           <a:lstStyle/>
           <a:p>
-            <a:fld id="{5FD30485-0903-934F-9999-3B744EEE996D}" type="datetimeFigureOut">
+            <a:fld id="{B53C49C8-4B05-EE40-8396-8AD4B7C5BFD8}" type="datetimeFigureOut">
               <a:rPr lang="en-US" smtClean="0"/>
-              <a:t>10/20/23</a:t>
+              <a:t>11/18/23</a:t>
             </a:fld>
             <a:endParaRPr lang="en-US"/>
           </a:p>
@@ -265,7 +280,7 @@
           <p:cNvPr id="5" name="Footer Placeholder 4">
             <a:extLst>
               <a:ext uri="{FF2B5EF4-FFF2-40B4-BE49-F238E27FC236}">
-                <a16:creationId xmlns:a16="http://schemas.microsoft.com/office/drawing/2014/main" id="{1EC23099-3925-01F1-9967-E763D0C5EFEC}"/>
+                <a16:creationId xmlns:a16="http://schemas.microsoft.com/office/drawing/2014/main" id="{BA9F9AF8-E3E9-8DC1-CA5D-0EBEC6B09D19}"/>
               </a:ext>
             </a:extLst>
           </p:cNvPr>
@@ -290,7 +305,7 @@
           <p:cNvPr id="6" name="Slide Number Placeholder 5">
             <a:extLst>
               <a:ext uri="{FF2B5EF4-FFF2-40B4-BE49-F238E27FC236}">
-                <a16:creationId xmlns:a16="http://schemas.microsoft.com/office/drawing/2014/main" id="{FB83499F-5551-6EB4-59A4-4C6E0C203EEB}"/>
+                <a16:creationId xmlns:a16="http://schemas.microsoft.com/office/drawing/2014/main" id="{8DEBEEFB-8FFC-474E-0447-171C56202AEB}"/>
               </a:ext>
             </a:extLst>
           </p:cNvPr>
@@ -306,7 +321,7 @@
           <a:bodyPr/>
           <a:lstStyle/>
           <a:p>
-            <a:fld id="{84BB8F0C-9BD6-4143-93A1-ABD168E33B2D}" type="slidenum">
+            <a:fld id="{C5ED0B05-4AB7-2A4A-8D10-07788F6611ED}" type="slidenum">
               <a:rPr lang="en-US" smtClean="0"/>
               <a:t>‹#›</a:t>
             </a:fld>
@@ -317,7 +332,7 @@
     </p:spTree>
     <p:extLst>
       <p:ext uri="{BB962C8B-B14F-4D97-AF65-F5344CB8AC3E}">
-        <p14:creationId xmlns:p14="http://schemas.microsoft.com/office/powerpoint/2010/main" val="3126837300"/>
+        <p14:creationId xmlns:p14="http://schemas.microsoft.com/office/powerpoint/2010/main" val="2885289803"/>
       </p:ext>
     </p:extLst>
   </p:cSld>
@@ -349,7 +364,7 @@
           <p:cNvPr id="2" name="Title 1">
             <a:extLst>
               <a:ext uri="{FF2B5EF4-FFF2-40B4-BE49-F238E27FC236}">
-                <a16:creationId xmlns:a16="http://schemas.microsoft.com/office/drawing/2014/main" id="{ADDB93CF-7405-86F1-AFF6-9CECD869D77F}"/>
+                <a16:creationId xmlns:a16="http://schemas.microsoft.com/office/drawing/2014/main" id="{B506295F-800D-1F76-5A1B-CCDF2869E7B1}"/>
               </a:ext>
             </a:extLst>
           </p:cNvPr>
@@ -377,7 +392,7 @@
           <p:cNvPr id="3" name="Vertical Text Placeholder 2">
             <a:extLst>
               <a:ext uri="{FF2B5EF4-FFF2-40B4-BE49-F238E27FC236}">
-                <a16:creationId xmlns:a16="http://schemas.microsoft.com/office/drawing/2014/main" id="{A56C01BB-FBA9-70CB-8154-55F8B5645310}"/>
+                <a16:creationId xmlns:a16="http://schemas.microsoft.com/office/drawing/2014/main" id="{9F80B0E7-7315-60D7-E1A6-4839E2D25802}"/>
               </a:ext>
             </a:extLst>
           </p:cNvPr>
@@ -434,7 +449,7 @@
           <p:cNvPr id="4" name="Date Placeholder 3">
             <a:extLst>
               <a:ext uri="{FF2B5EF4-FFF2-40B4-BE49-F238E27FC236}">
-                <a16:creationId xmlns:a16="http://schemas.microsoft.com/office/drawing/2014/main" id="{C5C867BC-A8EA-A2B8-E65E-692E02851F06}"/>
+                <a16:creationId xmlns:a16="http://schemas.microsoft.com/office/drawing/2014/main" id="{11F671F0-BBC1-195B-66D8-EF4C75AB85AA}"/>
               </a:ext>
             </a:extLst>
           </p:cNvPr>
@@ -450,9 +465,9 @@
           <a:bodyPr/>
           <a:lstStyle/>
           <a:p>
-            <a:fld id="{5FD30485-0903-934F-9999-3B744EEE996D}" type="datetimeFigureOut">
+            <a:fld id="{B53C49C8-4B05-EE40-8396-8AD4B7C5BFD8}" type="datetimeFigureOut">
               <a:rPr lang="en-US" smtClean="0"/>
-              <a:t>10/20/23</a:t>
+              <a:t>11/18/23</a:t>
             </a:fld>
             <a:endParaRPr lang="en-US"/>
           </a:p>
@@ -463,7 +478,7 @@
           <p:cNvPr id="5" name="Footer Placeholder 4">
             <a:extLst>
               <a:ext uri="{FF2B5EF4-FFF2-40B4-BE49-F238E27FC236}">
-                <a16:creationId xmlns:a16="http://schemas.microsoft.com/office/drawing/2014/main" id="{67F51C78-3F42-0BCA-5FA5-D6410A198848}"/>
+                <a16:creationId xmlns:a16="http://schemas.microsoft.com/office/drawing/2014/main" id="{08E0651D-557D-D511-AC7B-4743B6B569FF}"/>
               </a:ext>
             </a:extLst>
           </p:cNvPr>
@@ -488,7 +503,7 @@
           <p:cNvPr id="6" name="Slide Number Placeholder 5">
             <a:extLst>
               <a:ext uri="{FF2B5EF4-FFF2-40B4-BE49-F238E27FC236}">
-                <a16:creationId xmlns:a16="http://schemas.microsoft.com/office/drawing/2014/main" id="{8D8D4210-846B-3909-74AC-E6CBF8D514AC}"/>
+                <a16:creationId xmlns:a16="http://schemas.microsoft.com/office/drawing/2014/main" id="{69BC9A06-E300-833F-0AFA-5EC5E782EA7B}"/>
               </a:ext>
             </a:extLst>
           </p:cNvPr>
@@ -504,7 +519,7 @@
           <a:bodyPr/>
           <a:lstStyle/>
           <a:p>
-            <a:fld id="{84BB8F0C-9BD6-4143-93A1-ABD168E33B2D}" type="slidenum">
+            <a:fld id="{C5ED0B05-4AB7-2A4A-8D10-07788F6611ED}" type="slidenum">
               <a:rPr lang="en-US" smtClean="0"/>
               <a:t>‹#›</a:t>
             </a:fld>
@@ -515,7 +530,7 @@
     </p:spTree>
     <p:extLst>
       <p:ext uri="{BB962C8B-B14F-4D97-AF65-F5344CB8AC3E}">
-        <p14:creationId xmlns:p14="http://schemas.microsoft.com/office/powerpoint/2010/main" val="420872443"/>
+        <p14:creationId xmlns:p14="http://schemas.microsoft.com/office/powerpoint/2010/main" val="1032321621"/>
       </p:ext>
     </p:extLst>
   </p:cSld>
@@ -547,7 +562,7 @@
           <p:cNvPr id="2" name="Vertical Title 1">
             <a:extLst>
               <a:ext uri="{FF2B5EF4-FFF2-40B4-BE49-F238E27FC236}">
-                <a16:creationId xmlns:a16="http://schemas.microsoft.com/office/drawing/2014/main" id="{1841A6AE-4FE2-ECE8-5181-DB1BD04E3CCE}"/>
+                <a16:creationId xmlns:a16="http://schemas.microsoft.com/office/drawing/2014/main" id="{5585F12C-00B7-7655-3334-8376406D7D8A}"/>
               </a:ext>
             </a:extLst>
           </p:cNvPr>
@@ -580,7 +595,7 @@
           <p:cNvPr id="3" name="Vertical Text Placeholder 2">
             <a:extLst>
               <a:ext uri="{FF2B5EF4-FFF2-40B4-BE49-F238E27FC236}">
-                <a16:creationId xmlns:a16="http://schemas.microsoft.com/office/drawing/2014/main" id="{195B256F-3237-131F-8FA0-A80279E15FD8}"/>
+                <a16:creationId xmlns:a16="http://schemas.microsoft.com/office/drawing/2014/main" id="{24BBDD1B-E5D2-7646-8FAA-F5C2D8BF7126}"/>
               </a:ext>
             </a:extLst>
           </p:cNvPr>
@@ -642,7 +657,7 @@
           <p:cNvPr id="4" name="Date Placeholder 3">
             <a:extLst>
               <a:ext uri="{FF2B5EF4-FFF2-40B4-BE49-F238E27FC236}">
-                <a16:creationId xmlns:a16="http://schemas.microsoft.com/office/drawing/2014/main" id="{0D440568-D75D-A92E-AC09-BAA1560D8806}"/>
+                <a16:creationId xmlns:a16="http://schemas.microsoft.com/office/drawing/2014/main" id="{4A070786-9B62-BA95-84E7-0C295F1135F4}"/>
               </a:ext>
             </a:extLst>
           </p:cNvPr>
@@ -658,9 +673,9 @@
           <a:bodyPr/>
           <a:lstStyle/>
           <a:p>
-            <a:fld id="{5FD30485-0903-934F-9999-3B744EEE996D}" type="datetimeFigureOut">
+            <a:fld id="{B53C49C8-4B05-EE40-8396-8AD4B7C5BFD8}" type="datetimeFigureOut">
               <a:rPr lang="en-US" smtClean="0"/>
-              <a:t>10/20/23</a:t>
+              <a:t>11/18/23</a:t>
             </a:fld>
             <a:endParaRPr lang="en-US"/>
           </a:p>
@@ -671,7 +686,7 @@
           <p:cNvPr id="5" name="Footer Placeholder 4">
             <a:extLst>
               <a:ext uri="{FF2B5EF4-FFF2-40B4-BE49-F238E27FC236}">
-                <a16:creationId xmlns:a16="http://schemas.microsoft.com/office/drawing/2014/main" id="{29D031B4-C601-19A0-377A-9C755850E03B}"/>
+                <a16:creationId xmlns:a16="http://schemas.microsoft.com/office/drawing/2014/main" id="{5544D20E-7F4B-F592-7FDB-DBDA864604FB}"/>
               </a:ext>
             </a:extLst>
           </p:cNvPr>
@@ -696,7 +711,7 @@
           <p:cNvPr id="6" name="Slide Number Placeholder 5">
             <a:extLst>
               <a:ext uri="{FF2B5EF4-FFF2-40B4-BE49-F238E27FC236}">
-                <a16:creationId xmlns:a16="http://schemas.microsoft.com/office/drawing/2014/main" id="{05E1E3D8-11D5-729E-5C94-C5C75DAA47BD}"/>
+                <a16:creationId xmlns:a16="http://schemas.microsoft.com/office/drawing/2014/main" id="{5C33573F-E66D-26D1-47CF-8AC5445B819C}"/>
               </a:ext>
             </a:extLst>
           </p:cNvPr>
@@ -712,7 +727,7 @@
           <a:bodyPr/>
           <a:lstStyle/>
           <a:p>
-            <a:fld id="{84BB8F0C-9BD6-4143-93A1-ABD168E33B2D}" type="slidenum">
+            <a:fld id="{C5ED0B05-4AB7-2A4A-8D10-07788F6611ED}" type="slidenum">
               <a:rPr lang="en-US" smtClean="0"/>
               <a:t>‹#›</a:t>
             </a:fld>
@@ -723,7 +738,7 @@
     </p:spTree>
     <p:extLst>
       <p:ext uri="{BB962C8B-B14F-4D97-AF65-F5344CB8AC3E}">
-        <p14:creationId xmlns:p14="http://schemas.microsoft.com/office/powerpoint/2010/main" val="2352698636"/>
+        <p14:creationId xmlns:p14="http://schemas.microsoft.com/office/powerpoint/2010/main" val="2891613994"/>
       </p:ext>
     </p:extLst>
   </p:cSld>
@@ -755,7 +770,7 @@
           <p:cNvPr id="2" name="Title 1">
             <a:extLst>
               <a:ext uri="{FF2B5EF4-FFF2-40B4-BE49-F238E27FC236}">
-                <a16:creationId xmlns:a16="http://schemas.microsoft.com/office/drawing/2014/main" id="{0CDD8523-1EAE-12C8-D32D-276DF7B464FD}"/>
+                <a16:creationId xmlns:a16="http://schemas.microsoft.com/office/drawing/2014/main" id="{4E83188C-ACD4-0373-0620-CD6D5F46C386}"/>
               </a:ext>
             </a:extLst>
           </p:cNvPr>
@@ -783,7 +798,7 @@
           <p:cNvPr id="3" name="Content Placeholder 2">
             <a:extLst>
               <a:ext uri="{FF2B5EF4-FFF2-40B4-BE49-F238E27FC236}">
-                <a16:creationId xmlns:a16="http://schemas.microsoft.com/office/drawing/2014/main" id="{D53C9743-96E0-5A86-3563-FE68A50BC128}"/>
+                <a16:creationId xmlns:a16="http://schemas.microsoft.com/office/drawing/2014/main" id="{44D79FE5-12B1-B3A8-6E1C-66E2917CFDB1}"/>
               </a:ext>
             </a:extLst>
           </p:cNvPr>
@@ -840,7 +855,7 @@
           <p:cNvPr id="4" name="Date Placeholder 3">
             <a:extLst>
               <a:ext uri="{FF2B5EF4-FFF2-40B4-BE49-F238E27FC236}">
-                <a16:creationId xmlns:a16="http://schemas.microsoft.com/office/drawing/2014/main" id="{66E85236-2C31-3828-FBD4-D4ADBCBF2319}"/>
+                <a16:creationId xmlns:a16="http://schemas.microsoft.com/office/drawing/2014/main" id="{EE83E50B-5018-277F-930A-D53B98113329}"/>
               </a:ext>
             </a:extLst>
           </p:cNvPr>
@@ -856,9 +871,9 @@
           <a:bodyPr/>
           <a:lstStyle/>
           <a:p>
-            <a:fld id="{5FD30485-0903-934F-9999-3B744EEE996D}" type="datetimeFigureOut">
+            <a:fld id="{B53C49C8-4B05-EE40-8396-8AD4B7C5BFD8}" type="datetimeFigureOut">
               <a:rPr lang="en-US" smtClean="0"/>
-              <a:t>10/20/23</a:t>
+              <a:t>11/18/23</a:t>
             </a:fld>
             <a:endParaRPr lang="en-US"/>
           </a:p>
@@ -869,7 +884,7 @@
           <p:cNvPr id="5" name="Footer Placeholder 4">
             <a:extLst>
               <a:ext uri="{FF2B5EF4-FFF2-40B4-BE49-F238E27FC236}">
-                <a16:creationId xmlns:a16="http://schemas.microsoft.com/office/drawing/2014/main" id="{C3D00E1F-D634-6219-4297-2F2A39ECB8E4}"/>
+                <a16:creationId xmlns:a16="http://schemas.microsoft.com/office/drawing/2014/main" id="{50B662A0-4C99-59DF-8034-084631AE6BFA}"/>
               </a:ext>
             </a:extLst>
           </p:cNvPr>
@@ -894,7 +909,7 @@
           <p:cNvPr id="6" name="Slide Number Placeholder 5">
             <a:extLst>
               <a:ext uri="{FF2B5EF4-FFF2-40B4-BE49-F238E27FC236}">
-                <a16:creationId xmlns:a16="http://schemas.microsoft.com/office/drawing/2014/main" id="{A54E39EB-D4CE-47DC-2667-60B05932BAD2}"/>
+                <a16:creationId xmlns:a16="http://schemas.microsoft.com/office/drawing/2014/main" id="{F82E294B-5FB5-0473-D375-ABF11633A7F4}"/>
               </a:ext>
             </a:extLst>
           </p:cNvPr>
@@ -910,7 +925,7 @@
           <a:bodyPr/>
           <a:lstStyle/>
           <a:p>
-            <a:fld id="{84BB8F0C-9BD6-4143-93A1-ABD168E33B2D}" type="slidenum">
+            <a:fld id="{C5ED0B05-4AB7-2A4A-8D10-07788F6611ED}" type="slidenum">
               <a:rPr lang="en-US" smtClean="0"/>
               <a:t>‹#›</a:t>
             </a:fld>
@@ -921,7 +936,7 @@
     </p:spTree>
     <p:extLst>
       <p:ext uri="{BB962C8B-B14F-4D97-AF65-F5344CB8AC3E}">
-        <p14:creationId xmlns:p14="http://schemas.microsoft.com/office/powerpoint/2010/main" val="2533084550"/>
+        <p14:creationId xmlns:p14="http://schemas.microsoft.com/office/powerpoint/2010/main" val="2592240614"/>
       </p:ext>
     </p:extLst>
   </p:cSld>
@@ -953,7 +968,7 @@
           <p:cNvPr id="2" name="Title 1">
             <a:extLst>
               <a:ext uri="{FF2B5EF4-FFF2-40B4-BE49-F238E27FC236}">
-                <a16:creationId xmlns:a16="http://schemas.microsoft.com/office/drawing/2014/main" id="{04420852-C81C-44DA-B5C2-567FD06CA918}"/>
+                <a16:creationId xmlns:a16="http://schemas.microsoft.com/office/drawing/2014/main" id="{E94A1793-9163-A451-A253-9A94CDF8784F}"/>
               </a:ext>
             </a:extLst>
           </p:cNvPr>
@@ -990,7 +1005,7 @@
           <p:cNvPr id="3" name="Text Placeholder 2">
             <a:extLst>
               <a:ext uri="{FF2B5EF4-FFF2-40B4-BE49-F238E27FC236}">
-                <a16:creationId xmlns:a16="http://schemas.microsoft.com/office/drawing/2014/main" id="{2A5FFCF3-9557-5392-B88E-D480FDC64336}"/>
+                <a16:creationId xmlns:a16="http://schemas.microsoft.com/office/drawing/2014/main" id="{27426E4A-009F-5599-7F2A-C73C0B005665}"/>
               </a:ext>
             </a:extLst>
           </p:cNvPr>
@@ -1115,7 +1130,7 @@
           <p:cNvPr id="4" name="Date Placeholder 3">
             <a:extLst>
               <a:ext uri="{FF2B5EF4-FFF2-40B4-BE49-F238E27FC236}">
-                <a16:creationId xmlns:a16="http://schemas.microsoft.com/office/drawing/2014/main" id="{98BD1F7F-1707-6846-3CDD-33024532EA9E}"/>
+                <a16:creationId xmlns:a16="http://schemas.microsoft.com/office/drawing/2014/main" id="{2E966435-D506-CDCF-1490-C02799F82CCB}"/>
               </a:ext>
             </a:extLst>
           </p:cNvPr>
@@ -1131,9 +1146,9 @@
           <a:bodyPr/>
           <a:lstStyle/>
           <a:p>
-            <a:fld id="{5FD30485-0903-934F-9999-3B744EEE996D}" type="datetimeFigureOut">
+            <a:fld id="{B53C49C8-4B05-EE40-8396-8AD4B7C5BFD8}" type="datetimeFigureOut">
               <a:rPr lang="en-US" smtClean="0"/>
-              <a:t>10/20/23</a:t>
+              <a:t>11/18/23</a:t>
             </a:fld>
             <a:endParaRPr lang="en-US"/>
           </a:p>
@@ -1144,7 +1159,7 @@
           <p:cNvPr id="5" name="Footer Placeholder 4">
             <a:extLst>
               <a:ext uri="{FF2B5EF4-FFF2-40B4-BE49-F238E27FC236}">
-                <a16:creationId xmlns:a16="http://schemas.microsoft.com/office/drawing/2014/main" id="{0D11302C-FD3F-82E9-97D7-86F9D5A40084}"/>
+                <a16:creationId xmlns:a16="http://schemas.microsoft.com/office/drawing/2014/main" id="{D25BBB8E-CC75-D30F-5868-865F4A5EE091}"/>
               </a:ext>
             </a:extLst>
           </p:cNvPr>
@@ -1169,7 +1184,7 @@
           <p:cNvPr id="6" name="Slide Number Placeholder 5">
             <a:extLst>
               <a:ext uri="{FF2B5EF4-FFF2-40B4-BE49-F238E27FC236}">
-                <a16:creationId xmlns:a16="http://schemas.microsoft.com/office/drawing/2014/main" id="{6722630A-A43C-02B7-98B2-AD078BED9A3D}"/>
+                <a16:creationId xmlns:a16="http://schemas.microsoft.com/office/drawing/2014/main" id="{32363D9B-7687-65A8-5771-B2383E3E4AC9}"/>
               </a:ext>
             </a:extLst>
           </p:cNvPr>
@@ -1185,7 +1200,7 @@
           <a:bodyPr/>
           <a:lstStyle/>
           <a:p>
-            <a:fld id="{84BB8F0C-9BD6-4143-93A1-ABD168E33B2D}" type="slidenum">
+            <a:fld id="{C5ED0B05-4AB7-2A4A-8D10-07788F6611ED}" type="slidenum">
               <a:rPr lang="en-US" smtClean="0"/>
               <a:t>‹#›</a:t>
             </a:fld>
@@ -1196,7 +1211,7 @@
     </p:spTree>
     <p:extLst>
       <p:ext uri="{BB962C8B-B14F-4D97-AF65-F5344CB8AC3E}">
-        <p14:creationId xmlns:p14="http://schemas.microsoft.com/office/powerpoint/2010/main" val="2630464830"/>
+        <p14:creationId xmlns:p14="http://schemas.microsoft.com/office/powerpoint/2010/main" val="1522524779"/>
       </p:ext>
     </p:extLst>
   </p:cSld>
@@ -1228,7 +1243,7 @@
           <p:cNvPr id="2" name="Title 1">
             <a:extLst>
               <a:ext uri="{FF2B5EF4-FFF2-40B4-BE49-F238E27FC236}">
-                <a16:creationId xmlns:a16="http://schemas.microsoft.com/office/drawing/2014/main" id="{2444A513-5E88-382E-328F-A64C7EA55F7C}"/>
+                <a16:creationId xmlns:a16="http://schemas.microsoft.com/office/drawing/2014/main" id="{D1AB2A2C-E763-0A82-1478-268501DD20F9}"/>
               </a:ext>
             </a:extLst>
           </p:cNvPr>
@@ -1256,7 +1271,7 @@
           <p:cNvPr id="3" name="Content Placeholder 2">
             <a:extLst>
               <a:ext uri="{FF2B5EF4-FFF2-40B4-BE49-F238E27FC236}">
-                <a16:creationId xmlns:a16="http://schemas.microsoft.com/office/drawing/2014/main" id="{67555C33-5FFC-6533-4F50-2DAD16D41DD8}"/>
+                <a16:creationId xmlns:a16="http://schemas.microsoft.com/office/drawing/2014/main" id="{BB94D233-FCB5-F59E-826F-B0ACC89F4ADA}"/>
               </a:ext>
             </a:extLst>
           </p:cNvPr>
@@ -1318,7 +1333,7 @@
           <p:cNvPr id="4" name="Content Placeholder 3">
             <a:extLst>
               <a:ext uri="{FF2B5EF4-FFF2-40B4-BE49-F238E27FC236}">
-                <a16:creationId xmlns:a16="http://schemas.microsoft.com/office/drawing/2014/main" id="{DFC2684F-8441-CA17-28E1-DEBCCD408458}"/>
+                <a16:creationId xmlns:a16="http://schemas.microsoft.com/office/drawing/2014/main" id="{0DB208A2-3AF5-55D0-3A34-5231F95D6E10}"/>
               </a:ext>
             </a:extLst>
           </p:cNvPr>
@@ -1380,7 +1395,7 @@
           <p:cNvPr id="5" name="Date Placeholder 4">
             <a:extLst>
               <a:ext uri="{FF2B5EF4-FFF2-40B4-BE49-F238E27FC236}">
-                <a16:creationId xmlns:a16="http://schemas.microsoft.com/office/drawing/2014/main" id="{1C7A8695-893A-4E00-6965-0BE6B217C9FC}"/>
+                <a16:creationId xmlns:a16="http://schemas.microsoft.com/office/drawing/2014/main" id="{2F57B145-B3B4-21A7-425C-8EC6B5EC8ADE}"/>
               </a:ext>
             </a:extLst>
           </p:cNvPr>
@@ -1396,9 +1411,9 @@
           <a:bodyPr/>
           <a:lstStyle/>
           <a:p>
-            <a:fld id="{5FD30485-0903-934F-9999-3B744EEE996D}" type="datetimeFigureOut">
+            <a:fld id="{B53C49C8-4B05-EE40-8396-8AD4B7C5BFD8}" type="datetimeFigureOut">
               <a:rPr lang="en-US" smtClean="0"/>
-              <a:t>10/20/23</a:t>
+              <a:t>11/18/23</a:t>
             </a:fld>
             <a:endParaRPr lang="en-US"/>
           </a:p>
@@ -1409,7 +1424,7 @@
           <p:cNvPr id="6" name="Footer Placeholder 5">
             <a:extLst>
               <a:ext uri="{FF2B5EF4-FFF2-40B4-BE49-F238E27FC236}">
-                <a16:creationId xmlns:a16="http://schemas.microsoft.com/office/drawing/2014/main" id="{7DB0BBA8-A25E-698B-1678-C92CE95029CD}"/>
+                <a16:creationId xmlns:a16="http://schemas.microsoft.com/office/drawing/2014/main" id="{9837EA97-2261-A598-73CB-AA6188226AB8}"/>
               </a:ext>
             </a:extLst>
           </p:cNvPr>
@@ -1434,7 +1449,7 @@
           <p:cNvPr id="7" name="Slide Number Placeholder 6">
             <a:extLst>
               <a:ext uri="{FF2B5EF4-FFF2-40B4-BE49-F238E27FC236}">
-                <a16:creationId xmlns:a16="http://schemas.microsoft.com/office/drawing/2014/main" id="{312B2CC7-5DD2-3B2C-85B1-DFF2D9502607}"/>
+                <a16:creationId xmlns:a16="http://schemas.microsoft.com/office/drawing/2014/main" id="{7B57F96B-25D4-A721-ABDC-23F0945B35BF}"/>
               </a:ext>
             </a:extLst>
           </p:cNvPr>
@@ -1450,7 +1465,7 @@
           <a:bodyPr/>
           <a:lstStyle/>
           <a:p>
-            <a:fld id="{84BB8F0C-9BD6-4143-93A1-ABD168E33B2D}" type="slidenum">
+            <a:fld id="{C5ED0B05-4AB7-2A4A-8D10-07788F6611ED}" type="slidenum">
               <a:rPr lang="en-US" smtClean="0"/>
               <a:t>‹#›</a:t>
             </a:fld>
@@ -1461,7 +1476,7 @@
     </p:spTree>
     <p:extLst>
       <p:ext uri="{BB962C8B-B14F-4D97-AF65-F5344CB8AC3E}">
-        <p14:creationId xmlns:p14="http://schemas.microsoft.com/office/powerpoint/2010/main" val="638798308"/>
+        <p14:creationId xmlns:p14="http://schemas.microsoft.com/office/powerpoint/2010/main" val="1425226258"/>
       </p:ext>
     </p:extLst>
   </p:cSld>
@@ -1493,7 +1508,7 @@
           <p:cNvPr id="2" name="Title 1">
             <a:extLst>
               <a:ext uri="{FF2B5EF4-FFF2-40B4-BE49-F238E27FC236}">
-                <a16:creationId xmlns:a16="http://schemas.microsoft.com/office/drawing/2014/main" id="{ACF05B45-6A73-1C10-82B5-7C5C78DBD0E7}"/>
+                <a16:creationId xmlns:a16="http://schemas.microsoft.com/office/drawing/2014/main" id="{0B0474E5-CEFB-979A-2BD5-6E5375C42007}"/>
               </a:ext>
             </a:extLst>
           </p:cNvPr>
@@ -1526,7 +1541,7 @@
           <p:cNvPr id="3" name="Text Placeholder 2">
             <a:extLst>
               <a:ext uri="{FF2B5EF4-FFF2-40B4-BE49-F238E27FC236}">
-                <a16:creationId xmlns:a16="http://schemas.microsoft.com/office/drawing/2014/main" id="{07E3DDE6-C326-832C-EDBF-5D6631CEE70F}"/>
+                <a16:creationId xmlns:a16="http://schemas.microsoft.com/office/drawing/2014/main" id="{CC2A1BE0-3C0E-1A77-7963-BEC51BBAF52F}"/>
               </a:ext>
             </a:extLst>
           </p:cNvPr>
@@ -1597,7 +1612,7 @@
           <p:cNvPr id="4" name="Content Placeholder 3">
             <a:extLst>
               <a:ext uri="{FF2B5EF4-FFF2-40B4-BE49-F238E27FC236}">
-                <a16:creationId xmlns:a16="http://schemas.microsoft.com/office/drawing/2014/main" id="{98EA14BD-D953-C0B9-FBCC-0A78244F9F4E}"/>
+                <a16:creationId xmlns:a16="http://schemas.microsoft.com/office/drawing/2014/main" id="{2C5F2FBC-C1A9-1A78-C0D4-814036D630B5}"/>
               </a:ext>
             </a:extLst>
           </p:cNvPr>
@@ -1659,7 +1674,7 @@
           <p:cNvPr id="5" name="Text Placeholder 4">
             <a:extLst>
               <a:ext uri="{FF2B5EF4-FFF2-40B4-BE49-F238E27FC236}">
-                <a16:creationId xmlns:a16="http://schemas.microsoft.com/office/drawing/2014/main" id="{3C2009BB-1F8E-3296-CD28-52D682D053A8}"/>
+                <a16:creationId xmlns:a16="http://schemas.microsoft.com/office/drawing/2014/main" id="{2A8953CF-5672-1B03-B5F0-C9891DFCB65E}"/>
               </a:ext>
             </a:extLst>
           </p:cNvPr>
@@ -1730,7 +1745,7 @@
           <p:cNvPr id="6" name="Content Placeholder 5">
             <a:extLst>
               <a:ext uri="{FF2B5EF4-FFF2-40B4-BE49-F238E27FC236}">
-                <a16:creationId xmlns:a16="http://schemas.microsoft.com/office/drawing/2014/main" id="{87FEA5E2-1408-398F-39DD-9B3FF2862810}"/>
+                <a16:creationId xmlns:a16="http://schemas.microsoft.com/office/drawing/2014/main" id="{FDF3AA39-1914-95B3-9447-C5DB56412567}"/>
               </a:ext>
             </a:extLst>
           </p:cNvPr>
@@ -1792,7 +1807,7 @@
           <p:cNvPr id="7" name="Date Placeholder 6">
             <a:extLst>
               <a:ext uri="{FF2B5EF4-FFF2-40B4-BE49-F238E27FC236}">
-                <a16:creationId xmlns:a16="http://schemas.microsoft.com/office/drawing/2014/main" id="{3B8566F0-B265-3EE2-546D-EF755F3804D0}"/>
+                <a16:creationId xmlns:a16="http://schemas.microsoft.com/office/drawing/2014/main" id="{B843F905-732A-5287-6165-CC895E7A7CB4}"/>
               </a:ext>
             </a:extLst>
           </p:cNvPr>
@@ -1808,9 +1823,9 @@
           <a:bodyPr/>
           <a:lstStyle/>
           <a:p>
-            <a:fld id="{5FD30485-0903-934F-9999-3B744EEE996D}" type="datetimeFigureOut">
+            <a:fld id="{B53C49C8-4B05-EE40-8396-8AD4B7C5BFD8}" type="datetimeFigureOut">
               <a:rPr lang="en-US" smtClean="0"/>
-              <a:t>10/20/23</a:t>
+              <a:t>11/18/23</a:t>
             </a:fld>
             <a:endParaRPr lang="en-US"/>
           </a:p>
@@ -1821,7 +1836,7 @@
           <p:cNvPr id="8" name="Footer Placeholder 7">
             <a:extLst>
               <a:ext uri="{FF2B5EF4-FFF2-40B4-BE49-F238E27FC236}">
-                <a16:creationId xmlns:a16="http://schemas.microsoft.com/office/drawing/2014/main" id="{3845FF6A-7D2B-CE4B-0985-B515CB087EDB}"/>
+                <a16:creationId xmlns:a16="http://schemas.microsoft.com/office/drawing/2014/main" id="{9C031290-F942-0EEC-5AE1-0EAD98C1526D}"/>
               </a:ext>
             </a:extLst>
           </p:cNvPr>
@@ -1846,7 +1861,7 @@
           <p:cNvPr id="9" name="Slide Number Placeholder 8">
             <a:extLst>
               <a:ext uri="{FF2B5EF4-FFF2-40B4-BE49-F238E27FC236}">
-                <a16:creationId xmlns:a16="http://schemas.microsoft.com/office/drawing/2014/main" id="{2394D331-AB8B-E902-7046-997B6425FFCE}"/>
+                <a16:creationId xmlns:a16="http://schemas.microsoft.com/office/drawing/2014/main" id="{970786F6-698A-D873-EBFE-E9C4930A5F3E}"/>
               </a:ext>
             </a:extLst>
           </p:cNvPr>
@@ -1862,7 +1877,7 @@
           <a:bodyPr/>
           <a:lstStyle/>
           <a:p>
-            <a:fld id="{84BB8F0C-9BD6-4143-93A1-ABD168E33B2D}" type="slidenum">
+            <a:fld id="{C5ED0B05-4AB7-2A4A-8D10-07788F6611ED}" type="slidenum">
               <a:rPr lang="en-US" smtClean="0"/>
               <a:t>‹#›</a:t>
             </a:fld>
@@ -1873,7 +1888,7 @@
     </p:spTree>
     <p:extLst>
       <p:ext uri="{BB962C8B-B14F-4D97-AF65-F5344CB8AC3E}">
-        <p14:creationId xmlns:p14="http://schemas.microsoft.com/office/powerpoint/2010/main" val="3171228508"/>
+        <p14:creationId xmlns:p14="http://schemas.microsoft.com/office/powerpoint/2010/main" val="682914044"/>
       </p:ext>
     </p:extLst>
   </p:cSld>
@@ -1905,7 +1920,7 @@
           <p:cNvPr id="2" name="Title 1">
             <a:extLst>
               <a:ext uri="{FF2B5EF4-FFF2-40B4-BE49-F238E27FC236}">
-                <a16:creationId xmlns:a16="http://schemas.microsoft.com/office/drawing/2014/main" id="{6BF668E5-7D87-1D89-EA7A-611BD7F2C588}"/>
+                <a16:creationId xmlns:a16="http://schemas.microsoft.com/office/drawing/2014/main" id="{61AC5595-7C45-4585-B7E9-E0E798207D97}"/>
               </a:ext>
             </a:extLst>
           </p:cNvPr>
@@ -1933,7 +1948,7 @@
           <p:cNvPr id="3" name="Date Placeholder 2">
             <a:extLst>
               <a:ext uri="{FF2B5EF4-FFF2-40B4-BE49-F238E27FC236}">
-                <a16:creationId xmlns:a16="http://schemas.microsoft.com/office/drawing/2014/main" id="{9AA5C45A-1722-6D11-9E6E-B83C17621878}"/>
+                <a16:creationId xmlns:a16="http://schemas.microsoft.com/office/drawing/2014/main" id="{E1E865A7-28C2-8362-54FE-3642FE16EF67}"/>
               </a:ext>
             </a:extLst>
           </p:cNvPr>
@@ -1949,9 +1964,9 @@
           <a:bodyPr/>
           <a:lstStyle/>
           <a:p>
-            <a:fld id="{5FD30485-0903-934F-9999-3B744EEE996D}" type="datetimeFigureOut">
+            <a:fld id="{B53C49C8-4B05-EE40-8396-8AD4B7C5BFD8}" type="datetimeFigureOut">
               <a:rPr lang="en-US" smtClean="0"/>
-              <a:t>10/20/23</a:t>
+              <a:t>11/18/23</a:t>
             </a:fld>
             <a:endParaRPr lang="en-US"/>
           </a:p>
@@ -1962,7 +1977,7 @@
           <p:cNvPr id="4" name="Footer Placeholder 3">
             <a:extLst>
               <a:ext uri="{FF2B5EF4-FFF2-40B4-BE49-F238E27FC236}">
-                <a16:creationId xmlns:a16="http://schemas.microsoft.com/office/drawing/2014/main" id="{0B5BA23D-F9B7-06F4-2980-D1131CABCBDA}"/>
+                <a16:creationId xmlns:a16="http://schemas.microsoft.com/office/drawing/2014/main" id="{120D5482-7061-4E4F-84C2-7068A15C73B6}"/>
               </a:ext>
             </a:extLst>
           </p:cNvPr>
@@ -1987,7 +2002,7 @@
           <p:cNvPr id="5" name="Slide Number Placeholder 4">
             <a:extLst>
               <a:ext uri="{FF2B5EF4-FFF2-40B4-BE49-F238E27FC236}">
-                <a16:creationId xmlns:a16="http://schemas.microsoft.com/office/drawing/2014/main" id="{9F63AFA0-4C10-92B6-1144-B0B48BF20351}"/>
+                <a16:creationId xmlns:a16="http://schemas.microsoft.com/office/drawing/2014/main" id="{F0B3B989-6A1C-2E56-6522-4FBAFC3D1132}"/>
               </a:ext>
             </a:extLst>
           </p:cNvPr>
@@ -2003,7 +2018,7 @@
           <a:bodyPr/>
           <a:lstStyle/>
           <a:p>
-            <a:fld id="{84BB8F0C-9BD6-4143-93A1-ABD168E33B2D}" type="slidenum">
+            <a:fld id="{C5ED0B05-4AB7-2A4A-8D10-07788F6611ED}" type="slidenum">
               <a:rPr lang="en-US" smtClean="0"/>
               <a:t>‹#›</a:t>
             </a:fld>
@@ -2014,7 +2029,7 @@
     </p:spTree>
     <p:extLst>
       <p:ext uri="{BB962C8B-B14F-4D97-AF65-F5344CB8AC3E}">
-        <p14:creationId xmlns:p14="http://schemas.microsoft.com/office/powerpoint/2010/main" val="1782519460"/>
+        <p14:creationId xmlns:p14="http://schemas.microsoft.com/office/powerpoint/2010/main" val="1969635468"/>
       </p:ext>
     </p:extLst>
   </p:cSld>
@@ -2046,7 +2061,7 @@
           <p:cNvPr id="2" name="Date Placeholder 1">
             <a:extLst>
               <a:ext uri="{FF2B5EF4-FFF2-40B4-BE49-F238E27FC236}">
-                <a16:creationId xmlns:a16="http://schemas.microsoft.com/office/drawing/2014/main" id="{25D45F17-E2AC-2D60-7F36-BA5902921B2B}"/>
+                <a16:creationId xmlns:a16="http://schemas.microsoft.com/office/drawing/2014/main" id="{E1268C96-EF41-F0E7-ED5F-E09754CA4048}"/>
               </a:ext>
             </a:extLst>
           </p:cNvPr>
@@ -2062,9 +2077,9 @@
           <a:bodyPr/>
           <a:lstStyle/>
           <a:p>
-            <a:fld id="{5FD30485-0903-934F-9999-3B744EEE996D}" type="datetimeFigureOut">
+            <a:fld id="{B53C49C8-4B05-EE40-8396-8AD4B7C5BFD8}" type="datetimeFigureOut">
               <a:rPr lang="en-US" smtClean="0"/>
-              <a:t>10/20/23</a:t>
+              <a:t>11/18/23</a:t>
             </a:fld>
             <a:endParaRPr lang="en-US"/>
           </a:p>
@@ -2075,7 +2090,7 @@
           <p:cNvPr id="3" name="Footer Placeholder 2">
             <a:extLst>
               <a:ext uri="{FF2B5EF4-FFF2-40B4-BE49-F238E27FC236}">
-                <a16:creationId xmlns:a16="http://schemas.microsoft.com/office/drawing/2014/main" id="{AA612870-FA68-6977-787B-4C378825ADD9}"/>
+                <a16:creationId xmlns:a16="http://schemas.microsoft.com/office/drawing/2014/main" id="{CC39C694-0851-CAB4-757F-159665DC4D84}"/>
               </a:ext>
             </a:extLst>
           </p:cNvPr>
@@ -2100,7 +2115,7 @@
           <p:cNvPr id="4" name="Slide Number Placeholder 3">
             <a:extLst>
               <a:ext uri="{FF2B5EF4-FFF2-40B4-BE49-F238E27FC236}">
-                <a16:creationId xmlns:a16="http://schemas.microsoft.com/office/drawing/2014/main" id="{DC879219-BAD3-FA57-C1C1-D4BFE57266A7}"/>
+                <a16:creationId xmlns:a16="http://schemas.microsoft.com/office/drawing/2014/main" id="{3E36CFCB-A15D-F09F-E62A-E48A4C1CA183}"/>
               </a:ext>
             </a:extLst>
           </p:cNvPr>
@@ -2116,7 +2131,7 @@
           <a:bodyPr/>
           <a:lstStyle/>
           <a:p>
-            <a:fld id="{84BB8F0C-9BD6-4143-93A1-ABD168E33B2D}" type="slidenum">
+            <a:fld id="{C5ED0B05-4AB7-2A4A-8D10-07788F6611ED}" type="slidenum">
               <a:rPr lang="en-US" smtClean="0"/>
               <a:t>‹#›</a:t>
             </a:fld>
@@ -2127,7 +2142,7 @@
     </p:spTree>
     <p:extLst>
       <p:ext uri="{BB962C8B-B14F-4D97-AF65-F5344CB8AC3E}">
-        <p14:creationId xmlns:p14="http://schemas.microsoft.com/office/powerpoint/2010/main" val="3319649083"/>
+        <p14:creationId xmlns:p14="http://schemas.microsoft.com/office/powerpoint/2010/main" val="3284668703"/>
       </p:ext>
     </p:extLst>
   </p:cSld>
@@ -2159,7 +2174,7 @@
           <p:cNvPr id="2" name="Title 1">
             <a:extLst>
               <a:ext uri="{FF2B5EF4-FFF2-40B4-BE49-F238E27FC236}">
-                <a16:creationId xmlns:a16="http://schemas.microsoft.com/office/drawing/2014/main" id="{4E5763A8-0F49-D5D8-5DAA-4C053D4D0E48}"/>
+                <a16:creationId xmlns:a16="http://schemas.microsoft.com/office/drawing/2014/main" id="{F2131F7E-5EC0-C867-A4BD-AAB6F1B9EEEB}"/>
               </a:ext>
             </a:extLst>
           </p:cNvPr>
@@ -2196,7 +2211,7 @@
           <p:cNvPr id="3" name="Content Placeholder 2">
             <a:extLst>
               <a:ext uri="{FF2B5EF4-FFF2-40B4-BE49-F238E27FC236}">
-                <a16:creationId xmlns:a16="http://schemas.microsoft.com/office/drawing/2014/main" id="{22561F30-13F8-C755-FC69-02D59E7F9A48}"/>
+                <a16:creationId xmlns:a16="http://schemas.microsoft.com/office/drawing/2014/main" id="{B5B27C7C-9B2B-F5E4-264B-B603DEFBC513}"/>
               </a:ext>
             </a:extLst>
           </p:cNvPr>
@@ -2286,7 +2301,7 @@
           <p:cNvPr id="4" name="Text Placeholder 3">
             <a:extLst>
               <a:ext uri="{FF2B5EF4-FFF2-40B4-BE49-F238E27FC236}">
-                <a16:creationId xmlns:a16="http://schemas.microsoft.com/office/drawing/2014/main" id="{FC3BC315-6163-301C-5CBE-D250AFB4D030}"/>
+                <a16:creationId xmlns:a16="http://schemas.microsoft.com/office/drawing/2014/main" id="{F8781940-93E7-5AE1-DD9E-08E17A8D71CB}"/>
               </a:ext>
             </a:extLst>
           </p:cNvPr>
@@ -2357,7 +2372,7 @@
           <p:cNvPr id="5" name="Date Placeholder 4">
             <a:extLst>
               <a:ext uri="{FF2B5EF4-FFF2-40B4-BE49-F238E27FC236}">
-                <a16:creationId xmlns:a16="http://schemas.microsoft.com/office/drawing/2014/main" id="{45E0D3B8-C2C3-94BB-6A6F-B1D995B9BF55}"/>
+                <a16:creationId xmlns:a16="http://schemas.microsoft.com/office/drawing/2014/main" id="{537A9C3D-5416-C662-9CC3-17E6BD3E415F}"/>
               </a:ext>
             </a:extLst>
           </p:cNvPr>
@@ -2373,9 +2388,9 @@
           <a:bodyPr/>
           <a:lstStyle/>
           <a:p>
-            <a:fld id="{5FD30485-0903-934F-9999-3B744EEE996D}" type="datetimeFigureOut">
+            <a:fld id="{B53C49C8-4B05-EE40-8396-8AD4B7C5BFD8}" type="datetimeFigureOut">
               <a:rPr lang="en-US" smtClean="0"/>
-              <a:t>10/20/23</a:t>
+              <a:t>11/18/23</a:t>
             </a:fld>
             <a:endParaRPr lang="en-US"/>
           </a:p>
@@ -2386,7 +2401,7 @@
           <p:cNvPr id="6" name="Footer Placeholder 5">
             <a:extLst>
               <a:ext uri="{FF2B5EF4-FFF2-40B4-BE49-F238E27FC236}">
-                <a16:creationId xmlns:a16="http://schemas.microsoft.com/office/drawing/2014/main" id="{D1AD57D6-D654-3A84-3513-6C45C5950629}"/>
+                <a16:creationId xmlns:a16="http://schemas.microsoft.com/office/drawing/2014/main" id="{1703C4D0-970D-B680-E22F-04C533A794E9}"/>
               </a:ext>
             </a:extLst>
           </p:cNvPr>
@@ -2411,7 +2426,7 @@
           <p:cNvPr id="7" name="Slide Number Placeholder 6">
             <a:extLst>
               <a:ext uri="{FF2B5EF4-FFF2-40B4-BE49-F238E27FC236}">
-                <a16:creationId xmlns:a16="http://schemas.microsoft.com/office/drawing/2014/main" id="{1A87671F-1250-CE7F-1296-AEB3233FFCB7}"/>
+                <a16:creationId xmlns:a16="http://schemas.microsoft.com/office/drawing/2014/main" id="{501D018A-D5E7-68AE-70E8-F234195380C5}"/>
               </a:ext>
             </a:extLst>
           </p:cNvPr>
@@ -2427,7 +2442,7 @@
           <a:bodyPr/>
           <a:lstStyle/>
           <a:p>
-            <a:fld id="{84BB8F0C-9BD6-4143-93A1-ABD168E33B2D}" type="slidenum">
+            <a:fld id="{C5ED0B05-4AB7-2A4A-8D10-07788F6611ED}" type="slidenum">
               <a:rPr lang="en-US" smtClean="0"/>
               <a:t>‹#›</a:t>
             </a:fld>
@@ -2438,7 +2453,7 @@
     </p:spTree>
     <p:extLst>
       <p:ext uri="{BB962C8B-B14F-4D97-AF65-F5344CB8AC3E}">
-        <p14:creationId xmlns:p14="http://schemas.microsoft.com/office/powerpoint/2010/main" val="3799902595"/>
+        <p14:creationId xmlns:p14="http://schemas.microsoft.com/office/powerpoint/2010/main" val="1946341521"/>
       </p:ext>
     </p:extLst>
   </p:cSld>
@@ -2470,7 +2485,7 @@
           <p:cNvPr id="2" name="Title 1">
             <a:extLst>
               <a:ext uri="{FF2B5EF4-FFF2-40B4-BE49-F238E27FC236}">
-                <a16:creationId xmlns:a16="http://schemas.microsoft.com/office/drawing/2014/main" id="{184051BC-4BA5-2A14-3033-BBA27288E21A}"/>
+                <a16:creationId xmlns:a16="http://schemas.microsoft.com/office/drawing/2014/main" id="{F0D0EF85-F0EE-3379-4537-D5D439475DB1}"/>
               </a:ext>
             </a:extLst>
           </p:cNvPr>
@@ -2507,7 +2522,7 @@
           <p:cNvPr id="3" name="Picture Placeholder 2">
             <a:extLst>
               <a:ext uri="{FF2B5EF4-FFF2-40B4-BE49-F238E27FC236}">
-                <a16:creationId xmlns:a16="http://schemas.microsoft.com/office/drawing/2014/main" id="{63A03BAF-7B25-13AE-38E5-50FF094C261F}"/>
+                <a16:creationId xmlns:a16="http://schemas.microsoft.com/office/drawing/2014/main" id="{8B62C564-3995-DACE-6C3D-81E9184A646B}"/>
               </a:ext>
             </a:extLst>
           </p:cNvPr>
@@ -2574,7 +2589,7 @@
           <p:cNvPr id="4" name="Text Placeholder 3">
             <a:extLst>
               <a:ext uri="{FF2B5EF4-FFF2-40B4-BE49-F238E27FC236}">
-                <a16:creationId xmlns:a16="http://schemas.microsoft.com/office/drawing/2014/main" id="{774B8501-5AB7-0536-9C08-8571C3285247}"/>
+                <a16:creationId xmlns:a16="http://schemas.microsoft.com/office/drawing/2014/main" id="{B8D2E531-913D-B8FA-0CBD-E371A2EA953D}"/>
               </a:ext>
             </a:extLst>
           </p:cNvPr>
@@ -2645,7 +2660,7 @@
           <p:cNvPr id="5" name="Date Placeholder 4">
             <a:extLst>
               <a:ext uri="{FF2B5EF4-FFF2-40B4-BE49-F238E27FC236}">
-                <a16:creationId xmlns:a16="http://schemas.microsoft.com/office/drawing/2014/main" id="{DDB07D3C-275C-270A-9085-C358575E4CAB}"/>
+                <a16:creationId xmlns:a16="http://schemas.microsoft.com/office/drawing/2014/main" id="{E247FDAC-0A9F-AFAF-EA36-6B0AEFB7C8FA}"/>
               </a:ext>
             </a:extLst>
           </p:cNvPr>
@@ -2661,9 +2676,9 @@
           <a:bodyPr/>
           <a:lstStyle/>
           <a:p>
-            <a:fld id="{5FD30485-0903-934F-9999-3B744EEE996D}" type="datetimeFigureOut">
+            <a:fld id="{B53C49C8-4B05-EE40-8396-8AD4B7C5BFD8}" type="datetimeFigureOut">
               <a:rPr lang="en-US" smtClean="0"/>
-              <a:t>10/20/23</a:t>
+              <a:t>11/18/23</a:t>
             </a:fld>
             <a:endParaRPr lang="en-US"/>
           </a:p>
@@ -2674,7 +2689,7 @@
           <p:cNvPr id="6" name="Footer Placeholder 5">
             <a:extLst>
               <a:ext uri="{FF2B5EF4-FFF2-40B4-BE49-F238E27FC236}">
-                <a16:creationId xmlns:a16="http://schemas.microsoft.com/office/drawing/2014/main" id="{BB360A29-17D9-DF94-FB5E-54BD7A0D65C7}"/>
+                <a16:creationId xmlns:a16="http://schemas.microsoft.com/office/drawing/2014/main" id="{891903AD-5F9B-A98D-0B76-3CF9942ACD12}"/>
               </a:ext>
             </a:extLst>
           </p:cNvPr>
@@ -2699,7 +2714,7 @@
           <p:cNvPr id="7" name="Slide Number Placeholder 6">
             <a:extLst>
               <a:ext uri="{FF2B5EF4-FFF2-40B4-BE49-F238E27FC236}">
-                <a16:creationId xmlns:a16="http://schemas.microsoft.com/office/drawing/2014/main" id="{83734D9C-9678-80D8-E1BB-41A1EB49FB33}"/>
+                <a16:creationId xmlns:a16="http://schemas.microsoft.com/office/drawing/2014/main" id="{B7461A04-9B70-AEBD-808B-0C5C017614A2}"/>
               </a:ext>
             </a:extLst>
           </p:cNvPr>
@@ -2715,7 +2730,7 @@
           <a:bodyPr/>
           <a:lstStyle/>
           <a:p>
-            <a:fld id="{84BB8F0C-9BD6-4143-93A1-ABD168E33B2D}" type="slidenum">
+            <a:fld id="{C5ED0B05-4AB7-2A4A-8D10-07788F6611ED}" type="slidenum">
               <a:rPr lang="en-US" smtClean="0"/>
               <a:t>‹#›</a:t>
             </a:fld>
@@ -2726,7 +2741,7 @@
     </p:spTree>
     <p:extLst>
       <p:ext uri="{BB962C8B-B14F-4D97-AF65-F5344CB8AC3E}">
-        <p14:creationId xmlns:p14="http://schemas.microsoft.com/office/powerpoint/2010/main" val="1332513761"/>
+        <p14:creationId xmlns:p14="http://schemas.microsoft.com/office/powerpoint/2010/main" val="1774876430"/>
       </p:ext>
     </p:extLst>
   </p:cSld>
@@ -2740,9 +2755,14 @@
 <p:sldMaster xmlns:a="http://schemas.openxmlformats.org/drawingml/2006/main" xmlns:r="http://schemas.openxmlformats.org/officeDocument/2006/relationships" xmlns:p="http://schemas.openxmlformats.org/presentationml/2006/main">
   <p:cSld>
     <p:bg>
-      <p:bgRef idx="1001">
-        <a:schemeClr val="bg1"/>
-      </p:bgRef>
+      <p:bgPr>
+        <a:solidFill>
+          <a:srgbClr val="7030A0">
+            <a:alpha val="32651"/>
+          </a:srgbClr>
+        </a:solidFill>
+        <a:effectLst/>
+      </p:bgPr>
     </p:bg>
     <p:spTree>
       <p:nvGrpSpPr>
@@ -2763,7 +2783,7 @@
           <p:cNvPr id="2" name="Title Placeholder 1">
             <a:extLst>
               <a:ext uri="{FF2B5EF4-FFF2-40B4-BE49-F238E27FC236}">
-                <a16:creationId xmlns:a16="http://schemas.microsoft.com/office/drawing/2014/main" id="{93EA2D6D-836F-2A05-4637-F79FB164592C}"/>
+                <a16:creationId xmlns:a16="http://schemas.microsoft.com/office/drawing/2014/main" id="{16E20107-6D55-C93A-072F-955A26A24E4F}"/>
               </a:ext>
             </a:extLst>
           </p:cNvPr>
@@ -2801,7 +2821,7 @@
           <p:cNvPr id="3" name="Text Placeholder 2">
             <a:extLst>
               <a:ext uri="{FF2B5EF4-FFF2-40B4-BE49-F238E27FC236}">
-                <a16:creationId xmlns:a16="http://schemas.microsoft.com/office/drawing/2014/main" id="{6AF2B420-81E9-F68E-B44B-7D4E1E225D92}"/>
+                <a16:creationId xmlns:a16="http://schemas.microsoft.com/office/drawing/2014/main" id="{31C9388B-8834-6F5A-3007-A4EBB3E43DFE}"/>
               </a:ext>
             </a:extLst>
           </p:cNvPr>
@@ -2868,7 +2888,7 @@
           <p:cNvPr id="4" name="Date Placeholder 3">
             <a:extLst>
               <a:ext uri="{FF2B5EF4-FFF2-40B4-BE49-F238E27FC236}">
-                <a16:creationId xmlns:a16="http://schemas.microsoft.com/office/drawing/2014/main" id="{F482E9B5-9BE0-4AA7-E3F9-D631572E976F}"/>
+                <a16:creationId xmlns:a16="http://schemas.microsoft.com/office/drawing/2014/main" id="{8AB6BAA2-14E0-A47C-38BE-4D84E02888F1}"/>
               </a:ext>
             </a:extLst>
           </p:cNvPr>
@@ -2902,9 +2922,9 @@
             </a:lvl1pPr>
           </a:lstStyle>
           <a:p>
-            <a:fld id="{5FD30485-0903-934F-9999-3B744EEE996D}" type="datetimeFigureOut">
+            <a:fld id="{B53C49C8-4B05-EE40-8396-8AD4B7C5BFD8}" type="datetimeFigureOut">
               <a:rPr lang="en-US" smtClean="0"/>
-              <a:t>10/20/23</a:t>
+              <a:t>11/18/23</a:t>
             </a:fld>
             <a:endParaRPr lang="en-US"/>
           </a:p>
@@ -2915,7 +2935,7 @@
           <p:cNvPr id="5" name="Footer Placeholder 4">
             <a:extLst>
               <a:ext uri="{FF2B5EF4-FFF2-40B4-BE49-F238E27FC236}">
-                <a16:creationId xmlns:a16="http://schemas.microsoft.com/office/drawing/2014/main" id="{9C92D4D3-4F4B-4298-F49E-7D03A1656B9D}"/>
+                <a16:creationId xmlns:a16="http://schemas.microsoft.com/office/drawing/2014/main" id="{D8521690-4FAC-5538-63F9-B6B6A774CABA}"/>
               </a:ext>
             </a:extLst>
           </p:cNvPr>
@@ -2958,7 +2978,7 @@
           <p:cNvPr id="6" name="Slide Number Placeholder 5">
             <a:extLst>
               <a:ext uri="{FF2B5EF4-FFF2-40B4-BE49-F238E27FC236}">
-                <a16:creationId xmlns:a16="http://schemas.microsoft.com/office/drawing/2014/main" id="{096DA853-4104-BB7E-B2C7-157F14FEE357}"/>
+                <a16:creationId xmlns:a16="http://schemas.microsoft.com/office/drawing/2014/main" id="{FBA7A15F-681B-C48C-9C15-F0B9BAE04BB2}"/>
               </a:ext>
             </a:extLst>
           </p:cNvPr>
@@ -2992,7 +3012,7 @@
             </a:lvl1pPr>
           </a:lstStyle>
           <a:p>
-            <a:fld id="{84BB8F0C-9BD6-4143-93A1-ABD168E33B2D}" type="slidenum">
+            <a:fld id="{C5ED0B05-4AB7-2A4A-8D10-07788F6611ED}" type="slidenum">
               <a:rPr lang="en-US" smtClean="0"/>
               <a:t>‹#›</a:t>
             </a:fld>
@@ -3003,7 +3023,7 @@
     </p:spTree>
     <p:extLst>
       <p:ext uri="{BB962C8B-B14F-4D97-AF65-F5344CB8AC3E}">
-        <p14:creationId xmlns:p14="http://schemas.microsoft.com/office/powerpoint/2010/main" val="1890404732"/>
+        <p14:creationId xmlns:p14="http://schemas.microsoft.com/office/powerpoint/2010/main" val="666003482"/>
       </p:ext>
     </p:extLst>
   </p:cSld>
@@ -3321,16 +3341,4457 @@
           <a:chExt cx="0" cy="0"/>
         </a:xfrm>
       </p:grpSpPr>
+      <p:sp>
+        <p:nvSpPr>
+          <p:cNvPr id="2" name="Title 1">
+            <a:extLst>
+              <a:ext uri="{FF2B5EF4-FFF2-40B4-BE49-F238E27FC236}">
+                <a16:creationId xmlns:a16="http://schemas.microsoft.com/office/drawing/2014/main" id="{2D0E3D38-36BC-853E-6261-11E01FBC224E}"/>
+              </a:ext>
+            </a:extLst>
+          </p:cNvPr>
+          <p:cNvSpPr>
+            <a:spLocks noGrp="1"/>
+          </p:cNvSpPr>
+          <p:nvPr>
+            <p:ph type="ctrTitle"/>
+          </p:nvPr>
+        </p:nvSpPr>
+        <p:spPr>
+          <a:xfrm>
+            <a:off x="1524000" y="1079499"/>
+            <a:ext cx="9144000" cy="1046163"/>
+          </a:xfrm>
+        </p:spPr>
+        <p:txBody>
+          <a:bodyPr/>
+          <a:lstStyle/>
+          <a:p>
+            <a:r>
+              <a:rPr lang="en-US" b="1" dirty="0">
+                <a:latin typeface="Garamond" panose="02020404030301010803" pitchFamily="18" charset="0"/>
+              </a:rPr>
+              <a:t>Title</a:t>
+            </a:r>
+          </a:p>
+        </p:txBody>
+      </p:sp>
+      <p:sp>
+        <p:nvSpPr>
+          <p:cNvPr id="3" name="Subtitle 2">
+            <a:extLst>
+              <a:ext uri="{FF2B5EF4-FFF2-40B4-BE49-F238E27FC236}">
+                <a16:creationId xmlns:a16="http://schemas.microsoft.com/office/drawing/2014/main" id="{AFC04A13-B67E-E2A4-10D8-47DA9D157F83}"/>
+              </a:ext>
+            </a:extLst>
+          </p:cNvPr>
+          <p:cNvSpPr>
+            <a:spLocks noGrp="1"/>
+          </p:cNvSpPr>
+          <p:nvPr>
+            <p:ph type="subTitle" idx="1"/>
+          </p:nvPr>
+        </p:nvSpPr>
+        <p:spPr>
+          <a:xfrm>
+            <a:off x="1524000" y="2687638"/>
+            <a:ext cx="9144000" cy="1655762"/>
+          </a:xfrm>
+        </p:spPr>
+        <p:txBody>
+          <a:bodyPr/>
+          <a:lstStyle/>
+          <a:p>
+            <a:r>
+              <a:rPr lang="en-US" dirty="0"/>
+              <a:t>Description</a:t>
+            </a:r>
+          </a:p>
+        </p:txBody>
+      </p:sp>
+      <p:sp>
+        <p:nvSpPr>
+          <p:cNvPr id="4" name="TextBox 3">
+            <a:extLst>
+              <a:ext uri="{FF2B5EF4-FFF2-40B4-BE49-F238E27FC236}">
+                <a16:creationId xmlns:a16="http://schemas.microsoft.com/office/drawing/2014/main" id="{04AB625E-0785-D589-FD41-46BADC8AADE3}"/>
+              </a:ext>
+            </a:extLst>
+          </p:cNvPr>
+          <p:cNvSpPr txBox="1"/>
+          <p:nvPr/>
+        </p:nvSpPr>
+        <p:spPr>
+          <a:xfrm>
+            <a:off x="5303154" y="6067994"/>
+            <a:ext cx="1585692" cy="276999"/>
+          </a:xfrm>
+          <a:prstGeom prst="rect">
+            <a:avLst/>
+          </a:prstGeom>
+        </p:spPr>
+        <p:style>
+          <a:lnRef idx="2">
+            <a:schemeClr val="dk1"/>
+          </a:lnRef>
+          <a:fillRef idx="1">
+            <a:schemeClr val="lt1"/>
+          </a:fillRef>
+          <a:effectRef idx="0">
+            <a:schemeClr val="dk1"/>
+          </a:effectRef>
+          <a:fontRef idx="minor">
+            <a:schemeClr val="dk1"/>
+          </a:fontRef>
+        </p:style>
+        <p:txBody>
+          <a:bodyPr wrap="none" rtlCol="0">
+            <a:spAutoFit/>
+          </a:bodyPr>
+          <a:lstStyle/>
+          <a:p>
+            <a:pPr algn="ctr"/>
+            <a:r>
+              <a:rPr lang="en-US" sz="1200" dirty="0">
+                <a:latin typeface="Garamond" panose="02020404030301010803" pitchFamily="18" charset="0"/>
+              </a:rPr>
+              <a:t>Aaron Galbraith • 2023</a:t>
+            </a:r>
+          </a:p>
+        </p:txBody>
+      </p:sp>
     </p:spTree>
     <p:extLst>
       <p:ext uri="{BB962C8B-B14F-4D97-AF65-F5344CB8AC3E}">
-        <p14:creationId xmlns:p14="http://schemas.microsoft.com/office/powerpoint/2010/main" val="3938325678"/>
+        <p14:creationId xmlns:p14="http://schemas.microsoft.com/office/powerpoint/2010/main" val="3550184879"/>
       </p:ext>
     </p:extLst>
   </p:cSld>
   <p:clrMapOvr>
     <a:masterClrMapping/>
   </p:clrMapOvr>
+</p:sld>
+</file>
+
+<file path=ppt/slides/slide10.xml><?xml version="1.0" encoding="utf-8"?>
+<p:sld xmlns:a="http://schemas.openxmlformats.org/drawingml/2006/main" xmlns:r="http://schemas.openxmlformats.org/officeDocument/2006/relationships" xmlns:p="http://schemas.openxmlformats.org/presentationml/2006/main">
+  <p:cSld>
+    <p:spTree>
+      <p:nvGrpSpPr>
+        <p:cNvPr id="1" name=""/>
+        <p:cNvGrpSpPr/>
+        <p:nvPr/>
+      </p:nvGrpSpPr>
+      <p:grpSpPr>
+        <a:xfrm>
+          <a:off x="0" y="0"/>
+          <a:ext cx="0" cy="0"/>
+          <a:chOff x="0" y="0"/>
+          <a:chExt cx="0" cy="0"/>
+        </a:xfrm>
+      </p:grpSpPr>
+      <p:sp>
+        <p:nvSpPr>
+          <p:cNvPr id="2" name="Title 1">
+            <a:extLst>
+              <a:ext uri="{FF2B5EF4-FFF2-40B4-BE49-F238E27FC236}">
+                <a16:creationId xmlns:a16="http://schemas.microsoft.com/office/drawing/2014/main" id="{DCCA6408-7B66-0D9A-6DCA-8E1D30EE108F}"/>
+              </a:ext>
+            </a:extLst>
+          </p:cNvPr>
+          <p:cNvSpPr>
+            <a:spLocks noGrp="1"/>
+          </p:cNvSpPr>
+          <p:nvPr>
+            <p:ph type="title"/>
+          </p:nvPr>
+        </p:nvSpPr>
+        <p:spPr/>
+        <p:txBody>
+          <a:bodyPr>
+            <a:normAutofit/>
+          </a:bodyPr>
+          <a:lstStyle/>
+          <a:p>
+            <a:pPr algn="ctr"/>
+            <a:r>
+              <a:rPr lang="en-US" sz="4800" b="1" dirty="0">
+                <a:latin typeface="Garamond" panose="02020404030301010803" pitchFamily="18" charset="0"/>
+              </a:rPr>
+              <a:t>Further Inquiry</a:t>
+            </a:r>
+          </a:p>
+        </p:txBody>
+      </p:sp>
+      <p:sp>
+        <p:nvSpPr>
+          <p:cNvPr id="3" name="TextBox 2">
+            <a:extLst>
+              <a:ext uri="{FF2B5EF4-FFF2-40B4-BE49-F238E27FC236}">
+                <a16:creationId xmlns:a16="http://schemas.microsoft.com/office/drawing/2014/main" id="{2306E396-E512-0477-F0EF-0F53CBBA6C05}"/>
+              </a:ext>
+            </a:extLst>
+          </p:cNvPr>
+          <p:cNvSpPr txBox="1"/>
+          <p:nvPr/>
+        </p:nvSpPr>
+        <p:spPr>
+          <a:xfrm>
+            <a:off x="838200" y="2198023"/>
+            <a:ext cx="4953000" cy="584775"/>
+          </a:xfrm>
+          <a:prstGeom prst="rect">
+            <a:avLst/>
+          </a:prstGeom>
+          <a:solidFill>
+            <a:schemeClr val="bg1"/>
+          </a:solidFill>
+          <a:ln>
+            <a:solidFill>
+              <a:schemeClr val="tx1"/>
+            </a:solidFill>
+          </a:ln>
+        </p:spPr>
+        <p:txBody>
+          <a:bodyPr wrap="square" rtlCol="0">
+            <a:spAutoFit/>
+          </a:bodyPr>
+          <a:lstStyle/>
+          <a:p>
+            <a:pPr marL="457200" indent="-457200">
+              <a:buFont typeface="Arial" panose="020B0604020202020204" pitchFamily="34" charset="0"/>
+              <a:buChar char="•"/>
+            </a:pPr>
+            <a:r>
+              <a:rPr lang="en-US" sz="3200" dirty="0">
+                <a:latin typeface="Garamond" panose="02020404030301010803" pitchFamily="18" charset="0"/>
+              </a:rPr>
+              <a:t>analyze all three sentiments</a:t>
+            </a:r>
+          </a:p>
+        </p:txBody>
+      </p:sp>
+      <p:sp>
+        <p:nvSpPr>
+          <p:cNvPr id="5" name="TextBox 4">
+            <a:extLst>
+              <a:ext uri="{FF2B5EF4-FFF2-40B4-BE49-F238E27FC236}">
+                <a16:creationId xmlns:a16="http://schemas.microsoft.com/office/drawing/2014/main" id="{C4000F46-69B5-EDDA-78D7-43BB9CD8000D}"/>
+              </a:ext>
+            </a:extLst>
+          </p:cNvPr>
+          <p:cNvSpPr txBox="1"/>
+          <p:nvPr/>
+        </p:nvSpPr>
+        <p:spPr>
+          <a:xfrm>
+            <a:off x="838200" y="3367572"/>
+            <a:ext cx="9735207" cy="584775"/>
+          </a:xfrm>
+          <a:prstGeom prst="rect">
+            <a:avLst/>
+          </a:prstGeom>
+          <a:solidFill>
+            <a:schemeClr val="bg1"/>
+          </a:solidFill>
+          <a:ln>
+            <a:solidFill>
+              <a:schemeClr val="tx1"/>
+            </a:solidFill>
+          </a:ln>
+        </p:spPr>
+        <p:txBody>
+          <a:bodyPr wrap="square" rtlCol="0">
+            <a:spAutoFit/>
+          </a:bodyPr>
+          <a:lstStyle/>
+          <a:p>
+            <a:pPr marL="457200" indent="-457200">
+              <a:buFont typeface="Arial" panose="020B0604020202020204" pitchFamily="34" charset="0"/>
+              <a:buChar char="•"/>
+            </a:pPr>
+            <a:r>
+              <a:rPr lang="en-US" sz="3200" dirty="0">
+                <a:latin typeface="Garamond" panose="02020404030301010803" pitchFamily="18" charset="0"/>
+              </a:rPr>
+              <a:t>incorporate more features to the model (e.g. tweet length)</a:t>
+            </a:r>
+          </a:p>
+        </p:txBody>
+      </p:sp>
+      <p:sp>
+        <p:nvSpPr>
+          <p:cNvPr id="6" name="TextBox 5">
+            <a:extLst>
+              <a:ext uri="{FF2B5EF4-FFF2-40B4-BE49-F238E27FC236}">
+                <a16:creationId xmlns:a16="http://schemas.microsoft.com/office/drawing/2014/main" id="{CB9AB30D-0FDB-AF3A-7242-1534C80F2FD3}"/>
+              </a:ext>
+            </a:extLst>
+          </p:cNvPr>
+          <p:cNvSpPr txBox="1"/>
+          <p:nvPr/>
+        </p:nvSpPr>
+        <p:spPr>
+          <a:xfrm>
+            <a:off x="838200" y="4537121"/>
+            <a:ext cx="6687207" cy="584775"/>
+          </a:xfrm>
+          <a:prstGeom prst="rect">
+            <a:avLst/>
+          </a:prstGeom>
+          <a:solidFill>
+            <a:schemeClr val="bg1"/>
+          </a:solidFill>
+          <a:ln>
+            <a:solidFill>
+              <a:schemeClr val="tx1"/>
+            </a:solidFill>
+          </a:ln>
+        </p:spPr>
+        <p:txBody>
+          <a:bodyPr wrap="square" rtlCol="0">
+            <a:spAutoFit/>
+          </a:bodyPr>
+          <a:lstStyle/>
+          <a:p>
+            <a:pPr marL="457200" indent="-457200">
+              <a:buFont typeface="Arial" panose="020B0604020202020204" pitchFamily="34" charset="0"/>
+              <a:buChar char="•"/>
+            </a:pPr>
+            <a:r>
+              <a:rPr lang="en-US" sz="3200" dirty="0">
+                <a:latin typeface="Garamond" panose="02020404030301010803" pitchFamily="18" charset="0"/>
+              </a:rPr>
+              <a:t>get to the bottom of overfitting issues</a:t>
+            </a:r>
+          </a:p>
+        </p:txBody>
+      </p:sp>
+    </p:spTree>
+    <p:extLst>
+      <p:ext uri="{BB962C8B-B14F-4D97-AF65-F5344CB8AC3E}">
+        <p14:creationId xmlns:p14="http://schemas.microsoft.com/office/powerpoint/2010/main" val="4172983938"/>
+      </p:ext>
+    </p:extLst>
+  </p:cSld>
+  <p:clrMapOvr>
+    <a:masterClrMapping/>
+  </p:clrMapOvr>
+  <p:timing>
+    <p:tnLst>
+      <p:par>
+        <p:cTn id="1" dur="indefinite" restart="never" nodeType="tmRoot">
+          <p:childTnLst>
+            <p:seq concurrent="1" nextAc="seek">
+              <p:cTn id="2" dur="indefinite" nodeType="mainSeq">
+                <p:childTnLst>
+                  <p:par>
+                    <p:cTn id="3" fill="hold">
+                      <p:stCondLst>
+                        <p:cond delay="indefinite"/>
+                      </p:stCondLst>
+                      <p:childTnLst>
+                        <p:par>
+                          <p:cTn id="4" fill="hold">
+                            <p:stCondLst>
+                              <p:cond delay="0"/>
+                            </p:stCondLst>
+                            <p:childTnLst>
+                              <p:par>
+                                <p:cTn id="5" presetID="9" presetClass="entr" presetSubtype="0" fill="hold" nodeType="clickEffect">
+                                  <p:stCondLst>
+                                    <p:cond delay="0"/>
+                                  </p:stCondLst>
+                                  <p:childTnLst>
+                                    <p:set>
+                                      <p:cBhvr>
+                                        <p:cTn id="6" dur="1" fill="hold">
+                                          <p:stCondLst>
+                                            <p:cond delay="0"/>
+                                          </p:stCondLst>
+                                        </p:cTn>
+                                        <p:tgtEl>
+                                          <p:spTgt spid="3">
+                                            <p:txEl>
+                                              <p:pRg st="0" end="0"/>
+                                            </p:txEl>
+                                          </p:spTgt>
+                                        </p:tgtEl>
+                                        <p:attrNameLst>
+                                          <p:attrName>style.visibility</p:attrName>
+                                        </p:attrNameLst>
+                                      </p:cBhvr>
+                                      <p:to>
+                                        <p:strVal val="visible"/>
+                                      </p:to>
+                                    </p:set>
+                                    <p:animEffect transition="in" filter="dissolve">
+                                      <p:cBhvr>
+                                        <p:cTn id="7" dur="500"/>
+                                        <p:tgtEl>
+                                          <p:spTgt spid="3">
+                                            <p:txEl>
+                                              <p:pRg st="0" end="0"/>
+                                            </p:txEl>
+                                          </p:spTgt>
+                                        </p:tgtEl>
+                                      </p:cBhvr>
+                                    </p:animEffect>
+                                  </p:childTnLst>
+                                </p:cTn>
+                              </p:par>
+                            </p:childTnLst>
+                          </p:cTn>
+                        </p:par>
+                      </p:childTnLst>
+                    </p:cTn>
+                  </p:par>
+                  <p:par>
+                    <p:cTn id="8" fill="hold">
+                      <p:stCondLst>
+                        <p:cond delay="indefinite"/>
+                      </p:stCondLst>
+                      <p:childTnLst>
+                        <p:par>
+                          <p:cTn id="9" fill="hold">
+                            <p:stCondLst>
+                              <p:cond delay="0"/>
+                            </p:stCondLst>
+                            <p:childTnLst>
+                              <p:par>
+                                <p:cTn id="10" presetID="9" presetClass="entr" presetSubtype="0" fill="hold" nodeType="clickEffect">
+                                  <p:stCondLst>
+                                    <p:cond delay="0"/>
+                                  </p:stCondLst>
+                                  <p:childTnLst>
+                                    <p:set>
+                                      <p:cBhvr>
+                                        <p:cTn id="11" dur="1" fill="hold">
+                                          <p:stCondLst>
+                                            <p:cond delay="0"/>
+                                          </p:stCondLst>
+                                        </p:cTn>
+                                        <p:tgtEl>
+                                          <p:spTgt spid="5">
+                                            <p:txEl>
+                                              <p:pRg st="0" end="0"/>
+                                            </p:txEl>
+                                          </p:spTgt>
+                                        </p:tgtEl>
+                                        <p:attrNameLst>
+                                          <p:attrName>style.visibility</p:attrName>
+                                        </p:attrNameLst>
+                                      </p:cBhvr>
+                                      <p:to>
+                                        <p:strVal val="visible"/>
+                                      </p:to>
+                                    </p:set>
+                                    <p:animEffect transition="in" filter="dissolve">
+                                      <p:cBhvr>
+                                        <p:cTn id="12" dur="500"/>
+                                        <p:tgtEl>
+                                          <p:spTgt spid="5">
+                                            <p:txEl>
+                                              <p:pRg st="0" end="0"/>
+                                            </p:txEl>
+                                          </p:spTgt>
+                                        </p:tgtEl>
+                                      </p:cBhvr>
+                                    </p:animEffect>
+                                  </p:childTnLst>
+                                </p:cTn>
+                              </p:par>
+                            </p:childTnLst>
+                          </p:cTn>
+                        </p:par>
+                      </p:childTnLst>
+                    </p:cTn>
+                  </p:par>
+                  <p:par>
+                    <p:cTn id="13" fill="hold">
+                      <p:stCondLst>
+                        <p:cond delay="indefinite"/>
+                      </p:stCondLst>
+                      <p:childTnLst>
+                        <p:par>
+                          <p:cTn id="14" fill="hold">
+                            <p:stCondLst>
+                              <p:cond delay="0"/>
+                            </p:stCondLst>
+                            <p:childTnLst>
+                              <p:par>
+                                <p:cTn id="15" presetID="9" presetClass="entr" presetSubtype="0" fill="hold" nodeType="clickEffect">
+                                  <p:stCondLst>
+                                    <p:cond delay="0"/>
+                                  </p:stCondLst>
+                                  <p:childTnLst>
+                                    <p:set>
+                                      <p:cBhvr>
+                                        <p:cTn id="16" dur="1" fill="hold">
+                                          <p:stCondLst>
+                                            <p:cond delay="0"/>
+                                          </p:stCondLst>
+                                        </p:cTn>
+                                        <p:tgtEl>
+                                          <p:spTgt spid="6">
+                                            <p:txEl>
+                                              <p:pRg st="0" end="0"/>
+                                            </p:txEl>
+                                          </p:spTgt>
+                                        </p:tgtEl>
+                                        <p:attrNameLst>
+                                          <p:attrName>style.visibility</p:attrName>
+                                        </p:attrNameLst>
+                                      </p:cBhvr>
+                                      <p:to>
+                                        <p:strVal val="visible"/>
+                                      </p:to>
+                                    </p:set>
+                                    <p:animEffect transition="in" filter="dissolve">
+                                      <p:cBhvr>
+                                        <p:cTn id="17" dur="500"/>
+                                        <p:tgtEl>
+                                          <p:spTgt spid="6">
+                                            <p:txEl>
+                                              <p:pRg st="0" end="0"/>
+                                            </p:txEl>
+                                          </p:spTgt>
+                                        </p:tgtEl>
+                                      </p:cBhvr>
+                                    </p:animEffect>
+                                  </p:childTnLst>
+                                </p:cTn>
+                              </p:par>
+                            </p:childTnLst>
+                          </p:cTn>
+                        </p:par>
+                      </p:childTnLst>
+                    </p:cTn>
+                  </p:par>
+                </p:childTnLst>
+              </p:cTn>
+              <p:prevCondLst>
+                <p:cond evt="onPrev" delay="0">
+                  <p:tgtEl>
+                    <p:sldTgt/>
+                  </p:tgtEl>
+                </p:cond>
+              </p:prevCondLst>
+              <p:nextCondLst>
+                <p:cond evt="onNext" delay="0">
+                  <p:tgtEl>
+                    <p:sldTgt/>
+                  </p:tgtEl>
+                </p:cond>
+              </p:nextCondLst>
+            </p:seq>
+          </p:childTnLst>
+        </p:cTn>
+      </p:par>
+    </p:tnLst>
+  </p:timing>
+</p:sld>
+</file>
+
+<file path=ppt/slides/slide11.xml><?xml version="1.0" encoding="utf-8"?>
+<p:sld xmlns:a="http://schemas.openxmlformats.org/drawingml/2006/main" xmlns:r="http://schemas.openxmlformats.org/officeDocument/2006/relationships" xmlns:p="http://schemas.openxmlformats.org/presentationml/2006/main">
+  <p:cSld>
+    <p:spTree>
+      <p:nvGrpSpPr>
+        <p:cNvPr id="1" name=""/>
+        <p:cNvGrpSpPr/>
+        <p:nvPr/>
+      </p:nvGrpSpPr>
+      <p:grpSpPr>
+        <a:xfrm>
+          <a:off x="0" y="0"/>
+          <a:ext cx="0" cy="0"/>
+          <a:chOff x="0" y="0"/>
+          <a:chExt cx="0" cy="0"/>
+        </a:xfrm>
+      </p:grpSpPr>
+      <p:sp>
+        <p:nvSpPr>
+          <p:cNvPr id="3" name="TextBox 2">
+            <a:extLst>
+              <a:ext uri="{FF2B5EF4-FFF2-40B4-BE49-F238E27FC236}">
+                <a16:creationId xmlns:a16="http://schemas.microsoft.com/office/drawing/2014/main" id="{3793EAED-75FE-3FCA-B719-3E3F092C6C7A}"/>
+              </a:ext>
+            </a:extLst>
+          </p:cNvPr>
+          <p:cNvSpPr txBox="1"/>
+          <p:nvPr/>
+        </p:nvSpPr>
+        <p:spPr>
+          <a:xfrm>
+            <a:off x="5303154" y="6067994"/>
+            <a:ext cx="1585692" cy="276999"/>
+          </a:xfrm>
+          <a:prstGeom prst="rect">
+            <a:avLst/>
+          </a:prstGeom>
+        </p:spPr>
+        <p:style>
+          <a:lnRef idx="2">
+            <a:schemeClr val="dk1"/>
+          </a:lnRef>
+          <a:fillRef idx="1">
+            <a:schemeClr val="lt1"/>
+          </a:fillRef>
+          <a:effectRef idx="0">
+            <a:schemeClr val="dk1"/>
+          </a:effectRef>
+          <a:fontRef idx="minor">
+            <a:schemeClr val="dk1"/>
+          </a:fontRef>
+        </p:style>
+        <p:txBody>
+          <a:bodyPr wrap="none" rtlCol="0">
+            <a:spAutoFit/>
+          </a:bodyPr>
+          <a:lstStyle/>
+          <a:p>
+            <a:pPr algn="ctr"/>
+            <a:r>
+              <a:rPr lang="en-US" sz="1200" dirty="0">
+                <a:latin typeface="Garamond" panose="02020404030301010803" pitchFamily="18" charset="0"/>
+              </a:rPr>
+              <a:t>Aaron Galbraith • 2023</a:t>
+            </a:r>
+          </a:p>
+        </p:txBody>
+      </p:sp>
+      <p:sp>
+        <p:nvSpPr>
+          <p:cNvPr id="4" name="TextBox 3">
+            <a:extLst>
+              <a:ext uri="{FF2B5EF4-FFF2-40B4-BE49-F238E27FC236}">
+                <a16:creationId xmlns:a16="http://schemas.microsoft.com/office/drawing/2014/main" id="{8B4987AB-B7D3-0D16-0A5B-8A6D98F84A4D}"/>
+              </a:ext>
+            </a:extLst>
+          </p:cNvPr>
+          <p:cNvSpPr txBox="1"/>
+          <p:nvPr/>
+        </p:nvSpPr>
+        <p:spPr>
+          <a:xfrm>
+            <a:off x="4896152" y="6436294"/>
+            <a:ext cx="2399696" cy="276999"/>
+          </a:xfrm>
+          <a:prstGeom prst="rect">
+            <a:avLst/>
+          </a:prstGeom>
+        </p:spPr>
+        <p:style>
+          <a:lnRef idx="2">
+            <a:schemeClr val="dk1"/>
+          </a:lnRef>
+          <a:fillRef idx="1">
+            <a:schemeClr val="lt1"/>
+          </a:fillRef>
+          <a:effectRef idx="0">
+            <a:schemeClr val="dk1"/>
+          </a:effectRef>
+          <a:fontRef idx="minor">
+            <a:schemeClr val="dk1"/>
+          </a:fontRef>
+        </p:style>
+        <p:txBody>
+          <a:bodyPr wrap="none" rtlCol="0">
+            <a:spAutoFit/>
+          </a:bodyPr>
+          <a:lstStyle/>
+          <a:p>
+            <a:pPr algn="ctr"/>
+            <a:r>
+              <a:rPr lang="en-US" sz="1200" dirty="0" err="1"/>
+              <a:t>www.linkedin.com</a:t>
+            </a:r>
+            <a:r>
+              <a:rPr lang="en-US" sz="1200" dirty="0"/>
+              <a:t>/in/</a:t>
+            </a:r>
+            <a:r>
+              <a:rPr lang="en-US" sz="1200" dirty="0" err="1"/>
+              <a:t>aarongalbraith</a:t>
+            </a:r>
+            <a:endParaRPr lang="en-US" sz="1200" dirty="0"/>
+          </a:p>
+        </p:txBody>
+      </p:sp>
+      <p:sp>
+        <p:nvSpPr>
+          <p:cNvPr id="5" name="Title 1">
+            <a:extLst>
+              <a:ext uri="{FF2B5EF4-FFF2-40B4-BE49-F238E27FC236}">
+                <a16:creationId xmlns:a16="http://schemas.microsoft.com/office/drawing/2014/main" id="{18B38B8F-0451-13D6-D1FB-6ED1C7475728}"/>
+              </a:ext>
+            </a:extLst>
+          </p:cNvPr>
+          <p:cNvSpPr txBox="1">
+            <a:spLocks/>
+          </p:cNvSpPr>
+          <p:nvPr/>
+        </p:nvSpPr>
+        <p:spPr>
+          <a:xfrm>
+            <a:off x="3444423" y="2275681"/>
+            <a:ext cx="5303154" cy="1189037"/>
+          </a:xfrm>
+          <a:prstGeom prst="rect">
+            <a:avLst/>
+          </a:prstGeom>
+        </p:spPr>
+        <p:txBody>
+          <a:bodyPr vert="horz" lIns="91440" tIns="45720" rIns="91440" bIns="45720" rtlCol="0" anchor="ctr">
+            <a:normAutofit/>
+          </a:bodyPr>
+          <a:lstStyle>
+            <a:lvl1pPr algn="l" defTabSz="914400" rtl="0" eaLnBrk="1" latinLnBrk="0" hangingPunct="1">
+              <a:lnSpc>
+                <a:spcPct val="90000"/>
+              </a:lnSpc>
+              <a:spcBef>
+                <a:spcPct val="0"/>
+              </a:spcBef>
+              <a:buNone/>
+              <a:defRPr sz="4400" kern="1200">
+                <a:solidFill>
+                  <a:schemeClr val="tx1"/>
+                </a:solidFill>
+                <a:latin typeface="+mj-lt"/>
+                <a:ea typeface="+mj-ea"/>
+                <a:cs typeface="+mj-cs"/>
+              </a:defRPr>
+            </a:lvl1pPr>
+          </a:lstStyle>
+          <a:p>
+            <a:pPr algn="ctr"/>
+            <a:r>
+              <a:rPr lang="en-US" sz="3200" b="1" dirty="0">
+                <a:latin typeface="Garamond" panose="02020404030301010803" pitchFamily="18" charset="0"/>
+              </a:rPr>
+              <a:t>Thank you</a:t>
+            </a:r>
+          </a:p>
+        </p:txBody>
+      </p:sp>
+      <p:pic>
+        <p:nvPicPr>
+          <p:cNvPr id="8" name="Picture 8" descr="Texas Icons - Free SVG &amp; PNG Texas Images - Noun Project">
+            <a:extLst>
+              <a:ext uri="{FF2B5EF4-FFF2-40B4-BE49-F238E27FC236}">
+                <a16:creationId xmlns:a16="http://schemas.microsoft.com/office/drawing/2014/main" id="{34C570C4-164F-CA6C-D89D-CAFB18B60335}"/>
+              </a:ext>
+            </a:extLst>
+          </p:cNvPr>
+          <p:cNvPicPr>
+            <a:picLocks noChangeAspect="1" noChangeArrowheads="1"/>
+          </p:cNvPicPr>
+          <p:nvPr/>
+        </p:nvPicPr>
+        <p:blipFill rotWithShape="1">
+          <a:blip r:embed="rId2">
+            <a:extLst>
+              <a:ext uri="{28A0092B-C50C-407E-A947-70E740481C1C}">
+                <a14:useLocalDpi xmlns:a14="http://schemas.microsoft.com/office/drawing/2010/main" val="0"/>
+              </a:ext>
+            </a:extLst>
+          </a:blip>
+          <a:srcRect r="13125"/>
+          <a:stretch/>
+        </p:blipFill>
+        <p:spPr bwMode="auto">
+          <a:xfrm>
+            <a:off x="4826000" y="3302000"/>
+            <a:ext cx="2206625" cy="2540000"/>
+          </a:xfrm>
+          <a:prstGeom prst="rect">
+            <a:avLst/>
+          </a:prstGeom>
+          <a:noFill/>
+          <a:extLst>
+            <a:ext uri="{909E8E84-426E-40DD-AFC4-6F175D3DCCD1}">
+              <a14:hiddenFill xmlns:a14="http://schemas.microsoft.com/office/drawing/2010/main">
+                <a:solidFill>
+                  <a:srgbClr val="FFFFFF"/>
+                </a:solidFill>
+              </a14:hiddenFill>
+            </a:ext>
+          </a:extLst>
+        </p:spPr>
+      </p:pic>
+      <p:pic>
+        <p:nvPicPr>
+          <p:cNvPr id="9" name="Picture 18" descr="apple logo png 17221836 PNG">
+            <a:extLst>
+              <a:ext uri="{FF2B5EF4-FFF2-40B4-BE49-F238E27FC236}">
+                <a16:creationId xmlns:a16="http://schemas.microsoft.com/office/drawing/2014/main" id="{B6713056-1DFE-C040-642D-4683BF72A240}"/>
+              </a:ext>
+            </a:extLst>
+          </p:cNvPr>
+          <p:cNvPicPr>
+            <a:picLocks noChangeAspect="1" noChangeArrowheads="1"/>
+          </p:cNvPicPr>
+          <p:nvPr/>
+        </p:nvPicPr>
+        <p:blipFill rotWithShape="1">
+          <a:blip r:embed="rId3">
+            <a:extLst>
+              <a:ext uri="{28A0092B-C50C-407E-A947-70E740481C1C}">
+                <a14:useLocalDpi xmlns:a14="http://schemas.microsoft.com/office/drawing/2010/main" val="0"/>
+              </a:ext>
+            </a:extLst>
+          </a:blip>
+          <a:srcRect l="44991" b="23006"/>
+          <a:stretch/>
+        </p:blipFill>
+        <p:spPr bwMode="auto">
+          <a:xfrm>
+            <a:off x="6473824" y="3352800"/>
+            <a:ext cx="1129665" cy="1581150"/>
+          </a:xfrm>
+          <a:prstGeom prst="rect">
+            <a:avLst/>
+          </a:prstGeom>
+          <a:noFill/>
+          <a:extLst>
+            <a:ext uri="{909E8E84-426E-40DD-AFC4-6F175D3DCCD1}">
+              <a14:hiddenFill xmlns:a14="http://schemas.microsoft.com/office/drawing/2010/main">
+                <a:solidFill>
+                  <a:srgbClr val="FFFFFF"/>
+                </a:solidFill>
+              </a14:hiddenFill>
+            </a:ext>
+          </a:extLst>
+        </p:spPr>
+      </p:pic>
+    </p:spTree>
+    <p:extLst>
+      <p:ext uri="{BB962C8B-B14F-4D97-AF65-F5344CB8AC3E}">
+        <p14:creationId xmlns:p14="http://schemas.microsoft.com/office/powerpoint/2010/main" val="2013377400"/>
+      </p:ext>
+    </p:extLst>
+  </p:cSld>
+  <p:clrMapOvr>
+    <a:masterClrMapping/>
+  </p:clrMapOvr>
+</p:sld>
+</file>
+
+<file path=ppt/slides/slide2.xml><?xml version="1.0" encoding="utf-8"?>
+<p:sld xmlns:a="http://schemas.openxmlformats.org/drawingml/2006/main" xmlns:r="http://schemas.openxmlformats.org/officeDocument/2006/relationships" xmlns:p="http://schemas.openxmlformats.org/presentationml/2006/main">
+  <p:cSld>
+    <p:spTree>
+      <p:nvGrpSpPr>
+        <p:cNvPr id="1" name=""/>
+        <p:cNvGrpSpPr/>
+        <p:nvPr/>
+      </p:nvGrpSpPr>
+      <p:grpSpPr>
+        <a:xfrm>
+          <a:off x="0" y="0"/>
+          <a:ext cx="0" cy="0"/>
+          <a:chOff x="0" y="0"/>
+          <a:chExt cx="0" cy="0"/>
+        </a:xfrm>
+      </p:grpSpPr>
+      <p:sp>
+        <p:nvSpPr>
+          <p:cNvPr id="2" name="Title 1">
+            <a:extLst>
+              <a:ext uri="{FF2B5EF4-FFF2-40B4-BE49-F238E27FC236}">
+                <a16:creationId xmlns:a16="http://schemas.microsoft.com/office/drawing/2014/main" id="{DCCA6408-7B66-0D9A-6DCA-8E1D30EE108F}"/>
+              </a:ext>
+            </a:extLst>
+          </p:cNvPr>
+          <p:cNvSpPr>
+            <a:spLocks noGrp="1"/>
+          </p:cNvSpPr>
+          <p:nvPr>
+            <p:ph type="title"/>
+          </p:nvPr>
+        </p:nvSpPr>
+        <p:spPr/>
+        <p:txBody>
+          <a:bodyPr>
+            <a:normAutofit/>
+          </a:bodyPr>
+          <a:lstStyle/>
+          <a:p>
+            <a:pPr algn="ctr"/>
+            <a:r>
+              <a:rPr lang="en-US" sz="4800" b="1" dirty="0">
+                <a:latin typeface="Garamond" panose="02020404030301010803" pitchFamily="18" charset="0"/>
+              </a:rPr>
+              <a:t>Background</a:t>
+            </a:r>
+          </a:p>
+        </p:txBody>
+      </p:sp>
+      <p:pic>
+        <p:nvPicPr>
+          <p:cNvPr id="2050" name="Picture 2" descr="SXSW 2011 in Review">
+            <a:extLst>
+              <a:ext uri="{FF2B5EF4-FFF2-40B4-BE49-F238E27FC236}">
+                <a16:creationId xmlns:a16="http://schemas.microsoft.com/office/drawing/2014/main" id="{BB38EF83-CC9B-EB12-4755-59FA3920E3A6}"/>
+              </a:ext>
+            </a:extLst>
+          </p:cNvPr>
+          <p:cNvPicPr>
+            <a:picLocks noChangeAspect="1" noChangeArrowheads="1"/>
+          </p:cNvPicPr>
+          <p:nvPr/>
+        </p:nvPicPr>
+        <p:blipFill rotWithShape="1">
+          <a:blip r:embed="rId2">
+            <a:extLst>
+              <a:ext uri="{28A0092B-C50C-407E-A947-70E740481C1C}">
+                <a14:useLocalDpi xmlns:a14="http://schemas.microsoft.com/office/drawing/2010/main" val="0"/>
+              </a:ext>
+            </a:extLst>
+          </a:blip>
+          <a:srcRect t="32500" r="18666" b="27500"/>
+          <a:stretch/>
+        </p:blipFill>
+        <p:spPr bwMode="auto">
+          <a:xfrm>
+            <a:off x="2997200" y="5207000"/>
+            <a:ext cx="6197600" cy="1016000"/>
+          </a:xfrm>
+          <a:prstGeom prst="rect">
+            <a:avLst/>
+          </a:prstGeom>
+          <a:noFill/>
+          <a:extLst>
+            <a:ext uri="{909E8E84-426E-40DD-AFC4-6F175D3DCCD1}">
+              <a14:hiddenFill xmlns:a14="http://schemas.microsoft.com/office/drawing/2010/main">
+                <a:solidFill>
+                  <a:srgbClr val="FFFFFF"/>
+                </a:solidFill>
+              </a14:hiddenFill>
+            </a:ext>
+          </a:extLst>
+        </p:spPr>
+      </p:pic>
+      <p:pic>
+        <p:nvPicPr>
+          <p:cNvPr id="2054" name="Picture 6" descr="iPad 2 launched. Not much different from the original - SoyaCincau">
+            <a:extLst>
+              <a:ext uri="{FF2B5EF4-FFF2-40B4-BE49-F238E27FC236}">
+                <a16:creationId xmlns:a16="http://schemas.microsoft.com/office/drawing/2014/main" id="{4B322400-FF3E-DE3A-D449-F63BAE66C332}"/>
+              </a:ext>
+            </a:extLst>
+          </p:cNvPr>
+          <p:cNvPicPr>
+            <a:picLocks noChangeAspect="1" noChangeArrowheads="1"/>
+          </p:cNvPicPr>
+          <p:nvPr/>
+        </p:nvPicPr>
+        <p:blipFill>
+          <a:blip r:embed="rId3">
+            <a:extLst>
+              <a:ext uri="{28A0092B-C50C-407E-A947-70E740481C1C}">
+                <a14:useLocalDpi xmlns:a14="http://schemas.microsoft.com/office/drawing/2010/main" val="0"/>
+              </a:ext>
+            </a:extLst>
+          </a:blip>
+          <a:srcRect/>
+          <a:stretch>
+            <a:fillRect/>
+          </a:stretch>
+        </p:blipFill>
+        <p:spPr bwMode="auto">
+          <a:xfrm>
+            <a:off x="3085147" y="1860563"/>
+            <a:ext cx="6021705" cy="2616327"/>
+          </a:xfrm>
+          <a:prstGeom prst="rect">
+            <a:avLst/>
+          </a:prstGeom>
+          <a:noFill/>
+          <a:extLst>
+            <a:ext uri="{909E8E84-426E-40DD-AFC4-6F175D3DCCD1}">
+              <a14:hiddenFill xmlns:a14="http://schemas.microsoft.com/office/drawing/2010/main">
+                <a:solidFill>
+                  <a:srgbClr val="FFFFFF"/>
+                </a:solidFill>
+              </a14:hiddenFill>
+            </a:ext>
+          </a:extLst>
+        </p:spPr>
+      </p:pic>
+    </p:spTree>
+    <p:extLst>
+      <p:ext uri="{BB962C8B-B14F-4D97-AF65-F5344CB8AC3E}">
+        <p14:creationId xmlns:p14="http://schemas.microsoft.com/office/powerpoint/2010/main" val="406439179"/>
+      </p:ext>
+    </p:extLst>
+  </p:cSld>
+  <p:clrMapOvr>
+    <a:masterClrMapping/>
+  </p:clrMapOvr>
+  <p:timing>
+    <p:tnLst>
+      <p:par>
+        <p:cTn id="1" dur="indefinite" restart="never" nodeType="tmRoot">
+          <p:childTnLst>
+            <p:seq concurrent="1" nextAc="seek">
+              <p:cTn id="2" dur="indefinite" nodeType="mainSeq">
+                <p:childTnLst>
+                  <p:par>
+                    <p:cTn id="3" fill="hold">
+                      <p:stCondLst>
+                        <p:cond delay="indefinite"/>
+                      </p:stCondLst>
+                      <p:childTnLst>
+                        <p:par>
+                          <p:cTn id="4" fill="hold">
+                            <p:stCondLst>
+                              <p:cond delay="0"/>
+                            </p:stCondLst>
+                            <p:childTnLst>
+                              <p:par>
+                                <p:cTn id="5" presetID="9" presetClass="entr" presetSubtype="0" fill="hold" nodeType="clickEffect">
+                                  <p:stCondLst>
+                                    <p:cond delay="0"/>
+                                  </p:stCondLst>
+                                  <p:childTnLst>
+                                    <p:set>
+                                      <p:cBhvr>
+                                        <p:cTn id="6" dur="1" fill="hold">
+                                          <p:stCondLst>
+                                            <p:cond delay="0"/>
+                                          </p:stCondLst>
+                                        </p:cTn>
+                                        <p:tgtEl>
+                                          <p:spTgt spid="2054"/>
+                                        </p:tgtEl>
+                                        <p:attrNameLst>
+                                          <p:attrName>style.visibility</p:attrName>
+                                        </p:attrNameLst>
+                                      </p:cBhvr>
+                                      <p:to>
+                                        <p:strVal val="visible"/>
+                                      </p:to>
+                                    </p:set>
+                                    <p:animEffect transition="in" filter="dissolve">
+                                      <p:cBhvr>
+                                        <p:cTn id="7" dur="500"/>
+                                        <p:tgtEl>
+                                          <p:spTgt spid="2054"/>
+                                        </p:tgtEl>
+                                      </p:cBhvr>
+                                    </p:animEffect>
+                                  </p:childTnLst>
+                                </p:cTn>
+                              </p:par>
+                            </p:childTnLst>
+                          </p:cTn>
+                        </p:par>
+                      </p:childTnLst>
+                    </p:cTn>
+                  </p:par>
+                  <p:par>
+                    <p:cTn id="8" fill="hold">
+                      <p:stCondLst>
+                        <p:cond delay="indefinite"/>
+                      </p:stCondLst>
+                      <p:childTnLst>
+                        <p:par>
+                          <p:cTn id="9" fill="hold">
+                            <p:stCondLst>
+                              <p:cond delay="0"/>
+                            </p:stCondLst>
+                            <p:childTnLst>
+                              <p:par>
+                                <p:cTn id="10" presetID="9" presetClass="entr" presetSubtype="0" fill="hold" nodeType="clickEffect">
+                                  <p:stCondLst>
+                                    <p:cond delay="0"/>
+                                  </p:stCondLst>
+                                  <p:childTnLst>
+                                    <p:set>
+                                      <p:cBhvr>
+                                        <p:cTn id="11" dur="1" fill="hold">
+                                          <p:stCondLst>
+                                            <p:cond delay="0"/>
+                                          </p:stCondLst>
+                                        </p:cTn>
+                                        <p:tgtEl>
+                                          <p:spTgt spid="2050"/>
+                                        </p:tgtEl>
+                                        <p:attrNameLst>
+                                          <p:attrName>style.visibility</p:attrName>
+                                        </p:attrNameLst>
+                                      </p:cBhvr>
+                                      <p:to>
+                                        <p:strVal val="visible"/>
+                                      </p:to>
+                                    </p:set>
+                                    <p:animEffect transition="in" filter="dissolve">
+                                      <p:cBhvr>
+                                        <p:cTn id="12" dur="500"/>
+                                        <p:tgtEl>
+                                          <p:spTgt spid="2050"/>
+                                        </p:tgtEl>
+                                      </p:cBhvr>
+                                    </p:animEffect>
+                                  </p:childTnLst>
+                                </p:cTn>
+                              </p:par>
+                            </p:childTnLst>
+                          </p:cTn>
+                        </p:par>
+                      </p:childTnLst>
+                    </p:cTn>
+                  </p:par>
+                </p:childTnLst>
+              </p:cTn>
+              <p:prevCondLst>
+                <p:cond evt="onPrev" delay="0">
+                  <p:tgtEl>
+                    <p:sldTgt/>
+                  </p:tgtEl>
+                </p:cond>
+              </p:prevCondLst>
+              <p:nextCondLst>
+                <p:cond evt="onNext" delay="0">
+                  <p:tgtEl>
+                    <p:sldTgt/>
+                  </p:tgtEl>
+                </p:cond>
+              </p:nextCondLst>
+            </p:seq>
+          </p:childTnLst>
+        </p:cTn>
+      </p:par>
+    </p:tnLst>
+  </p:timing>
+</p:sld>
+</file>
+
+<file path=ppt/slides/slide3.xml><?xml version="1.0" encoding="utf-8"?>
+<p:sld xmlns:a="http://schemas.openxmlformats.org/drawingml/2006/main" xmlns:r="http://schemas.openxmlformats.org/officeDocument/2006/relationships" xmlns:p="http://schemas.openxmlformats.org/presentationml/2006/main">
+  <p:cSld>
+    <p:spTree>
+      <p:nvGrpSpPr>
+        <p:cNvPr id="1" name=""/>
+        <p:cNvGrpSpPr/>
+        <p:nvPr/>
+      </p:nvGrpSpPr>
+      <p:grpSpPr>
+        <a:xfrm>
+          <a:off x="0" y="0"/>
+          <a:ext cx="0" cy="0"/>
+          <a:chOff x="0" y="0"/>
+          <a:chExt cx="0" cy="0"/>
+        </a:xfrm>
+      </p:grpSpPr>
+      <p:sp>
+        <p:nvSpPr>
+          <p:cNvPr id="2" name="Title 1">
+            <a:extLst>
+              <a:ext uri="{FF2B5EF4-FFF2-40B4-BE49-F238E27FC236}">
+                <a16:creationId xmlns:a16="http://schemas.microsoft.com/office/drawing/2014/main" id="{DCCA6408-7B66-0D9A-6DCA-8E1D30EE108F}"/>
+              </a:ext>
+            </a:extLst>
+          </p:cNvPr>
+          <p:cNvSpPr>
+            <a:spLocks noGrp="1"/>
+          </p:cNvSpPr>
+          <p:nvPr>
+            <p:ph type="title"/>
+          </p:nvPr>
+        </p:nvSpPr>
+        <p:spPr/>
+        <p:txBody>
+          <a:bodyPr>
+            <a:normAutofit/>
+          </a:bodyPr>
+          <a:lstStyle/>
+          <a:p>
+            <a:pPr algn="ctr"/>
+            <a:r>
+              <a:rPr lang="en-US" sz="4800" b="1" dirty="0">
+                <a:latin typeface="Garamond" panose="02020404030301010803" pitchFamily="18" charset="0"/>
+              </a:rPr>
+              <a:t>Project Goal</a:t>
+            </a:r>
+          </a:p>
+        </p:txBody>
+      </p:sp>
+      <p:sp>
+        <p:nvSpPr>
+          <p:cNvPr id="3" name="TextBox 2">
+            <a:extLst>
+              <a:ext uri="{FF2B5EF4-FFF2-40B4-BE49-F238E27FC236}">
+                <a16:creationId xmlns:a16="http://schemas.microsoft.com/office/drawing/2014/main" id="{31B11DEF-156D-A95B-9A97-B134AB875250}"/>
+              </a:ext>
+            </a:extLst>
+          </p:cNvPr>
+          <p:cNvSpPr txBox="1"/>
+          <p:nvPr/>
+        </p:nvSpPr>
+        <p:spPr>
+          <a:xfrm>
+            <a:off x="2406650" y="1859340"/>
+            <a:ext cx="7378700" cy="1077218"/>
+          </a:xfrm>
+          <a:prstGeom prst="rect">
+            <a:avLst/>
+          </a:prstGeom>
+          <a:solidFill>
+            <a:schemeClr val="bg1"/>
+          </a:solidFill>
+          <a:ln>
+            <a:solidFill>
+              <a:schemeClr val="tx1"/>
+            </a:solidFill>
+          </a:ln>
+        </p:spPr>
+        <p:txBody>
+          <a:bodyPr wrap="square" rtlCol="0">
+            <a:spAutoFit/>
+          </a:bodyPr>
+          <a:lstStyle/>
+          <a:p>
+            <a:r>
+              <a:rPr lang="en-US" sz="3200" dirty="0">
+                <a:latin typeface="Garamond" panose="02020404030301010803" pitchFamily="18" charset="0"/>
+              </a:rPr>
+              <a:t>1. to help Apple understand how their presence at SXSW was received</a:t>
+            </a:r>
+          </a:p>
+        </p:txBody>
+      </p:sp>
+      <p:sp>
+        <p:nvSpPr>
+          <p:cNvPr id="4" name="TextBox 3">
+            <a:extLst>
+              <a:ext uri="{FF2B5EF4-FFF2-40B4-BE49-F238E27FC236}">
+                <a16:creationId xmlns:a16="http://schemas.microsoft.com/office/drawing/2014/main" id="{B2B2150B-C73E-0F22-6811-627F0C640024}"/>
+              </a:ext>
+            </a:extLst>
+          </p:cNvPr>
+          <p:cNvSpPr txBox="1"/>
+          <p:nvPr/>
+        </p:nvSpPr>
+        <p:spPr>
+          <a:xfrm>
+            <a:off x="2406650" y="3878640"/>
+            <a:ext cx="7378700" cy="1077218"/>
+          </a:xfrm>
+          <a:prstGeom prst="rect">
+            <a:avLst/>
+          </a:prstGeom>
+          <a:solidFill>
+            <a:schemeClr val="bg1"/>
+          </a:solidFill>
+          <a:ln>
+            <a:solidFill>
+              <a:schemeClr val="tx1"/>
+            </a:solidFill>
+          </a:ln>
+        </p:spPr>
+        <p:txBody>
+          <a:bodyPr wrap="square" rtlCol="0">
+            <a:spAutoFit/>
+          </a:bodyPr>
+          <a:lstStyle/>
+          <a:p>
+            <a:r>
+              <a:rPr lang="en-US" sz="3200" dirty="0">
+                <a:latin typeface="Garamond" panose="02020404030301010803" pitchFamily="18" charset="0"/>
+              </a:rPr>
+              <a:t>2. to give Apple a tool to interpret public sentiment</a:t>
+            </a:r>
+          </a:p>
+        </p:txBody>
+      </p:sp>
+    </p:spTree>
+    <p:extLst>
+      <p:ext uri="{BB962C8B-B14F-4D97-AF65-F5344CB8AC3E}">
+        <p14:creationId xmlns:p14="http://schemas.microsoft.com/office/powerpoint/2010/main" val="3624855364"/>
+      </p:ext>
+    </p:extLst>
+  </p:cSld>
+  <p:clrMapOvr>
+    <a:masterClrMapping/>
+  </p:clrMapOvr>
+  <p:timing>
+    <p:tnLst>
+      <p:par>
+        <p:cTn id="1" dur="indefinite" restart="never" nodeType="tmRoot">
+          <p:childTnLst>
+            <p:seq concurrent="1" nextAc="seek">
+              <p:cTn id="2" dur="indefinite" nodeType="mainSeq">
+                <p:childTnLst>
+                  <p:par>
+                    <p:cTn id="3" fill="hold">
+                      <p:stCondLst>
+                        <p:cond delay="indefinite"/>
+                      </p:stCondLst>
+                      <p:childTnLst>
+                        <p:par>
+                          <p:cTn id="4" fill="hold">
+                            <p:stCondLst>
+                              <p:cond delay="0"/>
+                            </p:stCondLst>
+                            <p:childTnLst>
+                              <p:par>
+                                <p:cTn id="5" presetID="9" presetClass="entr" presetSubtype="0" fill="hold" grpId="0" nodeType="clickEffect">
+                                  <p:stCondLst>
+                                    <p:cond delay="0"/>
+                                  </p:stCondLst>
+                                  <p:childTnLst>
+                                    <p:set>
+                                      <p:cBhvr>
+                                        <p:cTn id="6" dur="1" fill="hold">
+                                          <p:stCondLst>
+                                            <p:cond delay="0"/>
+                                          </p:stCondLst>
+                                        </p:cTn>
+                                        <p:tgtEl>
+                                          <p:spTgt spid="3"/>
+                                        </p:tgtEl>
+                                        <p:attrNameLst>
+                                          <p:attrName>style.visibility</p:attrName>
+                                        </p:attrNameLst>
+                                      </p:cBhvr>
+                                      <p:to>
+                                        <p:strVal val="visible"/>
+                                      </p:to>
+                                    </p:set>
+                                    <p:animEffect transition="in" filter="dissolve">
+                                      <p:cBhvr>
+                                        <p:cTn id="7" dur="500"/>
+                                        <p:tgtEl>
+                                          <p:spTgt spid="3"/>
+                                        </p:tgtEl>
+                                      </p:cBhvr>
+                                    </p:animEffect>
+                                  </p:childTnLst>
+                                </p:cTn>
+                              </p:par>
+                            </p:childTnLst>
+                          </p:cTn>
+                        </p:par>
+                      </p:childTnLst>
+                    </p:cTn>
+                  </p:par>
+                  <p:par>
+                    <p:cTn id="8" fill="hold">
+                      <p:stCondLst>
+                        <p:cond delay="indefinite"/>
+                      </p:stCondLst>
+                      <p:childTnLst>
+                        <p:par>
+                          <p:cTn id="9" fill="hold">
+                            <p:stCondLst>
+                              <p:cond delay="0"/>
+                            </p:stCondLst>
+                            <p:childTnLst>
+                              <p:par>
+                                <p:cTn id="10" presetID="9" presetClass="entr" presetSubtype="0" fill="hold" grpId="0" nodeType="clickEffect">
+                                  <p:stCondLst>
+                                    <p:cond delay="0"/>
+                                  </p:stCondLst>
+                                  <p:childTnLst>
+                                    <p:set>
+                                      <p:cBhvr>
+                                        <p:cTn id="11" dur="1" fill="hold">
+                                          <p:stCondLst>
+                                            <p:cond delay="0"/>
+                                          </p:stCondLst>
+                                        </p:cTn>
+                                        <p:tgtEl>
+                                          <p:spTgt spid="4"/>
+                                        </p:tgtEl>
+                                        <p:attrNameLst>
+                                          <p:attrName>style.visibility</p:attrName>
+                                        </p:attrNameLst>
+                                      </p:cBhvr>
+                                      <p:to>
+                                        <p:strVal val="visible"/>
+                                      </p:to>
+                                    </p:set>
+                                    <p:animEffect transition="in" filter="dissolve">
+                                      <p:cBhvr>
+                                        <p:cTn id="12" dur="500"/>
+                                        <p:tgtEl>
+                                          <p:spTgt spid="4"/>
+                                        </p:tgtEl>
+                                      </p:cBhvr>
+                                    </p:animEffect>
+                                  </p:childTnLst>
+                                </p:cTn>
+                              </p:par>
+                            </p:childTnLst>
+                          </p:cTn>
+                        </p:par>
+                      </p:childTnLst>
+                    </p:cTn>
+                  </p:par>
+                </p:childTnLst>
+              </p:cTn>
+              <p:prevCondLst>
+                <p:cond evt="onPrev" delay="0">
+                  <p:tgtEl>
+                    <p:sldTgt/>
+                  </p:tgtEl>
+                </p:cond>
+              </p:prevCondLst>
+              <p:nextCondLst>
+                <p:cond evt="onNext" delay="0">
+                  <p:tgtEl>
+                    <p:sldTgt/>
+                  </p:tgtEl>
+                </p:cond>
+              </p:nextCondLst>
+            </p:seq>
+          </p:childTnLst>
+        </p:cTn>
+      </p:par>
+    </p:tnLst>
+    <p:bldLst>
+      <p:bldP spid="3" grpId="0" animBg="1"/>
+      <p:bldP spid="4" grpId="0" animBg="1"/>
+    </p:bldLst>
+  </p:timing>
+</p:sld>
+</file>
+
+<file path=ppt/slides/slide4.xml><?xml version="1.0" encoding="utf-8"?>
+<p:sld xmlns:a="http://schemas.openxmlformats.org/drawingml/2006/main" xmlns:r="http://schemas.openxmlformats.org/officeDocument/2006/relationships" xmlns:p="http://schemas.openxmlformats.org/presentationml/2006/main">
+  <p:cSld>
+    <p:spTree>
+      <p:nvGrpSpPr>
+        <p:cNvPr id="1" name=""/>
+        <p:cNvGrpSpPr/>
+        <p:nvPr/>
+      </p:nvGrpSpPr>
+      <p:grpSpPr>
+        <a:xfrm>
+          <a:off x="0" y="0"/>
+          <a:ext cx="0" cy="0"/>
+          <a:chOff x="0" y="0"/>
+          <a:chExt cx="0" cy="0"/>
+        </a:xfrm>
+      </p:grpSpPr>
+      <p:sp>
+        <p:nvSpPr>
+          <p:cNvPr id="2" name="Title 1">
+            <a:extLst>
+              <a:ext uri="{FF2B5EF4-FFF2-40B4-BE49-F238E27FC236}">
+                <a16:creationId xmlns:a16="http://schemas.microsoft.com/office/drawing/2014/main" id="{DCCA6408-7B66-0D9A-6DCA-8E1D30EE108F}"/>
+              </a:ext>
+            </a:extLst>
+          </p:cNvPr>
+          <p:cNvSpPr>
+            <a:spLocks noGrp="1"/>
+          </p:cNvSpPr>
+          <p:nvPr>
+            <p:ph type="title"/>
+          </p:nvPr>
+        </p:nvSpPr>
+        <p:spPr/>
+        <p:txBody>
+          <a:bodyPr>
+            <a:normAutofit/>
+          </a:bodyPr>
+          <a:lstStyle/>
+          <a:p>
+            <a:pPr algn="ctr"/>
+            <a:r>
+              <a:rPr lang="en-US" sz="4800" b="1" dirty="0">
+                <a:latin typeface="Garamond" panose="02020404030301010803" pitchFamily="18" charset="0"/>
+              </a:rPr>
+              <a:t>Data</a:t>
+            </a:r>
+          </a:p>
+        </p:txBody>
+      </p:sp>
+      <p:sp>
+        <p:nvSpPr>
+          <p:cNvPr id="3" name="TextBox 2">
+            <a:extLst>
+              <a:ext uri="{FF2B5EF4-FFF2-40B4-BE49-F238E27FC236}">
+                <a16:creationId xmlns:a16="http://schemas.microsoft.com/office/drawing/2014/main" id="{31B11DEF-156D-A95B-9A97-B134AB875250}"/>
+              </a:ext>
+            </a:extLst>
+          </p:cNvPr>
+          <p:cNvSpPr txBox="1"/>
+          <p:nvPr/>
+        </p:nvSpPr>
+        <p:spPr>
+          <a:xfrm>
+            <a:off x="2516578" y="1986340"/>
+            <a:ext cx="7378700" cy="584775"/>
+          </a:xfrm>
+          <a:prstGeom prst="rect">
+            <a:avLst/>
+          </a:prstGeom>
+          <a:noFill/>
+        </p:spPr>
+        <p:txBody>
+          <a:bodyPr wrap="square" rtlCol="0">
+            <a:spAutoFit/>
+          </a:bodyPr>
+          <a:lstStyle/>
+          <a:p>
+            <a:pPr marL="457200" indent="-457200">
+              <a:buFont typeface="Arial" panose="020B0604020202020204" pitchFamily="34" charset="0"/>
+              <a:buChar char="•"/>
+            </a:pPr>
+            <a:r>
+              <a:rPr lang="en-US" sz="3200" dirty="0">
+                <a:latin typeface="Garamond" panose="02020404030301010803" pitchFamily="18" charset="0"/>
+              </a:rPr>
+              <a:t>review:		bar graph of methods</a:t>
+            </a:r>
+          </a:p>
+        </p:txBody>
+      </p:sp>
+      <p:sp>
+        <p:nvSpPr>
+          <p:cNvPr id="5" name="TextBox 4">
+            <a:extLst>
+              <a:ext uri="{FF2B5EF4-FFF2-40B4-BE49-F238E27FC236}">
+                <a16:creationId xmlns:a16="http://schemas.microsoft.com/office/drawing/2014/main" id="{35FD1223-487D-537F-10EC-88A7DFD15F8E}"/>
+              </a:ext>
+            </a:extLst>
+          </p:cNvPr>
+          <p:cNvSpPr txBox="1"/>
+          <p:nvPr/>
+        </p:nvSpPr>
+        <p:spPr>
+          <a:xfrm>
+            <a:off x="2516578" y="3717458"/>
+            <a:ext cx="7378700" cy="584775"/>
+          </a:xfrm>
+          <a:prstGeom prst="rect">
+            <a:avLst/>
+          </a:prstGeom>
+          <a:noFill/>
+        </p:spPr>
+        <p:txBody>
+          <a:bodyPr wrap="square" rtlCol="0">
+            <a:spAutoFit/>
+          </a:bodyPr>
+          <a:lstStyle/>
+          <a:p>
+            <a:pPr marL="457200" indent="-457200">
+              <a:buFont typeface="Arial" panose="020B0604020202020204" pitchFamily="34" charset="0"/>
+              <a:buChar char="•"/>
+            </a:pPr>
+            <a:r>
+              <a:rPr lang="en-US" sz="3200" dirty="0">
+                <a:latin typeface="Garamond" panose="02020404030301010803" pitchFamily="18" charset="0"/>
+              </a:rPr>
+              <a:t>sentiment:	bar graph of ratings</a:t>
+            </a:r>
+          </a:p>
+        </p:txBody>
+      </p:sp>
+      <p:sp>
+        <p:nvSpPr>
+          <p:cNvPr id="6" name="TextBox 5">
+            <a:extLst>
+              <a:ext uri="{FF2B5EF4-FFF2-40B4-BE49-F238E27FC236}">
+                <a16:creationId xmlns:a16="http://schemas.microsoft.com/office/drawing/2014/main" id="{3B54C456-7AA3-4E1D-E413-6D7F566C2696}"/>
+              </a:ext>
+            </a:extLst>
+          </p:cNvPr>
+          <p:cNvSpPr txBox="1"/>
+          <p:nvPr/>
+        </p:nvSpPr>
+        <p:spPr>
+          <a:xfrm>
+            <a:off x="2516578" y="5342127"/>
+            <a:ext cx="8807450" cy="584775"/>
+          </a:xfrm>
+          <a:prstGeom prst="rect">
+            <a:avLst/>
+          </a:prstGeom>
+          <a:noFill/>
+        </p:spPr>
+        <p:txBody>
+          <a:bodyPr wrap="square" rtlCol="0">
+            <a:spAutoFit/>
+          </a:bodyPr>
+          <a:lstStyle/>
+          <a:p>
+            <a:pPr marL="457200" indent="-457200">
+              <a:buFont typeface="Arial" panose="020B0604020202020204" pitchFamily="34" charset="0"/>
+              <a:buChar char="•"/>
+            </a:pPr>
+            <a:r>
+              <a:rPr lang="en-US" sz="3200" dirty="0">
+                <a:latin typeface="Garamond" panose="02020404030301010803" pitchFamily="18" charset="0"/>
+              </a:rPr>
+              <a:t>brand:</a:t>
+            </a:r>
+          </a:p>
+        </p:txBody>
+      </p:sp>
+    </p:spTree>
+    <p:extLst>
+      <p:ext uri="{BB962C8B-B14F-4D97-AF65-F5344CB8AC3E}">
+        <p14:creationId xmlns:p14="http://schemas.microsoft.com/office/powerpoint/2010/main" val="2546916487"/>
+      </p:ext>
+    </p:extLst>
+  </p:cSld>
+  <p:clrMapOvr>
+    <a:masterClrMapping/>
+  </p:clrMapOvr>
+  <p:timing>
+    <p:tnLst>
+      <p:par>
+        <p:cTn id="1" dur="indefinite" restart="never" nodeType="tmRoot">
+          <p:childTnLst>
+            <p:seq concurrent="1" nextAc="seek">
+              <p:cTn id="2" dur="indefinite" nodeType="mainSeq">
+                <p:childTnLst>
+                  <p:par>
+                    <p:cTn id="3" fill="hold">
+                      <p:stCondLst>
+                        <p:cond delay="indefinite"/>
+                      </p:stCondLst>
+                      <p:childTnLst>
+                        <p:par>
+                          <p:cTn id="4" fill="hold">
+                            <p:stCondLst>
+                              <p:cond delay="0"/>
+                            </p:stCondLst>
+                            <p:childTnLst>
+                              <p:par>
+                                <p:cTn id="5" presetID="2" presetClass="entr" presetSubtype="8" fill="hold" grpId="0" nodeType="clickEffect">
+                                  <p:stCondLst>
+                                    <p:cond delay="0"/>
+                                  </p:stCondLst>
+                                  <p:childTnLst>
+                                    <p:set>
+                                      <p:cBhvr>
+                                        <p:cTn id="6" dur="1" fill="hold">
+                                          <p:stCondLst>
+                                            <p:cond delay="0"/>
+                                          </p:stCondLst>
+                                        </p:cTn>
+                                        <p:tgtEl>
+                                          <p:spTgt spid="3"/>
+                                        </p:tgtEl>
+                                        <p:attrNameLst>
+                                          <p:attrName>style.visibility</p:attrName>
+                                        </p:attrNameLst>
+                                      </p:cBhvr>
+                                      <p:to>
+                                        <p:strVal val="visible"/>
+                                      </p:to>
+                                    </p:set>
+                                    <p:anim calcmode="lin" valueType="num">
+                                      <p:cBhvr additive="base">
+                                        <p:cTn id="7" dur="500" fill="hold"/>
+                                        <p:tgtEl>
+                                          <p:spTgt spid="3"/>
+                                        </p:tgtEl>
+                                        <p:attrNameLst>
+                                          <p:attrName>ppt_x</p:attrName>
+                                        </p:attrNameLst>
+                                      </p:cBhvr>
+                                      <p:tavLst>
+                                        <p:tav tm="0">
+                                          <p:val>
+                                            <p:strVal val="0-#ppt_w/2"/>
+                                          </p:val>
+                                        </p:tav>
+                                        <p:tav tm="100000">
+                                          <p:val>
+                                            <p:strVal val="#ppt_x"/>
+                                          </p:val>
+                                        </p:tav>
+                                      </p:tavLst>
+                                    </p:anim>
+                                    <p:anim calcmode="lin" valueType="num">
+                                      <p:cBhvr additive="base">
+                                        <p:cTn id="8" dur="500" fill="hold"/>
+                                        <p:tgtEl>
+                                          <p:spTgt spid="3"/>
+                                        </p:tgtEl>
+                                        <p:attrNameLst>
+                                          <p:attrName>ppt_y</p:attrName>
+                                        </p:attrNameLst>
+                                      </p:cBhvr>
+                                      <p:tavLst>
+                                        <p:tav tm="0">
+                                          <p:val>
+                                            <p:strVal val="#ppt_y"/>
+                                          </p:val>
+                                        </p:tav>
+                                        <p:tav tm="100000">
+                                          <p:val>
+                                            <p:strVal val="#ppt_y"/>
+                                          </p:val>
+                                        </p:tav>
+                                      </p:tavLst>
+                                    </p:anim>
+                                  </p:childTnLst>
+                                </p:cTn>
+                              </p:par>
+                              <p:par>
+                                <p:cTn id="9" presetID="2" presetClass="entr" presetSubtype="2" fill="hold" grpId="0" nodeType="withEffect">
+                                  <p:stCondLst>
+                                    <p:cond delay="0"/>
+                                  </p:stCondLst>
+                                  <p:childTnLst>
+                                    <p:set>
+                                      <p:cBhvr>
+                                        <p:cTn id="10" dur="1" fill="hold">
+                                          <p:stCondLst>
+                                            <p:cond delay="0"/>
+                                          </p:stCondLst>
+                                        </p:cTn>
+                                        <p:tgtEl>
+                                          <p:spTgt spid="5"/>
+                                        </p:tgtEl>
+                                        <p:attrNameLst>
+                                          <p:attrName>style.visibility</p:attrName>
+                                        </p:attrNameLst>
+                                      </p:cBhvr>
+                                      <p:to>
+                                        <p:strVal val="visible"/>
+                                      </p:to>
+                                    </p:set>
+                                    <p:anim calcmode="lin" valueType="num">
+                                      <p:cBhvr additive="base">
+                                        <p:cTn id="11" dur="500" fill="hold"/>
+                                        <p:tgtEl>
+                                          <p:spTgt spid="5"/>
+                                        </p:tgtEl>
+                                        <p:attrNameLst>
+                                          <p:attrName>ppt_x</p:attrName>
+                                        </p:attrNameLst>
+                                      </p:cBhvr>
+                                      <p:tavLst>
+                                        <p:tav tm="0">
+                                          <p:val>
+                                            <p:strVal val="1+#ppt_w/2"/>
+                                          </p:val>
+                                        </p:tav>
+                                        <p:tav tm="100000">
+                                          <p:val>
+                                            <p:strVal val="#ppt_x"/>
+                                          </p:val>
+                                        </p:tav>
+                                      </p:tavLst>
+                                    </p:anim>
+                                    <p:anim calcmode="lin" valueType="num">
+                                      <p:cBhvr additive="base">
+                                        <p:cTn id="12" dur="500" fill="hold"/>
+                                        <p:tgtEl>
+                                          <p:spTgt spid="5"/>
+                                        </p:tgtEl>
+                                        <p:attrNameLst>
+                                          <p:attrName>ppt_y</p:attrName>
+                                        </p:attrNameLst>
+                                      </p:cBhvr>
+                                      <p:tavLst>
+                                        <p:tav tm="0">
+                                          <p:val>
+                                            <p:strVal val="#ppt_y"/>
+                                          </p:val>
+                                        </p:tav>
+                                        <p:tav tm="100000">
+                                          <p:val>
+                                            <p:strVal val="#ppt_y"/>
+                                          </p:val>
+                                        </p:tav>
+                                      </p:tavLst>
+                                    </p:anim>
+                                  </p:childTnLst>
+                                </p:cTn>
+                              </p:par>
+                              <p:par>
+                                <p:cTn id="13" presetID="2" presetClass="entr" presetSubtype="8" fill="hold" grpId="0" nodeType="withEffect">
+                                  <p:stCondLst>
+                                    <p:cond delay="0"/>
+                                  </p:stCondLst>
+                                  <p:childTnLst>
+                                    <p:set>
+                                      <p:cBhvr>
+                                        <p:cTn id="14" dur="1" fill="hold">
+                                          <p:stCondLst>
+                                            <p:cond delay="0"/>
+                                          </p:stCondLst>
+                                        </p:cTn>
+                                        <p:tgtEl>
+                                          <p:spTgt spid="6"/>
+                                        </p:tgtEl>
+                                        <p:attrNameLst>
+                                          <p:attrName>style.visibility</p:attrName>
+                                        </p:attrNameLst>
+                                      </p:cBhvr>
+                                      <p:to>
+                                        <p:strVal val="visible"/>
+                                      </p:to>
+                                    </p:set>
+                                    <p:anim calcmode="lin" valueType="num">
+                                      <p:cBhvr additive="base">
+                                        <p:cTn id="15" dur="500" fill="hold"/>
+                                        <p:tgtEl>
+                                          <p:spTgt spid="6"/>
+                                        </p:tgtEl>
+                                        <p:attrNameLst>
+                                          <p:attrName>ppt_x</p:attrName>
+                                        </p:attrNameLst>
+                                      </p:cBhvr>
+                                      <p:tavLst>
+                                        <p:tav tm="0">
+                                          <p:val>
+                                            <p:strVal val="0-#ppt_w/2"/>
+                                          </p:val>
+                                        </p:tav>
+                                        <p:tav tm="100000">
+                                          <p:val>
+                                            <p:strVal val="#ppt_x"/>
+                                          </p:val>
+                                        </p:tav>
+                                      </p:tavLst>
+                                    </p:anim>
+                                    <p:anim calcmode="lin" valueType="num">
+                                      <p:cBhvr additive="base">
+                                        <p:cTn id="16" dur="500" fill="hold"/>
+                                        <p:tgtEl>
+                                          <p:spTgt spid="6"/>
+                                        </p:tgtEl>
+                                        <p:attrNameLst>
+                                          <p:attrName>ppt_y</p:attrName>
+                                        </p:attrNameLst>
+                                      </p:cBhvr>
+                                      <p:tavLst>
+                                        <p:tav tm="0">
+                                          <p:val>
+                                            <p:strVal val="#ppt_y"/>
+                                          </p:val>
+                                        </p:tav>
+                                        <p:tav tm="100000">
+                                          <p:val>
+                                            <p:strVal val="#ppt_y"/>
+                                          </p:val>
+                                        </p:tav>
+                                      </p:tavLst>
+                                    </p:anim>
+                                  </p:childTnLst>
+                                </p:cTn>
+                              </p:par>
+                            </p:childTnLst>
+                          </p:cTn>
+                        </p:par>
+                      </p:childTnLst>
+                    </p:cTn>
+                  </p:par>
+                </p:childTnLst>
+              </p:cTn>
+              <p:prevCondLst>
+                <p:cond evt="onPrev" delay="0">
+                  <p:tgtEl>
+                    <p:sldTgt/>
+                  </p:tgtEl>
+                </p:cond>
+              </p:prevCondLst>
+              <p:nextCondLst>
+                <p:cond evt="onNext" delay="0">
+                  <p:tgtEl>
+                    <p:sldTgt/>
+                  </p:tgtEl>
+                </p:cond>
+              </p:nextCondLst>
+            </p:seq>
+          </p:childTnLst>
+        </p:cTn>
+      </p:par>
+    </p:tnLst>
+    <p:bldLst>
+      <p:bldP spid="3" grpId="0"/>
+      <p:bldP spid="5" grpId="0"/>
+      <p:bldP spid="6" grpId="0"/>
+    </p:bldLst>
+  </p:timing>
+</p:sld>
+</file>
+
+<file path=ppt/slides/slide5.xml><?xml version="1.0" encoding="utf-8"?>
+<p:sld xmlns:a="http://schemas.openxmlformats.org/drawingml/2006/main" xmlns:r="http://schemas.openxmlformats.org/officeDocument/2006/relationships" xmlns:p="http://schemas.openxmlformats.org/presentationml/2006/main">
+  <p:cSld>
+    <p:spTree>
+      <p:nvGrpSpPr>
+        <p:cNvPr id="1" name=""/>
+        <p:cNvGrpSpPr/>
+        <p:nvPr/>
+      </p:nvGrpSpPr>
+      <p:grpSpPr>
+        <a:xfrm>
+          <a:off x="0" y="0"/>
+          <a:ext cx="0" cy="0"/>
+          <a:chOff x="0" y="0"/>
+          <a:chExt cx="0" cy="0"/>
+        </a:xfrm>
+      </p:grpSpPr>
+      <p:sp>
+        <p:nvSpPr>
+          <p:cNvPr id="2" name="Title 1">
+            <a:extLst>
+              <a:ext uri="{FF2B5EF4-FFF2-40B4-BE49-F238E27FC236}">
+                <a16:creationId xmlns:a16="http://schemas.microsoft.com/office/drawing/2014/main" id="{DCCA6408-7B66-0D9A-6DCA-8E1D30EE108F}"/>
+              </a:ext>
+            </a:extLst>
+          </p:cNvPr>
+          <p:cNvSpPr>
+            <a:spLocks noGrp="1"/>
+          </p:cNvSpPr>
+          <p:nvPr>
+            <p:ph type="title"/>
+          </p:nvPr>
+        </p:nvSpPr>
+        <p:spPr/>
+        <p:txBody>
+          <a:bodyPr>
+            <a:normAutofit/>
+          </a:bodyPr>
+          <a:lstStyle/>
+          <a:p>
+            <a:pPr algn="ctr"/>
+            <a:r>
+              <a:rPr lang="en-US" sz="4800" b="1" dirty="0">
+                <a:latin typeface="Garamond" panose="02020404030301010803" pitchFamily="18" charset="0"/>
+              </a:rPr>
+              <a:t>Apple Overview</a:t>
+            </a:r>
+          </a:p>
+        </p:txBody>
+      </p:sp>
+      <p:pic>
+        <p:nvPicPr>
+          <p:cNvPr id="9218" name="Picture 2">
+            <a:extLst>
+              <a:ext uri="{FF2B5EF4-FFF2-40B4-BE49-F238E27FC236}">
+                <a16:creationId xmlns:a16="http://schemas.microsoft.com/office/drawing/2014/main" id="{52E53E23-FC2E-568A-B75D-F67F14AAC7BB}"/>
+              </a:ext>
+            </a:extLst>
+          </p:cNvPr>
+          <p:cNvPicPr>
+            <a:picLocks noChangeAspect="1" noChangeArrowheads="1"/>
+          </p:cNvPicPr>
+          <p:nvPr/>
+        </p:nvPicPr>
+        <p:blipFill>
+          <a:blip r:embed="rId2">
+            <a:extLst>
+              <a:ext uri="{28A0092B-C50C-407E-A947-70E740481C1C}">
+                <a14:useLocalDpi xmlns:a14="http://schemas.microsoft.com/office/drawing/2010/main" val="0"/>
+              </a:ext>
+            </a:extLst>
+          </a:blip>
+          <a:srcRect/>
+          <a:stretch>
+            <a:fillRect/>
+          </a:stretch>
+        </p:blipFill>
+        <p:spPr bwMode="auto">
+          <a:xfrm>
+            <a:off x="993140" y="1609716"/>
+            <a:ext cx="10205720" cy="3427095"/>
+          </a:xfrm>
+          <a:prstGeom prst="rect">
+            <a:avLst/>
+          </a:prstGeom>
+          <a:noFill/>
+          <a:extLst>
+            <a:ext uri="{909E8E84-426E-40DD-AFC4-6F175D3DCCD1}">
+              <a14:hiddenFill xmlns:a14="http://schemas.microsoft.com/office/drawing/2010/main">
+                <a:solidFill>
+                  <a:srgbClr val="FFFFFF"/>
+                </a:solidFill>
+              </a14:hiddenFill>
+            </a:ext>
+          </a:extLst>
+        </p:spPr>
+      </p:pic>
+      <p:sp>
+        <p:nvSpPr>
+          <p:cNvPr id="3" name="TextBox 2">
+            <a:extLst>
+              <a:ext uri="{FF2B5EF4-FFF2-40B4-BE49-F238E27FC236}">
+                <a16:creationId xmlns:a16="http://schemas.microsoft.com/office/drawing/2014/main" id="{4E9AFFD2-5594-8BA3-ED03-46FA218C8149}"/>
+              </a:ext>
+            </a:extLst>
+          </p:cNvPr>
+          <p:cNvSpPr txBox="1"/>
+          <p:nvPr/>
+        </p:nvSpPr>
+        <p:spPr>
+          <a:xfrm>
+            <a:off x="993141" y="5248284"/>
+            <a:ext cx="5102860" cy="1077218"/>
+          </a:xfrm>
+          <a:prstGeom prst="rect">
+            <a:avLst/>
+          </a:prstGeom>
+          <a:noFill/>
+        </p:spPr>
+        <p:txBody>
+          <a:bodyPr wrap="square" rtlCol="0">
+            <a:spAutoFit/>
+          </a:bodyPr>
+          <a:lstStyle/>
+          <a:p>
+            <a:r>
+              <a:rPr lang="en-US" sz="3200" dirty="0">
+                <a:latin typeface="Garamond" panose="02020404030301010803" pitchFamily="18" charset="0"/>
+              </a:rPr>
+              <a:t>(+): “</a:t>
+            </a:r>
+            <a:r>
+              <a:rPr lang="en-US" sz="3200" i="1" dirty="0">
+                <a:latin typeface="Garamond" panose="02020404030301010803" pitchFamily="18" charset="0"/>
+              </a:rPr>
+              <a:t>temporary store”, “popup store”, “downtown Austin”</a:t>
+            </a:r>
+            <a:endParaRPr lang="en-US" sz="3200" dirty="0">
+              <a:latin typeface="Garamond" panose="02020404030301010803" pitchFamily="18" charset="0"/>
+            </a:endParaRPr>
+          </a:p>
+        </p:txBody>
+      </p:sp>
+      <p:sp>
+        <p:nvSpPr>
+          <p:cNvPr id="4" name="TextBox 3">
+            <a:extLst>
+              <a:ext uri="{FF2B5EF4-FFF2-40B4-BE49-F238E27FC236}">
+                <a16:creationId xmlns:a16="http://schemas.microsoft.com/office/drawing/2014/main" id="{10BC2B84-8988-DA7E-7D93-1953E4CF410E}"/>
+              </a:ext>
+            </a:extLst>
+          </p:cNvPr>
+          <p:cNvSpPr txBox="1"/>
+          <p:nvPr/>
+        </p:nvSpPr>
+        <p:spPr>
+          <a:xfrm>
+            <a:off x="6096000" y="5248284"/>
+            <a:ext cx="5102860" cy="1077218"/>
+          </a:xfrm>
+          <a:prstGeom prst="rect">
+            <a:avLst/>
+          </a:prstGeom>
+          <a:noFill/>
+        </p:spPr>
+        <p:txBody>
+          <a:bodyPr wrap="square" rtlCol="0">
+            <a:spAutoFit/>
+          </a:bodyPr>
+          <a:lstStyle/>
+          <a:p>
+            <a:r>
+              <a:rPr lang="en-US" sz="3200" dirty="0">
+                <a:latin typeface="Garamond" panose="02020404030301010803" pitchFamily="18" charset="0"/>
+              </a:rPr>
+              <a:t>(–): “</a:t>
+            </a:r>
+            <a:r>
+              <a:rPr lang="en-US" sz="3200" i="1" dirty="0">
+                <a:latin typeface="Garamond" panose="02020404030301010803" pitchFamily="18" charset="0"/>
+              </a:rPr>
+              <a:t>battery”, “design headache”, “fascist company”</a:t>
+            </a:r>
+            <a:endParaRPr lang="en-US" sz="3200" dirty="0">
+              <a:latin typeface="Garamond" panose="02020404030301010803" pitchFamily="18" charset="0"/>
+            </a:endParaRPr>
+          </a:p>
+        </p:txBody>
+      </p:sp>
+    </p:spTree>
+    <p:extLst>
+      <p:ext uri="{BB962C8B-B14F-4D97-AF65-F5344CB8AC3E}">
+        <p14:creationId xmlns:p14="http://schemas.microsoft.com/office/powerpoint/2010/main" val="192764600"/>
+      </p:ext>
+    </p:extLst>
+  </p:cSld>
+  <p:clrMapOvr>
+    <a:masterClrMapping/>
+  </p:clrMapOvr>
+  <p:timing>
+    <p:tnLst>
+      <p:par>
+        <p:cTn id="1" dur="indefinite" restart="never" nodeType="tmRoot">
+          <p:childTnLst>
+            <p:seq concurrent="1" nextAc="seek">
+              <p:cTn id="2" dur="indefinite" nodeType="mainSeq">
+                <p:childTnLst>
+                  <p:par>
+                    <p:cTn id="3" fill="hold">
+                      <p:stCondLst>
+                        <p:cond delay="indefinite"/>
+                        <p:cond evt="onBegin" delay="0">
+                          <p:tn val="2"/>
+                        </p:cond>
+                      </p:stCondLst>
+                      <p:childTnLst>
+                        <p:par>
+                          <p:cTn id="4" fill="hold">
+                            <p:stCondLst>
+                              <p:cond delay="0"/>
+                            </p:stCondLst>
+                            <p:childTnLst>
+                              <p:par>
+                                <p:cTn id="5" presetID="23" presetClass="entr" presetSubtype="16" fill="hold" nodeType="withEffect">
+                                  <p:stCondLst>
+                                    <p:cond delay="0"/>
+                                  </p:stCondLst>
+                                  <p:childTnLst>
+                                    <p:set>
+                                      <p:cBhvr>
+                                        <p:cTn id="6" dur="1" fill="hold">
+                                          <p:stCondLst>
+                                            <p:cond delay="0"/>
+                                          </p:stCondLst>
+                                        </p:cTn>
+                                        <p:tgtEl>
+                                          <p:spTgt spid="9218"/>
+                                        </p:tgtEl>
+                                        <p:attrNameLst>
+                                          <p:attrName>style.visibility</p:attrName>
+                                        </p:attrNameLst>
+                                      </p:cBhvr>
+                                      <p:to>
+                                        <p:strVal val="visible"/>
+                                      </p:to>
+                                    </p:set>
+                                    <p:anim calcmode="lin" valueType="num">
+                                      <p:cBhvr>
+                                        <p:cTn id="7" dur="2000" fill="hold"/>
+                                        <p:tgtEl>
+                                          <p:spTgt spid="9218"/>
+                                        </p:tgtEl>
+                                        <p:attrNameLst>
+                                          <p:attrName>ppt_w</p:attrName>
+                                        </p:attrNameLst>
+                                      </p:cBhvr>
+                                      <p:tavLst>
+                                        <p:tav tm="0">
+                                          <p:val>
+                                            <p:fltVal val="0"/>
+                                          </p:val>
+                                        </p:tav>
+                                        <p:tav tm="100000">
+                                          <p:val>
+                                            <p:strVal val="#ppt_w"/>
+                                          </p:val>
+                                        </p:tav>
+                                      </p:tavLst>
+                                    </p:anim>
+                                    <p:anim calcmode="lin" valueType="num">
+                                      <p:cBhvr>
+                                        <p:cTn id="8" dur="2000" fill="hold"/>
+                                        <p:tgtEl>
+                                          <p:spTgt spid="9218"/>
+                                        </p:tgtEl>
+                                        <p:attrNameLst>
+                                          <p:attrName>ppt_h</p:attrName>
+                                        </p:attrNameLst>
+                                      </p:cBhvr>
+                                      <p:tavLst>
+                                        <p:tav tm="0">
+                                          <p:val>
+                                            <p:fltVal val="0"/>
+                                          </p:val>
+                                        </p:tav>
+                                        <p:tav tm="100000">
+                                          <p:val>
+                                            <p:strVal val="#ppt_h"/>
+                                          </p:val>
+                                        </p:tav>
+                                      </p:tavLst>
+                                    </p:anim>
+                                  </p:childTnLst>
+                                </p:cTn>
+                              </p:par>
+                            </p:childTnLst>
+                          </p:cTn>
+                        </p:par>
+                      </p:childTnLst>
+                    </p:cTn>
+                  </p:par>
+                  <p:par>
+                    <p:cTn id="9" fill="hold">
+                      <p:stCondLst>
+                        <p:cond delay="indefinite"/>
+                      </p:stCondLst>
+                      <p:childTnLst>
+                        <p:par>
+                          <p:cTn id="10" fill="hold">
+                            <p:stCondLst>
+                              <p:cond delay="0"/>
+                            </p:stCondLst>
+                            <p:childTnLst>
+                              <p:par>
+                                <p:cTn id="11" presetID="9" presetClass="entr" presetSubtype="0" fill="hold" grpId="0" nodeType="clickEffect">
+                                  <p:stCondLst>
+                                    <p:cond delay="0"/>
+                                  </p:stCondLst>
+                                  <p:childTnLst>
+                                    <p:set>
+                                      <p:cBhvr>
+                                        <p:cTn id="12" dur="1" fill="hold">
+                                          <p:stCondLst>
+                                            <p:cond delay="0"/>
+                                          </p:stCondLst>
+                                        </p:cTn>
+                                        <p:tgtEl>
+                                          <p:spTgt spid="3"/>
+                                        </p:tgtEl>
+                                        <p:attrNameLst>
+                                          <p:attrName>style.visibility</p:attrName>
+                                        </p:attrNameLst>
+                                      </p:cBhvr>
+                                      <p:to>
+                                        <p:strVal val="visible"/>
+                                      </p:to>
+                                    </p:set>
+                                    <p:animEffect transition="in" filter="dissolve">
+                                      <p:cBhvr>
+                                        <p:cTn id="13" dur="500"/>
+                                        <p:tgtEl>
+                                          <p:spTgt spid="3"/>
+                                        </p:tgtEl>
+                                      </p:cBhvr>
+                                    </p:animEffect>
+                                  </p:childTnLst>
+                                </p:cTn>
+                              </p:par>
+                            </p:childTnLst>
+                          </p:cTn>
+                        </p:par>
+                      </p:childTnLst>
+                    </p:cTn>
+                  </p:par>
+                  <p:par>
+                    <p:cTn id="14" fill="hold">
+                      <p:stCondLst>
+                        <p:cond delay="indefinite"/>
+                      </p:stCondLst>
+                      <p:childTnLst>
+                        <p:par>
+                          <p:cTn id="15" fill="hold">
+                            <p:stCondLst>
+                              <p:cond delay="0"/>
+                            </p:stCondLst>
+                            <p:childTnLst>
+                              <p:par>
+                                <p:cTn id="16" presetID="9" presetClass="entr" presetSubtype="0" fill="hold" grpId="0" nodeType="clickEffect">
+                                  <p:stCondLst>
+                                    <p:cond delay="0"/>
+                                  </p:stCondLst>
+                                  <p:childTnLst>
+                                    <p:set>
+                                      <p:cBhvr>
+                                        <p:cTn id="17" dur="1" fill="hold">
+                                          <p:stCondLst>
+                                            <p:cond delay="0"/>
+                                          </p:stCondLst>
+                                        </p:cTn>
+                                        <p:tgtEl>
+                                          <p:spTgt spid="4"/>
+                                        </p:tgtEl>
+                                        <p:attrNameLst>
+                                          <p:attrName>style.visibility</p:attrName>
+                                        </p:attrNameLst>
+                                      </p:cBhvr>
+                                      <p:to>
+                                        <p:strVal val="visible"/>
+                                      </p:to>
+                                    </p:set>
+                                    <p:animEffect transition="in" filter="dissolve">
+                                      <p:cBhvr>
+                                        <p:cTn id="18" dur="500"/>
+                                        <p:tgtEl>
+                                          <p:spTgt spid="4"/>
+                                        </p:tgtEl>
+                                      </p:cBhvr>
+                                    </p:animEffect>
+                                  </p:childTnLst>
+                                </p:cTn>
+                              </p:par>
+                            </p:childTnLst>
+                          </p:cTn>
+                        </p:par>
+                      </p:childTnLst>
+                    </p:cTn>
+                  </p:par>
+                </p:childTnLst>
+              </p:cTn>
+              <p:prevCondLst>
+                <p:cond evt="onPrev" delay="0">
+                  <p:tgtEl>
+                    <p:sldTgt/>
+                  </p:tgtEl>
+                </p:cond>
+              </p:prevCondLst>
+              <p:nextCondLst>
+                <p:cond evt="onNext" delay="0">
+                  <p:tgtEl>
+                    <p:sldTgt/>
+                  </p:tgtEl>
+                </p:cond>
+              </p:nextCondLst>
+            </p:seq>
+          </p:childTnLst>
+        </p:cTn>
+      </p:par>
+    </p:tnLst>
+    <p:bldLst>
+      <p:bldP spid="3" grpId="0"/>
+      <p:bldP spid="4" grpId="0"/>
+    </p:bldLst>
+  </p:timing>
+</p:sld>
+</file>
+
+<file path=ppt/slides/slide6.xml><?xml version="1.0" encoding="utf-8"?>
+<p:sld xmlns:a="http://schemas.openxmlformats.org/drawingml/2006/main" xmlns:r="http://schemas.openxmlformats.org/officeDocument/2006/relationships" xmlns:p="http://schemas.openxmlformats.org/presentationml/2006/main">
+  <p:cSld>
+    <p:spTree>
+      <p:nvGrpSpPr>
+        <p:cNvPr id="1" name=""/>
+        <p:cNvGrpSpPr/>
+        <p:nvPr/>
+      </p:nvGrpSpPr>
+      <p:grpSpPr>
+        <a:xfrm>
+          <a:off x="0" y="0"/>
+          <a:ext cx="0" cy="0"/>
+          <a:chOff x="0" y="0"/>
+          <a:chExt cx="0" cy="0"/>
+        </a:xfrm>
+      </p:grpSpPr>
+      <p:sp>
+        <p:nvSpPr>
+          <p:cNvPr id="2" name="Title 1">
+            <a:extLst>
+              <a:ext uri="{FF2B5EF4-FFF2-40B4-BE49-F238E27FC236}">
+                <a16:creationId xmlns:a16="http://schemas.microsoft.com/office/drawing/2014/main" id="{DCCA6408-7B66-0D9A-6DCA-8E1D30EE108F}"/>
+              </a:ext>
+            </a:extLst>
+          </p:cNvPr>
+          <p:cNvSpPr>
+            <a:spLocks noGrp="1"/>
+          </p:cNvSpPr>
+          <p:nvPr>
+            <p:ph type="title"/>
+          </p:nvPr>
+        </p:nvSpPr>
+        <p:spPr/>
+        <p:txBody>
+          <a:bodyPr>
+            <a:normAutofit/>
+          </a:bodyPr>
+          <a:lstStyle/>
+          <a:p>
+            <a:pPr algn="ctr"/>
+            <a:r>
+              <a:rPr lang="en-US" sz="4800" b="1" dirty="0">
+                <a:latin typeface="Garamond" panose="02020404030301010803" pitchFamily="18" charset="0"/>
+              </a:rPr>
+              <a:t>Google Overview</a:t>
+            </a:r>
+          </a:p>
+        </p:txBody>
+      </p:sp>
+      <p:pic>
+        <p:nvPicPr>
+          <p:cNvPr id="11266" name="Picture 2">
+            <a:extLst>
+              <a:ext uri="{FF2B5EF4-FFF2-40B4-BE49-F238E27FC236}">
+                <a16:creationId xmlns:a16="http://schemas.microsoft.com/office/drawing/2014/main" id="{723762AB-2D15-3826-B4F3-A3CB6E9D6B89}"/>
+              </a:ext>
+            </a:extLst>
+          </p:cNvPr>
+          <p:cNvPicPr>
+            <a:picLocks noChangeAspect="1" noChangeArrowheads="1"/>
+          </p:cNvPicPr>
+          <p:nvPr/>
+        </p:nvPicPr>
+        <p:blipFill>
+          <a:blip r:embed="rId2">
+            <a:extLst>
+              <a:ext uri="{28A0092B-C50C-407E-A947-70E740481C1C}">
+                <a14:useLocalDpi xmlns:a14="http://schemas.microsoft.com/office/drawing/2010/main" val="0"/>
+              </a:ext>
+            </a:extLst>
+          </a:blip>
+          <a:srcRect/>
+          <a:stretch>
+            <a:fillRect/>
+          </a:stretch>
+        </p:blipFill>
+        <p:spPr bwMode="auto">
+          <a:xfrm>
+            <a:off x="996696" y="1628192"/>
+            <a:ext cx="10205720" cy="3427095"/>
+          </a:xfrm>
+          <a:prstGeom prst="rect">
+            <a:avLst/>
+          </a:prstGeom>
+          <a:noFill/>
+          <a:extLst>
+            <a:ext uri="{909E8E84-426E-40DD-AFC4-6F175D3DCCD1}">
+              <a14:hiddenFill xmlns:a14="http://schemas.microsoft.com/office/drawing/2010/main">
+                <a:solidFill>
+                  <a:srgbClr val="FFFFFF"/>
+                </a:solidFill>
+              </a14:hiddenFill>
+            </a:ext>
+          </a:extLst>
+        </p:spPr>
+      </p:pic>
+      <p:sp>
+        <p:nvSpPr>
+          <p:cNvPr id="3" name="TextBox 2">
+            <a:extLst>
+              <a:ext uri="{FF2B5EF4-FFF2-40B4-BE49-F238E27FC236}">
+                <a16:creationId xmlns:a16="http://schemas.microsoft.com/office/drawing/2014/main" id="{E3F51510-74A2-D299-EA08-61D76B8E426E}"/>
+              </a:ext>
+            </a:extLst>
+          </p:cNvPr>
+          <p:cNvSpPr txBox="1"/>
+          <p:nvPr/>
+        </p:nvSpPr>
+        <p:spPr>
+          <a:xfrm>
+            <a:off x="993141" y="5248284"/>
+            <a:ext cx="5102860" cy="584775"/>
+          </a:xfrm>
+          <a:prstGeom prst="rect">
+            <a:avLst/>
+          </a:prstGeom>
+          <a:noFill/>
+        </p:spPr>
+        <p:txBody>
+          <a:bodyPr wrap="square" rtlCol="0">
+            <a:spAutoFit/>
+          </a:bodyPr>
+          <a:lstStyle/>
+          <a:p>
+            <a:r>
+              <a:rPr lang="en-US" sz="3200" dirty="0">
+                <a:latin typeface="Garamond" panose="02020404030301010803" pitchFamily="18" charset="0"/>
+              </a:rPr>
+              <a:t>(+): “</a:t>
+            </a:r>
+            <a:r>
+              <a:rPr lang="en-US" sz="3200" i="1" dirty="0">
+                <a:latin typeface="Garamond" panose="02020404030301010803" pitchFamily="18" charset="0"/>
+              </a:rPr>
+              <a:t>party”, “maps”</a:t>
+            </a:r>
+            <a:endParaRPr lang="en-US" sz="3200" dirty="0">
+              <a:latin typeface="Garamond" panose="02020404030301010803" pitchFamily="18" charset="0"/>
+            </a:endParaRPr>
+          </a:p>
+        </p:txBody>
+      </p:sp>
+      <p:sp>
+        <p:nvSpPr>
+          <p:cNvPr id="4" name="TextBox 3">
+            <a:extLst>
+              <a:ext uri="{FF2B5EF4-FFF2-40B4-BE49-F238E27FC236}">
+                <a16:creationId xmlns:a16="http://schemas.microsoft.com/office/drawing/2014/main" id="{D0071BE4-6B55-4B09-3836-9506316C4BA1}"/>
+              </a:ext>
+            </a:extLst>
+          </p:cNvPr>
+          <p:cNvSpPr txBox="1"/>
+          <p:nvPr/>
+        </p:nvSpPr>
+        <p:spPr>
+          <a:xfrm>
+            <a:off x="6096000" y="5248284"/>
+            <a:ext cx="5102860" cy="584775"/>
+          </a:xfrm>
+          <a:prstGeom prst="rect">
+            <a:avLst/>
+          </a:prstGeom>
+          <a:noFill/>
+        </p:spPr>
+        <p:txBody>
+          <a:bodyPr wrap="square" rtlCol="0">
+            <a:spAutoFit/>
+          </a:bodyPr>
+          <a:lstStyle/>
+          <a:p>
+            <a:r>
+              <a:rPr lang="en-US" sz="3200" dirty="0">
+                <a:latin typeface="Garamond" panose="02020404030301010803" pitchFamily="18" charset="0"/>
+              </a:rPr>
+              <a:t>(–): “</a:t>
+            </a:r>
+            <a:r>
+              <a:rPr lang="en-US" sz="3200" i="1" dirty="0">
+                <a:latin typeface="Garamond" panose="02020404030301010803" pitchFamily="18" charset="0"/>
+              </a:rPr>
+              <a:t>circles”, “Bing”, “launching”</a:t>
+            </a:r>
+            <a:endParaRPr lang="en-US" sz="3200" dirty="0">
+              <a:latin typeface="Garamond" panose="02020404030301010803" pitchFamily="18" charset="0"/>
+            </a:endParaRPr>
+          </a:p>
+        </p:txBody>
+      </p:sp>
+    </p:spTree>
+    <p:extLst>
+      <p:ext uri="{BB962C8B-B14F-4D97-AF65-F5344CB8AC3E}">
+        <p14:creationId xmlns:p14="http://schemas.microsoft.com/office/powerpoint/2010/main" val="3534051907"/>
+      </p:ext>
+    </p:extLst>
+  </p:cSld>
+  <p:clrMapOvr>
+    <a:masterClrMapping/>
+  </p:clrMapOvr>
+  <p:timing>
+    <p:tnLst>
+      <p:par>
+        <p:cTn id="1" dur="indefinite" restart="never" nodeType="tmRoot">
+          <p:childTnLst>
+            <p:seq concurrent="1" nextAc="seek">
+              <p:cTn id="2" dur="indefinite" nodeType="mainSeq">
+                <p:childTnLst>
+                  <p:par>
+                    <p:cTn id="3" fill="hold">
+                      <p:stCondLst>
+                        <p:cond delay="indefinite"/>
+                        <p:cond evt="onBegin" delay="0">
+                          <p:tn val="2"/>
+                        </p:cond>
+                      </p:stCondLst>
+                      <p:childTnLst>
+                        <p:par>
+                          <p:cTn id="4" fill="hold">
+                            <p:stCondLst>
+                              <p:cond delay="0"/>
+                            </p:stCondLst>
+                            <p:childTnLst>
+                              <p:par>
+                                <p:cTn id="5" presetID="23" presetClass="entr" presetSubtype="16" fill="hold" nodeType="withEffect">
+                                  <p:stCondLst>
+                                    <p:cond delay="0"/>
+                                  </p:stCondLst>
+                                  <p:childTnLst>
+                                    <p:set>
+                                      <p:cBhvr>
+                                        <p:cTn id="6" dur="1" fill="hold">
+                                          <p:stCondLst>
+                                            <p:cond delay="0"/>
+                                          </p:stCondLst>
+                                        </p:cTn>
+                                        <p:tgtEl>
+                                          <p:spTgt spid="11266"/>
+                                        </p:tgtEl>
+                                        <p:attrNameLst>
+                                          <p:attrName>style.visibility</p:attrName>
+                                        </p:attrNameLst>
+                                      </p:cBhvr>
+                                      <p:to>
+                                        <p:strVal val="visible"/>
+                                      </p:to>
+                                    </p:set>
+                                    <p:anim calcmode="lin" valueType="num">
+                                      <p:cBhvr>
+                                        <p:cTn id="7" dur="2000" fill="hold"/>
+                                        <p:tgtEl>
+                                          <p:spTgt spid="11266"/>
+                                        </p:tgtEl>
+                                        <p:attrNameLst>
+                                          <p:attrName>ppt_w</p:attrName>
+                                        </p:attrNameLst>
+                                      </p:cBhvr>
+                                      <p:tavLst>
+                                        <p:tav tm="0">
+                                          <p:val>
+                                            <p:fltVal val="0"/>
+                                          </p:val>
+                                        </p:tav>
+                                        <p:tav tm="100000">
+                                          <p:val>
+                                            <p:strVal val="#ppt_w"/>
+                                          </p:val>
+                                        </p:tav>
+                                      </p:tavLst>
+                                    </p:anim>
+                                    <p:anim calcmode="lin" valueType="num">
+                                      <p:cBhvr>
+                                        <p:cTn id="8" dur="2000" fill="hold"/>
+                                        <p:tgtEl>
+                                          <p:spTgt spid="11266"/>
+                                        </p:tgtEl>
+                                        <p:attrNameLst>
+                                          <p:attrName>ppt_h</p:attrName>
+                                        </p:attrNameLst>
+                                      </p:cBhvr>
+                                      <p:tavLst>
+                                        <p:tav tm="0">
+                                          <p:val>
+                                            <p:fltVal val="0"/>
+                                          </p:val>
+                                        </p:tav>
+                                        <p:tav tm="100000">
+                                          <p:val>
+                                            <p:strVal val="#ppt_h"/>
+                                          </p:val>
+                                        </p:tav>
+                                      </p:tavLst>
+                                    </p:anim>
+                                  </p:childTnLst>
+                                </p:cTn>
+                              </p:par>
+                            </p:childTnLst>
+                          </p:cTn>
+                        </p:par>
+                      </p:childTnLst>
+                    </p:cTn>
+                  </p:par>
+                  <p:par>
+                    <p:cTn id="9" fill="hold">
+                      <p:stCondLst>
+                        <p:cond delay="indefinite"/>
+                      </p:stCondLst>
+                      <p:childTnLst>
+                        <p:par>
+                          <p:cTn id="10" fill="hold">
+                            <p:stCondLst>
+                              <p:cond delay="0"/>
+                            </p:stCondLst>
+                            <p:childTnLst>
+                              <p:par>
+                                <p:cTn id="11" presetID="9" presetClass="entr" presetSubtype="0" fill="hold" grpId="0" nodeType="clickEffect">
+                                  <p:stCondLst>
+                                    <p:cond delay="0"/>
+                                  </p:stCondLst>
+                                  <p:childTnLst>
+                                    <p:set>
+                                      <p:cBhvr>
+                                        <p:cTn id="12" dur="1" fill="hold">
+                                          <p:stCondLst>
+                                            <p:cond delay="0"/>
+                                          </p:stCondLst>
+                                        </p:cTn>
+                                        <p:tgtEl>
+                                          <p:spTgt spid="3"/>
+                                        </p:tgtEl>
+                                        <p:attrNameLst>
+                                          <p:attrName>style.visibility</p:attrName>
+                                        </p:attrNameLst>
+                                      </p:cBhvr>
+                                      <p:to>
+                                        <p:strVal val="visible"/>
+                                      </p:to>
+                                    </p:set>
+                                    <p:animEffect transition="in" filter="dissolve">
+                                      <p:cBhvr>
+                                        <p:cTn id="13" dur="500"/>
+                                        <p:tgtEl>
+                                          <p:spTgt spid="3"/>
+                                        </p:tgtEl>
+                                      </p:cBhvr>
+                                    </p:animEffect>
+                                  </p:childTnLst>
+                                </p:cTn>
+                              </p:par>
+                            </p:childTnLst>
+                          </p:cTn>
+                        </p:par>
+                      </p:childTnLst>
+                    </p:cTn>
+                  </p:par>
+                  <p:par>
+                    <p:cTn id="14" fill="hold">
+                      <p:stCondLst>
+                        <p:cond delay="indefinite"/>
+                      </p:stCondLst>
+                      <p:childTnLst>
+                        <p:par>
+                          <p:cTn id="15" fill="hold">
+                            <p:stCondLst>
+                              <p:cond delay="0"/>
+                            </p:stCondLst>
+                            <p:childTnLst>
+                              <p:par>
+                                <p:cTn id="16" presetID="9" presetClass="entr" presetSubtype="0" fill="hold" grpId="0" nodeType="clickEffect">
+                                  <p:stCondLst>
+                                    <p:cond delay="0"/>
+                                  </p:stCondLst>
+                                  <p:childTnLst>
+                                    <p:set>
+                                      <p:cBhvr>
+                                        <p:cTn id="17" dur="1" fill="hold">
+                                          <p:stCondLst>
+                                            <p:cond delay="0"/>
+                                          </p:stCondLst>
+                                        </p:cTn>
+                                        <p:tgtEl>
+                                          <p:spTgt spid="4"/>
+                                        </p:tgtEl>
+                                        <p:attrNameLst>
+                                          <p:attrName>style.visibility</p:attrName>
+                                        </p:attrNameLst>
+                                      </p:cBhvr>
+                                      <p:to>
+                                        <p:strVal val="visible"/>
+                                      </p:to>
+                                    </p:set>
+                                    <p:animEffect transition="in" filter="dissolve">
+                                      <p:cBhvr>
+                                        <p:cTn id="18" dur="500"/>
+                                        <p:tgtEl>
+                                          <p:spTgt spid="4"/>
+                                        </p:tgtEl>
+                                      </p:cBhvr>
+                                    </p:animEffect>
+                                  </p:childTnLst>
+                                </p:cTn>
+                              </p:par>
+                            </p:childTnLst>
+                          </p:cTn>
+                        </p:par>
+                      </p:childTnLst>
+                    </p:cTn>
+                  </p:par>
+                </p:childTnLst>
+              </p:cTn>
+              <p:prevCondLst>
+                <p:cond evt="onPrev" delay="0">
+                  <p:tgtEl>
+                    <p:sldTgt/>
+                  </p:tgtEl>
+                </p:cond>
+              </p:prevCondLst>
+              <p:nextCondLst>
+                <p:cond evt="onNext" delay="0">
+                  <p:tgtEl>
+                    <p:sldTgt/>
+                  </p:tgtEl>
+                </p:cond>
+              </p:nextCondLst>
+            </p:seq>
+          </p:childTnLst>
+        </p:cTn>
+      </p:par>
+    </p:tnLst>
+    <p:bldLst>
+      <p:bldP spid="3" grpId="0"/>
+      <p:bldP spid="4" grpId="0"/>
+    </p:bldLst>
+  </p:timing>
+</p:sld>
+</file>
+
+<file path=ppt/slides/slide7.xml><?xml version="1.0" encoding="utf-8"?>
+<p:sld xmlns:a="http://schemas.openxmlformats.org/drawingml/2006/main" xmlns:r="http://schemas.openxmlformats.org/officeDocument/2006/relationships" xmlns:p="http://schemas.openxmlformats.org/presentationml/2006/main">
+  <p:cSld>
+    <p:spTree>
+      <p:nvGrpSpPr>
+        <p:cNvPr id="1" name=""/>
+        <p:cNvGrpSpPr/>
+        <p:nvPr/>
+      </p:nvGrpSpPr>
+      <p:grpSpPr>
+        <a:xfrm>
+          <a:off x="0" y="0"/>
+          <a:ext cx="0" cy="0"/>
+          <a:chOff x="0" y="0"/>
+          <a:chExt cx="0" cy="0"/>
+        </a:xfrm>
+      </p:grpSpPr>
+      <p:sp>
+        <p:nvSpPr>
+          <p:cNvPr id="2" name="Title 1">
+            <a:extLst>
+              <a:ext uri="{FF2B5EF4-FFF2-40B4-BE49-F238E27FC236}">
+                <a16:creationId xmlns:a16="http://schemas.microsoft.com/office/drawing/2014/main" id="{DCCA6408-7B66-0D9A-6DCA-8E1D30EE108F}"/>
+              </a:ext>
+            </a:extLst>
+          </p:cNvPr>
+          <p:cNvSpPr>
+            <a:spLocks noGrp="1"/>
+          </p:cNvSpPr>
+          <p:nvPr>
+            <p:ph type="title"/>
+          </p:nvPr>
+        </p:nvSpPr>
+        <p:spPr/>
+        <p:txBody>
+          <a:bodyPr>
+            <a:normAutofit/>
+          </a:bodyPr>
+          <a:lstStyle/>
+          <a:p>
+            <a:pPr algn="ctr"/>
+            <a:r>
+              <a:rPr lang="en-US" sz="4800" b="1" dirty="0">
+                <a:latin typeface="Garamond" panose="02020404030301010803" pitchFamily="18" charset="0"/>
+              </a:rPr>
+              <a:t>Methods</a:t>
+            </a:r>
+          </a:p>
+        </p:txBody>
+      </p:sp>
+      <p:sp>
+        <p:nvSpPr>
+          <p:cNvPr id="8" name="TextBox 7">
+            <a:extLst>
+              <a:ext uri="{FF2B5EF4-FFF2-40B4-BE49-F238E27FC236}">
+                <a16:creationId xmlns:a16="http://schemas.microsoft.com/office/drawing/2014/main" id="{D1B34136-DA6E-4D39-5F5A-450602D54F43}"/>
+              </a:ext>
+            </a:extLst>
+          </p:cNvPr>
+          <p:cNvSpPr txBox="1"/>
+          <p:nvPr/>
+        </p:nvSpPr>
+        <p:spPr>
+          <a:xfrm>
+            <a:off x="838200" y="1690688"/>
+            <a:ext cx="9199179" cy="584775"/>
+          </a:xfrm>
+          <a:prstGeom prst="rect">
+            <a:avLst/>
+          </a:prstGeom>
+          <a:solidFill>
+            <a:schemeClr val="bg1"/>
+          </a:solidFill>
+          <a:ln>
+            <a:solidFill>
+              <a:schemeClr val="tx1"/>
+            </a:solidFill>
+          </a:ln>
+        </p:spPr>
+        <p:txBody>
+          <a:bodyPr wrap="square" rtlCol="0">
+            <a:spAutoFit/>
+          </a:bodyPr>
+          <a:lstStyle/>
+          <a:p>
+            <a:pPr marL="457200" indent="-457200">
+              <a:buFont typeface="Arial" panose="020B0604020202020204" pitchFamily="34" charset="0"/>
+              <a:buChar char="•"/>
+            </a:pPr>
+            <a:r>
+              <a:rPr lang="en-US" sz="3200" dirty="0">
+                <a:latin typeface="Garamond" panose="02020404030301010803" pitchFamily="18" charset="0"/>
+              </a:rPr>
+              <a:t>ChatGPT3 helped with brand categorization</a:t>
+            </a:r>
+          </a:p>
+        </p:txBody>
+      </p:sp>
+      <p:sp>
+        <p:nvSpPr>
+          <p:cNvPr id="9" name="TextBox 8">
+            <a:extLst>
+              <a:ext uri="{FF2B5EF4-FFF2-40B4-BE49-F238E27FC236}">
+                <a16:creationId xmlns:a16="http://schemas.microsoft.com/office/drawing/2014/main" id="{BA80EDEE-E0D5-3C42-FB70-4506F1527BA8}"/>
+              </a:ext>
+            </a:extLst>
+          </p:cNvPr>
+          <p:cNvSpPr txBox="1"/>
+          <p:nvPr/>
+        </p:nvSpPr>
+        <p:spPr>
+          <a:xfrm>
+            <a:off x="838200" y="2846388"/>
+            <a:ext cx="7958960" cy="584775"/>
+          </a:xfrm>
+          <a:prstGeom prst="rect">
+            <a:avLst/>
+          </a:prstGeom>
+          <a:solidFill>
+            <a:schemeClr val="bg1"/>
+          </a:solidFill>
+          <a:ln>
+            <a:solidFill>
+              <a:schemeClr val="tx1"/>
+            </a:solidFill>
+          </a:ln>
+        </p:spPr>
+        <p:txBody>
+          <a:bodyPr wrap="square" rtlCol="0">
+            <a:spAutoFit/>
+          </a:bodyPr>
+          <a:lstStyle/>
+          <a:p>
+            <a:pPr marL="457200" indent="-457200">
+              <a:buFont typeface="Arial" panose="020B0604020202020204" pitchFamily="34" charset="0"/>
+              <a:buChar char="•"/>
+            </a:pPr>
+            <a:endParaRPr lang="en-US" sz="3200" dirty="0">
+              <a:latin typeface="Garamond" panose="02020404030301010803" pitchFamily="18" charset="0"/>
+            </a:endParaRPr>
+          </a:p>
+        </p:txBody>
+      </p:sp>
+      <p:sp>
+        <p:nvSpPr>
+          <p:cNvPr id="10" name="TextBox 9">
+            <a:extLst>
+              <a:ext uri="{FF2B5EF4-FFF2-40B4-BE49-F238E27FC236}">
+                <a16:creationId xmlns:a16="http://schemas.microsoft.com/office/drawing/2014/main" id="{6BC93E2D-CBD7-69EE-6154-0874E7253361}"/>
+              </a:ext>
+            </a:extLst>
+          </p:cNvPr>
+          <p:cNvSpPr txBox="1"/>
+          <p:nvPr/>
+        </p:nvSpPr>
+        <p:spPr>
+          <a:xfrm>
+            <a:off x="838199" y="4002088"/>
+            <a:ext cx="10618077" cy="830997"/>
+          </a:xfrm>
+          <a:prstGeom prst="rect">
+            <a:avLst/>
+          </a:prstGeom>
+          <a:solidFill>
+            <a:schemeClr val="bg1"/>
+          </a:solidFill>
+          <a:ln>
+            <a:solidFill>
+              <a:schemeClr val="tx1"/>
+            </a:solidFill>
+          </a:ln>
+        </p:spPr>
+        <p:txBody>
+          <a:bodyPr wrap="square" rtlCol="0">
+            <a:spAutoFit/>
+          </a:bodyPr>
+          <a:lstStyle/>
+          <a:p>
+            <a:pPr marL="457200" indent="-457200">
+              <a:buFont typeface="Arial" panose="020B0604020202020204" pitchFamily="34" charset="0"/>
+              <a:buChar char="•"/>
+            </a:pPr>
+            <a:r>
+              <a:rPr lang="en-US" sz="3200" dirty="0">
+                <a:latin typeface="Garamond" panose="02020404030301010803" pitchFamily="18" charset="0"/>
+              </a:rPr>
+              <a:t>ML classifiers: Naïve Bayes, Random Forest, </a:t>
+            </a:r>
+            <a:r>
+              <a:rPr lang="en-US" sz="3200" b="1" dirty="0">
+                <a:latin typeface="Garamond" panose="02020404030301010803" pitchFamily="18" charset="0"/>
+              </a:rPr>
+              <a:t>Gradient Boost*</a:t>
+            </a:r>
+          </a:p>
+          <a:p>
+            <a:r>
+              <a:rPr lang="en-US" sz="1600" dirty="0">
+                <a:latin typeface="Garamond" panose="02020404030301010803" pitchFamily="18" charset="0"/>
+              </a:rPr>
+              <a:t>          </a:t>
+            </a:r>
+            <a:r>
+              <a:rPr lang="en-US" sz="1600" b="1" dirty="0">
+                <a:latin typeface="Garamond" panose="02020404030301010803" pitchFamily="18" charset="0"/>
+              </a:rPr>
+              <a:t>* final model</a:t>
+            </a:r>
+          </a:p>
+        </p:txBody>
+      </p:sp>
+      <p:sp>
+        <p:nvSpPr>
+          <p:cNvPr id="11" name="TextBox 10">
+            <a:extLst>
+              <a:ext uri="{FF2B5EF4-FFF2-40B4-BE49-F238E27FC236}">
+                <a16:creationId xmlns:a16="http://schemas.microsoft.com/office/drawing/2014/main" id="{D52F3DCF-144B-2479-F9E8-810DBB13F6CB}"/>
+              </a:ext>
+            </a:extLst>
+          </p:cNvPr>
+          <p:cNvSpPr txBox="1"/>
+          <p:nvPr/>
+        </p:nvSpPr>
+        <p:spPr>
+          <a:xfrm>
+            <a:off x="838200" y="5157788"/>
+            <a:ext cx="3365938" cy="584775"/>
+          </a:xfrm>
+          <a:prstGeom prst="rect">
+            <a:avLst/>
+          </a:prstGeom>
+          <a:solidFill>
+            <a:schemeClr val="bg1"/>
+          </a:solidFill>
+          <a:ln>
+            <a:solidFill>
+              <a:schemeClr val="tx1"/>
+            </a:solidFill>
+          </a:ln>
+        </p:spPr>
+        <p:txBody>
+          <a:bodyPr wrap="square" rtlCol="0">
+            <a:spAutoFit/>
+          </a:bodyPr>
+          <a:lstStyle/>
+          <a:p>
+            <a:pPr marL="457200" indent="-457200">
+              <a:buFont typeface="Arial" panose="020B0604020202020204" pitchFamily="34" charset="0"/>
+              <a:buChar char="•"/>
+            </a:pPr>
+            <a:r>
+              <a:rPr lang="en-US" sz="3200" dirty="0">
+                <a:latin typeface="Garamond" panose="02020404030301010803" pitchFamily="18" charset="0"/>
+              </a:rPr>
+              <a:t>metric: </a:t>
+            </a:r>
+            <a:r>
+              <a:rPr lang="en-US" sz="3200" b="1" u="sng" dirty="0">
+                <a:latin typeface="Garamond" panose="02020404030301010803" pitchFamily="18" charset="0"/>
+              </a:rPr>
+              <a:t>accuracy</a:t>
+            </a:r>
+          </a:p>
+        </p:txBody>
+      </p:sp>
+    </p:spTree>
+    <p:extLst>
+      <p:ext uri="{BB962C8B-B14F-4D97-AF65-F5344CB8AC3E}">
+        <p14:creationId xmlns:p14="http://schemas.microsoft.com/office/powerpoint/2010/main" val="4141209850"/>
+      </p:ext>
+    </p:extLst>
+  </p:cSld>
+  <p:clrMapOvr>
+    <a:masterClrMapping/>
+  </p:clrMapOvr>
+  <p:timing>
+    <p:tnLst>
+      <p:par>
+        <p:cTn id="1" dur="indefinite" restart="never" nodeType="tmRoot">
+          <p:childTnLst>
+            <p:seq concurrent="1" nextAc="seek">
+              <p:cTn id="2" dur="indefinite" nodeType="mainSeq">
+                <p:childTnLst>
+                  <p:par>
+                    <p:cTn id="3" fill="hold">
+                      <p:stCondLst>
+                        <p:cond delay="indefinite"/>
+                      </p:stCondLst>
+                      <p:childTnLst>
+                        <p:par>
+                          <p:cTn id="4" fill="hold">
+                            <p:stCondLst>
+                              <p:cond delay="0"/>
+                            </p:stCondLst>
+                            <p:childTnLst>
+                              <p:par>
+                                <p:cTn id="5" presetID="9" presetClass="entr" presetSubtype="0" fill="hold" grpId="0" nodeType="clickEffect">
+                                  <p:stCondLst>
+                                    <p:cond delay="0"/>
+                                  </p:stCondLst>
+                                  <p:childTnLst>
+                                    <p:set>
+                                      <p:cBhvr>
+                                        <p:cTn id="6" dur="1" fill="hold">
+                                          <p:stCondLst>
+                                            <p:cond delay="0"/>
+                                          </p:stCondLst>
+                                        </p:cTn>
+                                        <p:tgtEl>
+                                          <p:spTgt spid="8"/>
+                                        </p:tgtEl>
+                                        <p:attrNameLst>
+                                          <p:attrName>style.visibility</p:attrName>
+                                        </p:attrNameLst>
+                                      </p:cBhvr>
+                                      <p:to>
+                                        <p:strVal val="visible"/>
+                                      </p:to>
+                                    </p:set>
+                                    <p:animEffect transition="in" filter="dissolve">
+                                      <p:cBhvr>
+                                        <p:cTn id="7" dur="500"/>
+                                        <p:tgtEl>
+                                          <p:spTgt spid="8"/>
+                                        </p:tgtEl>
+                                      </p:cBhvr>
+                                    </p:animEffect>
+                                  </p:childTnLst>
+                                </p:cTn>
+                              </p:par>
+                            </p:childTnLst>
+                          </p:cTn>
+                        </p:par>
+                      </p:childTnLst>
+                    </p:cTn>
+                  </p:par>
+                  <p:par>
+                    <p:cTn id="8" fill="hold">
+                      <p:stCondLst>
+                        <p:cond delay="indefinite"/>
+                      </p:stCondLst>
+                      <p:childTnLst>
+                        <p:par>
+                          <p:cTn id="9" fill="hold">
+                            <p:stCondLst>
+                              <p:cond delay="0"/>
+                            </p:stCondLst>
+                            <p:childTnLst>
+                              <p:par>
+                                <p:cTn id="10" presetID="9" presetClass="entr" presetSubtype="0" fill="hold" nodeType="clickEffect" nodePh="1">
+                                  <p:stCondLst>
+                                    <p:cond delay="0"/>
+                                  </p:stCondLst>
+                                  <p:endCondLst>
+                                    <p:cond evt="begin" delay="0">
+                                      <p:tn val="10"/>
+                                    </p:cond>
+                                  </p:endCondLst>
+                                  <p:childTnLst>
+                                    <p:set>
+                                      <p:cBhvr>
+                                        <p:cTn id="11" dur="1" fill="hold">
+                                          <p:stCondLst>
+                                            <p:cond delay="0"/>
+                                          </p:stCondLst>
+                                        </p:cTn>
+                                        <p:tgtEl>
+                                          <p:spTgt spid="9">
+                                            <p:txEl>
+                                              <p:pRg st="0" end="0"/>
+                                            </p:txEl>
+                                          </p:spTgt>
+                                        </p:tgtEl>
+                                        <p:attrNameLst>
+                                          <p:attrName>style.visibility</p:attrName>
+                                        </p:attrNameLst>
+                                      </p:cBhvr>
+                                      <p:to>
+                                        <p:strVal val="visible"/>
+                                      </p:to>
+                                    </p:set>
+                                    <p:animEffect transition="in" filter="dissolve">
+                                      <p:cBhvr>
+                                        <p:cTn id="12" dur="500"/>
+                                        <p:tgtEl>
+                                          <p:spTgt spid="9">
+                                            <p:txEl>
+                                              <p:pRg st="0" end="0"/>
+                                            </p:txEl>
+                                          </p:spTgt>
+                                        </p:tgtEl>
+                                      </p:cBhvr>
+                                    </p:animEffect>
+                                  </p:childTnLst>
+                                </p:cTn>
+                              </p:par>
+                            </p:childTnLst>
+                          </p:cTn>
+                        </p:par>
+                      </p:childTnLst>
+                    </p:cTn>
+                  </p:par>
+                  <p:par>
+                    <p:cTn id="13" fill="hold">
+                      <p:stCondLst>
+                        <p:cond delay="indefinite"/>
+                      </p:stCondLst>
+                      <p:childTnLst>
+                        <p:par>
+                          <p:cTn id="14" fill="hold">
+                            <p:stCondLst>
+                              <p:cond delay="0"/>
+                            </p:stCondLst>
+                            <p:childTnLst>
+                              <p:par>
+                                <p:cTn id="15" presetID="9" presetClass="entr" presetSubtype="0" fill="hold" nodeType="clickEffect">
+                                  <p:stCondLst>
+                                    <p:cond delay="0"/>
+                                  </p:stCondLst>
+                                  <p:childTnLst>
+                                    <p:set>
+                                      <p:cBhvr>
+                                        <p:cTn id="16" dur="1" fill="hold">
+                                          <p:stCondLst>
+                                            <p:cond delay="0"/>
+                                          </p:stCondLst>
+                                        </p:cTn>
+                                        <p:tgtEl>
+                                          <p:spTgt spid="10">
+                                            <p:txEl>
+                                              <p:pRg st="0" end="0"/>
+                                            </p:txEl>
+                                          </p:spTgt>
+                                        </p:tgtEl>
+                                        <p:attrNameLst>
+                                          <p:attrName>style.visibility</p:attrName>
+                                        </p:attrNameLst>
+                                      </p:cBhvr>
+                                      <p:to>
+                                        <p:strVal val="visible"/>
+                                      </p:to>
+                                    </p:set>
+                                    <p:animEffect transition="in" filter="dissolve">
+                                      <p:cBhvr>
+                                        <p:cTn id="17" dur="500"/>
+                                        <p:tgtEl>
+                                          <p:spTgt spid="10">
+                                            <p:txEl>
+                                              <p:pRg st="0" end="0"/>
+                                            </p:txEl>
+                                          </p:spTgt>
+                                        </p:tgtEl>
+                                      </p:cBhvr>
+                                    </p:animEffect>
+                                  </p:childTnLst>
+                                </p:cTn>
+                              </p:par>
+                              <p:par>
+                                <p:cTn id="18" presetID="9" presetClass="entr" presetSubtype="0" fill="hold" nodeType="withEffect">
+                                  <p:stCondLst>
+                                    <p:cond delay="0"/>
+                                  </p:stCondLst>
+                                  <p:childTnLst>
+                                    <p:set>
+                                      <p:cBhvr>
+                                        <p:cTn id="19" dur="1" fill="hold">
+                                          <p:stCondLst>
+                                            <p:cond delay="0"/>
+                                          </p:stCondLst>
+                                        </p:cTn>
+                                        <p:tgtEl>
+                                          <p:spTgt spid="10">
+                                            <p:txEl>
+                                              <p:pRg st="1" end="1"/>
+                                            </p:txEl>
+                                          </p:spTgt>
+                                        </p:tgtEl>
+                                        <p:attrNameLst>
+                                          <p:attrName>style.visibility</p:attrName>
+                                        </p:attrNameLst>
+                                      </p:cBhvr>
+                                      <p:to>
+                                        <p:strVal val="visible"/>
+                                      </p:to>
+                                    </p:set>
+                                    <p:animEffect transition="in" filter="dissolve">
+                                      <p:cBhvr>
+                                        <p:cTn id="20" dur="500"/>
+                                        <p:tgtEl>
+                                          <p:spTgt spid="10">
+                                            <p:txEl>
+                                              <p:pRg st="1" end="1"/>
+                                            </p:txEl>
+                                          </p:spTgt>
+                                        </p:tgtEl>
+                                      </p:cBhvr>
+                                    </p:animEffect>
+                                  </p:childTnLst>
+                                </p:cTn>
+                              </p:par>
+                            </p:childTnLst>
+                          </p:cTn>
+                        </p:par>
+                      </p:childTnLst>
+                    </p:cTn>
+                  </p:par>
+                  <p:par>
+                    <p:cTn id="21" fill="hold">
+                      <p:stCondLst>
+                        <p:cond delay="indefinite"/>
+                      </p:stCondLst>
+                      <p:childTnLst>
+                        <p:par>
+                          <p:cTn id="22" fill="hold">
+                            <p:stCondLst>
+                              <p:cond delay="0"/>
+                            </p:stCondLst>
+                            <p:childTnLst>
+                              <p:par>
+                                <p:cTn id="23" presetID="9" presetClass="entr" presetSubtype="0" fill="hold" nodeType="clickEffect">
+                                  <p:stCondLst>
+                                    <p:cond delay="0"/>
+                                  </p:stCondLst>
+                                  <p:childTnLst>
+                                    <p:set>
+                                      <p:cBhvr>
+                                        <p:cTn id="24" dur="1" fill="hold">
+                                          <p:stCondLst>
+                                            <p:cond delay="0"/>
+                                          </p:stCondLst>
+                                        </p:cTn>
+                                        <p:tgtEl>
+                                          <p:spTgt spid="11">
+                                            <p:txEl>
+                                              <p:pRg st="0" end="0"/>
+                                            </p:txEl>
+                                          </p:spTgt>
+                                        </p:tgtEl>
+                                        <p:attrNameLst>
+                                          <p:attrName>style.visibility</p:attrName>
+                                        </p:attrNameLst>
+                                      </p:cBhvr>
+                                      <p:to>
+                                        <p:strVal val="visible"/>
+                                      </p:to>
+                                    </p:set>
+                                    <p:animEffect transition="in" filter="dissolve">
+                                      <p:cBhvr>
+                                        <p:cTn id="25" dur="500"/>
+                                        <p:tgtEl>
+                                          <p:spTgt spid="11">
+                                            <p:txEl>
+                                              <p:pRg st="0" end="0"/>
+                                            </p:txEl>
+                                          </p:spTgt>
+                                        </p:tgtEl>
+                                      </p:cBhvr>
+                                    </p:animEffect>
+                                  </p:childTnLst>
+                                </p:cTn>
+                              </p:par>
+                            </p:childTnLst>
+                          </p:cTn>
+                        </p:par>
+                      </p:childTnLst>
+                    </p:cTn>
+                  </p:par>
+                </p:childTnLst>
+              </p:cTn>
+              <p:prevCondLst>
+                <p:cond evt="onPrev" delay="0">
+                  <p:tgtEl>
+                    <p:sldTgt/>
+                  </p:tgtEl>
+                </p:cond>
+              </p:prevCondLst>
+              <p:nextCondLst>
+                <p:cond evt="onNext" delay="0">
+                  <p:tgtEl>
+                    <p:sldTgt/>
+                  </p:tgtEl>
+                </p:cond>
+              </p:nextCondLst>
+            </p:seq>
+          </p:childTnLst>
+        </p:cTn>
+      </p:par>
+    </p:tnLst>
+    <p:bldLst>
+      <p:bldP spid="8" grpId="0" animBg="1"/>
+    </p:bldLst>
+  </p:timing>
+</p:sld>
+</file>
+
+<file path=ppt/slides/slide8.xml><?xml version="1.0" encoding="utf-8"?>
+<p:sld xmlns:a="http://schemas.openxmlformats.org/drawingml/2006/main" xmlns:r="http://schemas.openxmlformats.org/officeDocument/2006/relationships" xmlns:p="http://schemas.openxmlformats.org/presentationml/2006/main">
+  <p:cSld>
+    <p:spTree>
+      <p:nvGrpSpPr>
+        <p:cNvPr id="1" name=""/>
+        <p:cNvGrpSpPr/>
+        <p:nvPr/>
+      </p:nvGrpSpPr>
+      <p:grpSpPr>
+        <a:xfrm>
+          <a:off x="0" y="0"/>
+          <a:ext cx="0" cy="0"/>
+          <a:chOff x="0" y="0"/>
+          <a:chExt cx="0" cy="0"/>
+        </a:xfrm>
+      </p:grpSpPr>
+      <p:sp>
+        <p:nvSpPr>
+          <p:cNvPr id="2" name="Title 1">
+            <a:extLst>
+              <a:ext uri="{FF2B5EF4-FFF2-40B4-BE49-F238E27FC236}">
+                <a16:creationId xmlns:a16="http://schemas.microsoft.com/office/drawing/2014/main" id="{DCCA6408-7B66-0D9A-6DCA-8E1D30EE108F}"/>
+              </a:ext>
+            </a:extLst>
+          </p:cNvPr>
+          <p:cNvSpPr>
+            <a:spLocks noGrp="1"/>
+          </p:cNvSpPr>
+          <p:nvPr>
+            <p:ph type="title"/>
+          </p:nvPr>
+        </p:nvSpPr>
+        <p:spPr/>
+        <p:txBody>
+          <a:bodyPr>
+            <a:normAutofit/>
+          </a:bodyPr>
+          <a:lstStyle/>
+          <a:p>
+            <a:pPr algn="ctr"/>
+            <a:r>
+              <a:rPr lang="en-US" sz="4800" b="1" dirty="0">
+                <a:latin typeface="Garamond" panose="02020404030301010803" pitchFamily="18" charset="0"/>
+              </a:rPr>
+              <a:t>Results</a:t>
+            </a:r>
+          </a:p>
+        </p:txBody>
+      </p:sp>
+      <p:graphicFrame>
+        <p:nvGraphicFramePr>
+          <p:cNvPr id="3" name="Table 2">
+            <a:extLst>
+              <a:ext uri="{FF2B5EF4-FFF2-40B4-BE49-F238E27FC236}">
+                <a16:creationId xmlns:a16="http://schemas.microsoft.com/office/drawing/2014/main" id="{721E68FA-16D2-59A3-75AE-240A907C18D2}"/>
+              </a:ext>
+            </a:extLst>
+          </p:cNvPr>
+          <p:cNvGraphicFramePr>
+            <a:graphicFrameLocks noGrp="1"/>
+          </p:cNvGraphicFramePr>
+          <p:nvPr>
+            <p:extLst>
+              <p:ext uri="{D42A27DB-BD31-4B8C-83A1-F6EECF244321}">
+                <p14:modId xmlns:p14="http://schemas.microsoft.com/office/powerpoint/2010/main" val="1336005485"/>
+              </p:ext>
+            </p:extLst>
+          </p:nvPr>
+        </p:nvGraphicFramePr>
+        <p:xfrm>
+          <a:off x="2889250" y="1760220"/>
+          <a:ext cx="6413500" cy="3337560"/>
+        </p:xfrm>
+        <a:graphic>
+          <a:graphicData uri="http://schemas.openxmlformats.org/drawingml/2006/table">
+            <a:tbl>
+              <a:tblPr firstRow="1" bandRow="1">
+                <a:tableStyleId>{93296810-A885-4BE3-A3E7-6D5BEEA58F35}</a:tableStyleId>
+              </a:tblPr>
+              <a:tblGrid>
+                <a:gridCol w="3048000">
+                  <a:extLst>
+                    <a:ext uri="{9D8B030D-6E8A-4147-A177-3AD203B41FA5}">
+                      <a16:colId xmlns:a16="http://schemas.microsoft.com/office/drawing/2014/main" val="215092316"/>
+                    </a:ext>
+                  </a:extLst>
+                </a:gridCol>
+                <a:gridCol w="1663700">
+                  <a:extLst>
+                    <a:ext uri="{9D8B030D-6E8A-4147-A177-3AD203B41FA5}">
+                      <a16:colId xmlns:a16="http://schemas.microsoft.com/office/drawing/2014/main" val="1255610065"/>
+                    </a:ext>
+                  </a:extLst>
+                </a:gridCol>
+                <a:gridCol w="1701800">
+                  <a:extLst>
+                    <a:ext uri="{9D8B030D-6E8A-4147-A177-3AD203B41FA5}">
+                      <a16:colId xmlns:a16="http://schemas.microsoft.com/office/drawing/2014/main" val="803344780"/>
+                    </a:ext>
+                  </a:extLst>
+                </a:gridCol>
+              </a:tblGrid>
+              <a:tr h="370840">
+                <a:tc>
+                  <a:txBody>
+                    <a:bodyPr/>
+                    <a:lstStyle/>
+                    <a:p>
+                      <a:pPr algn="ctr"/>
+                      <a:r>
+                        <a:rPr lang="en-US" dirty="0">
+                          <a:latin typeface="Garamond" panose="02020404030301010803" pitchFamily="18" charset="0"/>
+                        </a:rPr>
+                        <a:t>model</a:t>
+                      </a:r>
+                    </a:p>
+                  </a:txBody>
+                  <a:tcPr/>
+                </a:tc>
+                <a:tc>
+                  <a:txBody>
+                    <a:bodyPr/>
+                    <a:lstStyle/>
+                    <a:p>
+                      <a:pPr algn="ctr"/>
+                      <a:r>
+                        <a:rPr lang="en-US" dirty="0">
+                          <a:latin typeface="Garamond" panose="02020404030301010803" pitchFamily="18" charset="0"/>
+                        </a:rPr>
+                        <a:t>training score</a:t>
+                      </a:r>
+                    </a:p>
+                  </a:txBody>
+                  <a:tcPr/>
+                </a:tc>
+                <a:tc>
+                  <a:txBody>
+                    <a:bodyPr/>
+                    <a:lstStyle/>
+                    <a:p>
+                      <a:pPr algn="ctr"/>
+                      <a:r>
+                        <a:rPr lang="en-US" dirty="0">
+                          <a:latin typeface="Garamond" panose="02020404030301010803" pitchFamily="18" charset="0"/>
+                        </a:rPr>
+                        <a:t>test score</a:t>
+                      </a:r>
+                    </a:p>
+                  </a:txBody>
+                  <a:tcPr/>
+                </a:tc>
+                <a:extLst>
+                  <a:ext uri="{0D108BD9-81ED-4DB2-BD59-A6C34878D82A}">
+                    <a16:rowId xmlns:a16="http://schemas.microsoft.com/office/drawing/2014/main" val="1219465152"/>
+                  </a:ext>
+                </a:extLst>
+              </a:tr>
+              <a:tr h="370840">
+                <a:tc>
+                  <a:txBody>
+                    <a:bodyPr/>
+                    <a:lstStyle/>
+                    <a:p>
+                      <a:r>
+                        <a:rPr lang="en-US" b="1" dirty="0">
+                          <a:latin typeface="Garamond" panose="02020404030301010803" pitchFamily="18" charset="0"/>
+                        </a:rPr>
+                        <a:t>Naïve Bayes (BASELINE)</a:t>
+                      </a:r>
+                    </a:p>
+                  </a:txBody>
+                  <a:tcPr/>
+                </a:tc>
+                <a:tc>
+                  <a:txBody>
+                    <a:bodyPr/>
+                    <a:lstStyle/>
+                    <a:p>
+                      <a:pPr algn="ctr"/>
+                      <a:r>
+                        <a:rPr lang="en-US" dirty="0">
+                          <a:latin typeface="Garamond" panose="02020404030301010803" pitchFamily="18" charset="0"/>
+                        </a:rPr>
+                        <a:t>79.4%</a:t>
+                      </a:r>
+                    </a:p>
+                  </a:txBody>
+                  <a:tcPr/>
+                </a:tc>
+                <a:tc>
+                  <a:txBody>
+                    <a:bodyPr/>
+                    <a:lstStyle/>
+                    <a:p>
+                      <a:pPr algn="ctr"/>
+                      <a:r>
+                        <a:rPr lang="en-US" dirty="0">
+                          <a:latin typeface="Garamond" panose="02020404030301010803" pitchFamily="18" charset="0"/>
+                        </a:rPr>
+                        <a:t>71.5%</a:t>
+                      </a:r>
+                    </a:p>
+                  </a:txBody>
+                  <a:tcPr/>
+                </a:tc>
+                <a:extLst>
+                  <a:ext uri="{0D108BD9-81ED-4DB2-BD59-A6C34878D82A}">
+                    <a16:rowId xmlns:a16="http://schemas.microsoft.com/office/drawing/2014/main" val="4285249374"/>
+                  </a:ext>
+                </a:extLst>
+              </a:tr>
+              <a:tr h="370840">
+                <a:tc>
+                  <a:txBody>
+                    <a:bodyPr/>
+                    <a:lstStyle/>
+                    <a:p>
+                      <a:pPr marL="0" marR="0" lvl="0" indent="0" algn="l" defTabSz="914400" rtl="0" eaLnBrk="1" fontAlgn="auto" latinLnBrk="0" hangingPunct="1">
+                        <a:lnSpc>
+                          <a:spcPct val="100000"/>
+                        </a:lnSpc>
+                        <a:spcBef>
+                          <a:spcPts val="0"/>
+                        </a:spcBef>
+                        <a:spcAft>
+                          <a:spcPts val="0"/>
+                        </a:spcAft>
+                        <a:buClrTx/>
+                        <a:buSzTx/>
+                        <a:buFontTx/>
+                        <a:buNone/>
+                        <a:tabLst/>
+                        <a:defRPr/>
+                      </a:pPr>
+                      <a:r>
+                        <a:rPr lang="en-US" dirty="0">
+                          <a:latin typeface="Garamond" panose="02020404030301010803" pitchFamily="18" charset="0"/>
+                        </a:rPr>
+                        <a:t>… with hyperparameter tuning</a:t>
+                      </a:r>
+                    </a:p>
+                  </a:txBody>
+                  <a:tcPr/>
+                </a:tc>
+                <a:tc>
+                  <a:txBody>
+                    <a:bodyPr/>
+                    <a:lstStyle/>
+                    <a:p>
+                      <a:pPr algn="ctr"/>
+                      <a:r>
+                        <a:rPr lang="en-US" dirty="0">
+                          <a:latin typeface="Garamond" panose="02020404030301010803" pitchFamily="18" charset="0"/>
+                        </a:rPr>
+                        <a:t>89.0%</a:t>
+                      </a:r>
+                    </a:p>
+                  </a:txBody>
+                  <a:tcPr/>
+                </a:tc>
+                <a:tc>
+                  <a:txBody>
+                    <a:bodyPr/>
+                    <a:lstStyle/>
+                    <a:p>
+                      <a:pPr algn="ctr"/>
+                      <a:r>
+                        <a:rPr lang="en-US" dirty="0">
+                          <a:latin typeface="Garamond" panose="02020404030301010803" pitchFamily="18" charset="0"/>
+                        </a:rPr>
+                        <a:t>72.2%</a:t>
+                      </a:r>
+                    </a:p>
+                  </a:txBody>
+                  <a:tcPr/>
+                </a:tc>
+                <a:extLst>
+                  <a:ext uri="{0D108BD9-81ED-4DB2-BD59-A6C34878D82A}">
+                    <a16:rowId xmlns:a16="http://schemas.microsoft.com/office/drawing/2014/main" val="710235381"/>
+                  </a:ext>
+                </a:extLst>
+              </a:tr>
+              <a:tr h="370840">
+                <a:tc>
+                  <a:txBody>
+                    <a:bodyPr/>
+                    <a:lstStyle/>
+                    <a:p>
+                      <a:r>
+                        <a:rPr lang="en-US" dirty="0">
+                          <a:latin typeface="Garamond" panose="02020404030301010803" pitchFamily="18" charset="0"/>
+                        </a:rPr>
+                        <a:t>… with over sampling</a:t>
+                      </a:r>
+                    </a:p>
+                  </a:txBody>
+                  <a:tcPr/>
+                </a:tc>
+                <a:tc>
+                  <a:txBody>
+                    <a:bodyPr/>
+                    <a:lstStyle/>
+                    <a:p>
+                      <a:pPr algn="ctr"/>
+                      <a:r>
+                        <a:rPr lang="en-US" dirty="0">
+                          <a:latin typeface="Garamond" panose="02020404030301010803" pitchFamily="18" charset="0"/>
+                        </a:rPr>
+                        <a:t>86.7%</a:t>
+                      </a:r>
+                    </a:p>
+                  </a:txBody>
+                  <a:tcPr/>
+                </a:tc>
+                <a:tc>
+                  <a:txBody>
+                    <a:bodyPr/>
+                    <a:lstStyle/>
+                    <a:p>
+                      <a:pPr algn="ctr"/>
+                      <a:r>
+                        <a:rPr lang="en-US" dirty="0">
+                          <a:latin typeface="Garamond" panose="02020404030301010803" pitchFamily="18" charset="0"/>
+                        </a:rPr>
+                        <a:t>68.0%</a:t>
+                      </a:r>
+                    </a:p>
+                  </a:txBody>
+                  <a:tcPr/>
+                </a:tc>
+                <a:extLst>
+                  <a:ext uri="{0D108BD9-81ED-4DB2-BD59-A6C34878D82A}">
+                    <a16:rowId xmlns:a16="http://schemas.microsoft.com/office/drawing/2014/main" val="3587662564"/>
+                  </a:ext>
+                </a:extLst>
+              </a:tr>
+              <a:tr h="370840">
+                <a:tc>
+                  <a:txBody>
+                    <a:bodyPr/>
+                    <a:lstStyle/>
+                    <a:p>
+                      <a:endParaRPr lang="en-US" dirty="0">
+                        <a:latin typeface="Garamond" panose="02020404030301010803" pitchFamily="18" charset="0"/>
+                      </a:endParaRPr>
+                    </a:p>
+                  </a:txBody>
+                  <a:tcPr/>
+                </a:tc>
+                <a:tc>
+                  <a:txBody>
+                    <a:bodyPr/>
+                    <a:lstStyle/>
+                    <a:p>
+                      <a:pPr algn="ctr"/>
+                      <a:endParaRPr lang="en-US" dirty="0">
+                        <a:latin typeface="Garamond" panose="02020404030301010803" pitchFamily="18" charset="0"/>
+                      </a:endParaRPr>
+                    </a:p>
+                  </a:txBody>
+                  <a:tcPr/>
+                </a:tc>
+                <a:tc>
+                  <a:txBody>
+                    <a:bodyPr/>
+                    <a:lstStyle/>
+                    <a:p>
+                      <a:pPr algn="ctr"/>
+                      <a:endParaRPr lang="en-US" dirty="0">
+                        <a:latin typeface="Garamond" panose="02020404030301010803" pitchFamily="18" charset="0"/>
+                      </a:endParaRPr>
+                    </a:p>
+                  </a:txBody>
+                  <a:tcPr/>
+                </a:tc>
+                <a:extLst>
+                  <a:ext uri="{0D108BD9-81ED-4DB2-BD59-A6C34878D82A}">
+                    <a16:rowId xmlns:a16="http://schemas.microsoft.com/office/drawing/2014/main" val="1978321807"/>
+                  </a:ext>
+                </a:extLst>
+              </a:tr>
+              <a:tr h="370840">
+                <a:tc>
+                  <a:txBody>
+                    <a:bodyPr/>
+                    <a:lstStyle/>
+                    <a:p>
+                      <a:r>
+                        <a:rPr lang="en-US" b="1" dirty="0">
+                          <a:latin typeface="Garamond" panose="02020404030301010803" pitchFamily="18" charset="0"/>
+                        </a:rPr>
+                        <a:t>Random Forest</a:t>
+                      </a:r>
+                    </a:p>
+                  </a:txBody>
+                  <a:tcPr/>
+                </a:tc>
+                <a:tc>
+                  <a:txBody>
+                    <a:bodyPr/>
+                    <a:lstStyle/>
+                    <a:p>
+                      <a:pPr algn="ctr"/>
+                      <a:r>
+                        <a:rPr lang="en-US" dirty="0">
+                          <a:latin typeface="Garamond" panose="02020404030301010803" pitchFamily="18" charset="0"/>
+                        </a:rPr>
+                        <a:t>96.5%</a:t>
+                      </a:r>
+                    </a:p>
+                  </a:txBody>
+                  <a:tcPr/>
+                </a:tc>
+                <a:tc>
+                  <a:txBody>
+                    <a:bodyPr/>
+                    <a:lstStyle/>
+                    <a:p>
+                      <a:pPr algn="ctr"/>
+                      <a:r>
+                        <a:rPr lang="en-US" dirty="0">
+                          <a:latin typeface="Garamond" panose="02020404030301010803" pitchFamily="18" charset="0"/>
+                        </a:rPr>
+                        <a:t>73.2%</a:t>
+                      </a:r>
+                    </a:p>
+                  </a:txBody>
+                  <a:tcPr/>
+                </a:tc>
+                <a:extLst>
+                  <a:ext uri="{0D108BD9-81ED-4DB2-BD59-A6C34878D82A}">
+                    <a16:rowId xmlns:a16="http://schemas.microsoft.com/office/drawing/2014/main" val="109079101"/>
+                  </a:ext>
+                </a:extLst>
+              </a:tr>
+              <a:tr h="370840">
+                <a:tc>
+                  <a:txBody>
+                    <a:bodyPr/>
+                    <a:lstStyle/>
+                    <a:p>
+                      <a:r>
+                        <a:rPr lang="en-US" dirty="0">
+                          <a:latin typeface="Garamond" panose="02020404030301010803" pitchFamily="18" charset="0"/>
+                        </a:rPr>
+                        <a:t>… with hyperparameter tuning</a:t>
+                      </a:r>
+                    </a:p>
+                  </a:txBody>
+                  <a:tcPr/>
+                </a:tc>
+                <a:tc>
+                  <a:txBody>
+                    <a:bodyPr/>
+                    <a:lstStyle/>
+                    <a:p>
+                      <a:pPr algn="ctr"/>
+                      <a:r>
+                        <a:rPr lang="en-US" dirty="0">
+                          <a:latin typeface="Garamond" panose="02020404030301010803" pitchFamily="18" charset="0"/>
+                        </a:rPr>
+                        <a:t>86.4%</a:t>
+                      </a:r>
+                    </a:p>
+                  </a:txBody>
+                  <a:tcPr/>
+                </a:tc>
+                <a:tc>
+                  <a:txBody>
+                    <a:bodyPr/>
+                    <a:lstStyle/>
+                    <a:p>
+                      <a:pPr algn="ctr"/>
+                      <a:r>
+                        <a:rPr lang="en-US" dirty="0">
+                          <a:latin typeface="Garamond" panose="02020404030301010803" pitchFamily="18" charset="0"/>
+                        </a:rPr>
+                        <a:t>72.5%</a:t>
+                      </a:r>
+                    </a:p>
+                  </a:txBody>
+                  <a:tcPr/>
+                </a:tc>
+                <a:extLst>
+                  <a:ext uri="{0D108BD9-81ED-4DB2-BD59-A6C34878D82A}">
+                    <a16:rowId xmlns:a16="http://schemas.microsoft.com/office/drawing/2014/main" val="1865839340"/>
+                  </a:ext>
+                </a:extLst>
+              </a:tr>
+              <a:tr h="370840">
+                <a:tc>
+                  <a:txBody>
+                    <a:bodyPr/>
+                    <a:lstStyle/>
+                    <a:p>
+                      <a:endParaRPr lang="en-US" b="1" dirty="0">
+                        <a:latin typeface="Garamond" panose="02020404030301010803" pitchFamily="18" charset="0"/>
+                      </a:endParaRPr>
+                    </a:p>
+                  </a:txBody>
+                  <a:tcPr/>
+                </a:tc>
+                <a:tc>
+                  <a:txBody>
+                    <a:bodyPr/>
+                    <a:lstStyle/>
+                    <a:p>
+                      <a:pPr algn="ctr"/>
+                      <a:endParaRPr lang="en-US" dirty="0">
+                        <a:latin typeface="Garamond" panose="02020404030301010803" pitchFamily="18" charset="0"/>
+                      </a:endParaRPr>
+                    </a:p>
+                  </a:txBody>
+                  <a:tcPr/>
+                </a:tc>
+                <a:tc>
+                  <a:txBody>
+                    <a:bodyPr/>
+                    <a:lstStyle/>
+                    <a:p>
+                      <a:pPr algn="ctr"/>
+                      <a:endParaRPr lang="en-US" dirty="0">
+                        <a:latin typeface="Garamond" panose="02020404030301010803" pitchFamily="18" charset="0"/>
+                      </a:endParaRPr>
+                    </a:p>
+                  </a:txBody>
+                  <a:tcPr/>
+                </a:tc>
+                <a:extLst>
+                  <a:ext uri="{0D108BD9-81ED-4DB2-BD59-A6C34878D82A}">
+                    <a16:rowId xmlns:a16="http://schemas.microsoft.com/office/drawing/2014/main" val="3605553166"/>
+                  </a:ext>
+                </a:extLst>
+              </a:tr>
+              <a:tr h="370840">
+                <a:tc>
+                  <a:txBody>
+                    <a:bodyPr/>
+                    <a:lstStyle/>
+                    <a:p>
+                      <a:r>
+                        <a:rPr lang="en-US" b="1" dirty="0">
+                          <a:latin typeface="Garamond" panose="02020404030301010803" pitchFamily="18" charset="0"/>
+                        </a:rPr>
+                        <a:t>Gradient Boost (FINAL)</a:t>
+                      </a:r>
+                    </a:p>
+                  </a:txBody>
+                  <a:tcPr/>
+                </a:tc>
+                <a:tc>
+                  <a:txBody>
+                    <a:bodyPr/>
+                    <a:lstStyle/>
+                    <a:p>
+                      <a:pPr algn="ctr"/>
+                      <a:r>
+                        <a:rPr lang="en-US" dirty="0">
+                          <a:latin typeface="Garamond" panose="02020404030301010803" pitchFamily="18" charset="0"/>
+                        </a:rPr>
+                        <a:t>74.9%</a:t>
+                      </a:r>
+                    </a:p>
+                  </a:txBody>
+                  <a:tcPr/>
+                </a:tc>
+                <a:tc>
+                  <a:txBody>
+                    <a:bodyPr/>
+                    <a:lstStyle/>
+                    <a:p>
+                      <a:pPr algn="ctr"/>
+                      <a:r>
+                        <a:rPr lang="en-US" dirty="0">
+                          <a:latin typeface="Garamond" panose="02020404030301010803" pitchFamily="18" charset="0"/>
+                        </a:rPr>
+                        <a:t>72.3%</a:t>
+                      </a:r>
+                    </a:p>
+                  </a:txBody>
+                  <a:tcPr/>
+                </a:tc>
+                <a:extLst>
+                  <a:ext uri="{0D108BD9-81ED-4DB2-BD59-A6C34878D82A}">
+                    <a16:rowId xmlns:a16="http://schemas.microsoft.com/office/drawing/2014/main" val="3812854985"/>
+                  </a:ext>
+                </a:extLst>
+              </a:tr>
+            </a:tbl>
+          </a:graphicData>
+        </a:graphic>
+      </p:graphicFrame>
+    </p:spTree>
+    <p:extLst>
+      <p:ext uri="{BB962C8B-B14F-4D97-AF65-F5344CB8AC3E}">
+        <p14:creationId xmlns:p14="http://schemas.microsoft.com/office/powerpoint/2010/main" val="1181540655"/>
+      </p:ext>
+    </p:extLst>
+  </p:cSld>
+  <p:clrMapOvr>
+    <a:masterClrMapping/>
+  </p:clrMapOvr>
+  <p:timing>
+    <p:tnLst>
+      <p:par>
+        <p:cTn id="1" dur="indefinite" restart="never" nodeType="tmRoot">
+          <p:childTnLst>
+            <p:seq concurrent="1" nextAc="seek">
+              <p:cTn id="2" dur="indefinite" nodeType="mainSeq">
+                <p:childTnLst>
+                  <p:par>
+                    <p:cTn id="3" fill="hold">
+                      <p:stCondLst>
+                        <p:cond delay="indefinite"/>
+                      </p:stCondLst>
+                      <p:childTnLst>
+                        <p:par>
+                          <p:cTn id="4" fill="hold">
+                            <p:stCondLst>
+                              <p:cond delay="0"/>
+                            </p:stCondLst>
+                            <p:childTnLst>
+                              <p:par>
+                                <p:cTn id="5" presetID="3" presetClass="entr" presetSubtype="10" fill="hold" nodeType="clickEffect">
+                                  <p:stCondLst>
+                                    <p:cond delay="0"/>
+                                  </p:stCondLst>
+                                  <p:childTnLst>
+                                    <p:set>
+                                      <p:cBhvr>
+                                        <p:cTn id="6" dur="1" fill="hold">
+                                          <p:stCondLst>
+                                            <p:cond delay="0"/>
+                                          </p:stCondLst>
+                                        </p:cTn>
+                                        <p:tgtEl>
+                                          <p:spTgt spid="3"/>
+                                        </p:tgtEl>
+                                        <p:attrNameLst>
+                                          <p:attrName>style.visibility</p:attrName>
+                                        </p:attrNameLst>
+                                      </p:cBhvr>
+                                      <p:to>
+                                        <p:strVal val="visible"/>
+                                      </p:to>
+                                    </p:set>
+                                    <p:animEffect transition="in" filter="blinds(horizontal)">
+                                      <p:cBhvr>
+                                        <p:cTn id="7" dur="1000"/>
+                                        <p:tgtEl>
+                                          <p:spTgt spid="3"/>
+                                        </p:tgtEl>
+                                      </p:cBhvr>
+                                    </p:animEffect>
+                                  </p:childTnLst>
+                                </p:cTn>
+                              </p:par>
+                            </p:childTnLst>
+                          </p:cTn>
+                        </p:par>
+                      </p:childTnLst>
+                    </p:cTn>
+                  </p:par>
+                </p:childTnLst>
+              </p:cTn>
+              <p:prevCondLst>
+                <p:cond evt="onPrev" delay="0">
+                  <p:tgtEl>
+                    <p:sldTgt/>
+                  </p:tgtEl>
+                </p:cond>
+              </p:prevCondLst>
+              <p:nextCondLst>
+                <p:cond evt="onNext" delay="0">
+                  <p:tgtEl>
+                    <p:sldTgt/>
+                  </p:tgtEl>
+                </p:cond>
+              </p:nextCondLst>
+            </p:seq>
+          </p:childTnLst>
+        </p:cTn>
+      </p:par>
+    </p:tnLst>
+  </p:timing>
+</p:sld>
+</file>
+
+<file path=ppt/slides/slide9.xml><?xml version="1.0" encoding="utf-8"?>
+<p:sld xmlns:a="http://schemas.openxmlformats.org/drawingml/2006/main" xmlns:r="http://schemas.openxmlformats.org/officeDocument/2006/relationships" xmlns:p="http://schemas.openxmlformats.org/presentationml/2006/main">
+  <p:cSld>
+    <p:spTree>
+      <p:nvGrpSpPr>
+        <p:cNvPr id="1" name=""/>
+        <p:cNvGrpSpPr/>
+        <p:nvPr/>
+      </p:nvGrpSpPr>
+      <p:grpSpPr>
+        <a:xfrm>
+          <a:off x="0" y="0"/>
+          <a:ext cx="0" cy="0"/>
+          <a:chOff x="0" y="0"/>
+          <a:chExt cx="0" cy="0"/>
+        </a:xfrm>
+      </p:grpSpPr>
+      <p:sp>
+        <p:nvSpPr>
+          <p:cNvPr id="2" name="Title 1">
+            <a:extLst>
+              <a:ext uri="{FF2B5EF4-FFF2-40B4-BE49-F238E27FC236}">
+                <a16:creationId xmlns:a16="http://schemas.microsoft.com/office/drawing/2014/main" id="{DCCA6408-7B66-0D9A-6DCA-8E1D30EE108F}"/>
+              </a:ext>
+            </a:extLst>
+          </p:cNvPr>
+          <p:cNvSpPr>
+            <a:spLocks noGrp="1"/>
+          </p:cNvSpPr>
+          <p:nvPr>
+            <p:ph type="title"/>
+          </p:nvPr>
+        </p:nvSpPr>
+        <p:spPr/>
+        <p:txBody>
+          <a:bodyPr>
+            <a:normAutofit/>
+          </a:bodyPr>
+          <a:lstStyle/>
+          <a:p>
+            <a:pPr algn="ctr"/>
+            <a:r>
+              <a:rPr lang="en-US" sz="4800" b="1" dirty="0">
+                <a:latin typeface="Garamond" panose="02020404030301010803" pitchFamily="18" charset="0"/>
+              </a:rPr>
+              <a:t>Recommendations</a:t>
+            </a:r>
+          </a:p>
+        </p:txBody>
+      </p:sp>
+      <p:sp>
+        <p:nvSpPr>
+          <p:cNvPr id="4" name="TextBox 3">
+            <a:extLst>
+              <a:ext uri="{FF2B5EF4-FFF2-40B4-BE49-F238E27FC236}">
+                <a16:creationId xmlns:a16="http://schemas.microsoft.com/office/drawing/2014/main" id="{16D08C40-2E81-C530-A8F0-A96344B25941}"/>
+              </a:ext>
+            </a:extLst>
+          </p:cNvPr>
+          <p:cNvSpPr txBox="1"/>
+          <p:nvPr/>
+        </p:nvSpPr>
+        <p:spPr>
+          <a:xfrm>
+            <a:off x="2146300" y="2191244"/>
+            <a:ext cx="7313010" cy="584775"/>
+          </a:xfrm>
+          <a:prstGeom prst="rect">
+            <a:avLst/>
+          </a:prstGeom>
+          <a:solidFill>
+            <a:schemeClr val="bg1"/>
+          </a:solidFill>
+          <a:ln>
+            <a:solidFill>
+              <a:schemeClr val="tx1"/>
+            </a:solidFill>
+          </a:ln>
+        </p:spPr>
+        <p:txBody>
+          <a:bodyPr wrap="square" rtlCol="0">
+            <a:spAutoFit/>
+          </a:bodyPr>
+          <a:lstStyle/>
+          <a:p>
+            <a:pPr marL="457200" indent="-457200">
+              <a:buFont typeface="Arial" panose="020B0604020202020204" pitchFamily="34" charset="0"/>
+              <a:buChar char="•"/>
+            </a:pPr>
+            <a:r>
+              <a:rPr lang="en-US" sz="3200" dirty="0">
+                <a:latin typeface="Garamond" panose="02020404030301010803" pitchFamily="18" charset="0"/>
+              </a:rPr>
+              <a:t>pop-up store + event synergy = great idea</a:t>
+            </a:r>
+          </a:p>
+        </p:txBody>
+      </p:sp>
+      <p:sp>
+        <p:nvSpPr>
+          <p:cNvPr id="5" name="TextBox 4">
+            <a:extLst>
+              <a:ext uri="{FF2B5EF4-FFF2-40B4-BE49-F238E27FC236}">
+                <a16:creationId xmlns:a16="http://schemas.microsoft.com/office/drawing/2014/main" id="{5E776DBA-E680-CF41-333A-9A0CE9585FE0}"/>
+              </a:ext>
+            </a:extLst>
+          </p:cNvPr>
+          <p:cNvSpPr txBox="1"/>
+          <p:nvPr/>
+        </p:nvSpPr>
+        <p:spPr>
+          <a:xfrm>
+            <a:off x="2146300" y="3224419"/>
+            <a:ext cx="2783052" cy="584775"/>
+          </a:xfrm>
+          <a:prstGeom prst="rect">
+            <a:avLst/>
+          </a:prstGeom>
+          <a:solidFill>
+            <a:schemeClr val="bg1"/>
+          </a:solidFill>
+          <a:ln>
+            <a:solidFill>
+              <a:schemeClr val="tx1"/>
+            </a:solidFill>
+          </a:ln>
+        </p:spPr>
+        <p:txBody>
+          <a:bodyPr wrap="square" rtlCol="0">
+            <a:spAutoFit/>
+          </a:bodyPr>
+          <a:lstStyle/>
+          <a:p>
+            <a:pPr marL="457200" indent="-457200">
+              <a:buFont typeface="Arial" panose="020B0604020202020204" pitchFamily="34" charset="0"/>
+              <a:buChar char="•"/>
+            </a:pPr>
+            <a:r>
+              <a:rPr lang="en-US" sz="3200" dirty="0">
+                <a:latin typeface="Garamond" panose="02020404030301010803" pitchFamily="18" charset="0"/>
+              </a:rPr>
+              <a:t>throw a party</a:t>
+            </a:r>
+          </a:p>
+        </p:txBody>
+      </p:sp>
+      <p:sp>
+        <p:nvSpPr>
+          <p:cNvPr id="6" name="TextBox 5">
+            <a:extLst>
+              <a:ext uri="{FF2B5EF4-FFF2-40B4-BE49-F238E27FC236}">
+                <a16:creationId xmlns:a16="http://schemas.microsoft.com/office/drawing/2014/main" id="{1EB45B62-A812-DD3A-3E67-A66E5FF3B97E}"/>
+              </a:ext>
+            </a:extLst>
+          </p:cNvPr>
+          <p:cNvSpPr txBox="1"/>
+          <p:nvPr/>
+        </p:nvSpPr>
+        <p:spPr>
+          <a:xfrm>
+            <a:off x="2146300" y="4257594"/>
+            <a:ext cx="6430141" cy="584775"/>
+          </a:xfrm>
+          <a:prstGeom prst="rect">
+            <a:avLst/>
+          </a:prstGeom>
+          <a:solidFill>
+            <a:schemeClr val="bg1"/>
+          </a:solidFill>
+          <a:ln>
+            <a:solidFill>
+              <a:schemeClr val="tx1"/>
+            </a:solidFill>
+          </a:ln>
+        </p:spPr>
+        <p:txBody>
+          <a:bodyPr wrap="square" rtlCol="0">
+            <a:spAutoFit/>
+          </a:bodyPr>
+          <a:lstStyle/>
+          <a:p>
+            <a:pPr marL="457200" indent="-457200">
+              <a:buFont typeface="Arial" panose="020B0604020202020204" pitchFamily="34" charset="0"/>
+              <a:buChar char="•"/>
+            </a:pPr>
+            <a:r>
+              <a:rPr lang="en-US" sz="3200" dirty="0">
+                <a:latin typeface="Garamond" panose="02020404030301010803" pitchFamily="18" charset="0"/>
+              </a:rPr>
+              <a:t>address battery life and design issues</a:t>
+            </a:r>
+          </a:p>
+        </p:txBody>
+      </p:sp>
+    </p:spTree>
+    <p:extLst>
+      <p:ext uri="{BB962C8B-B14F-4D97-AF65-F5344CB8AC3E}">
+        <p14:creationId xmlns:p14="http://schemas.microsoft.com/office/powerpoint/2010/main" val="1782141185"/>
+      </p:ext>
+    </p:extLst>
+  </p:cSld>
+  <p:clrMapOvr>
+    <a:masterClrMapping/>
+  </p:clrMapOvr>
+  <p:timing>
+    <p:tnLst>
+      <p:par>
+        <p:cTn id="1" dur="indefinite" restart="never" nodeType="tmRoot">
+          <p:childTnLst>
+            <p:seq concurrent="1" nextAc="seek">
+              <p:cTn id="2" dur="indefinite" nodeType="mainSeq">
+                <p:childTnLst>
+                  <p:par>
+                    <p:cTn id="3" fill="hold">
+                      <p:stCondLst>
+                        <p:cond delay="indefinite"/>
+                      </p:stCondLst>
+                      <p:childTnLst>
+                        <p:par>
+                          <p:cTn id="4" fill="hold">
+                            <p:stCondLst>
+                              <p:cond delay="0"/>
+                            </p:stCondLst>
+                            <p:childTnLst>
+                              <p:par>
+                                <p:cTn id="5" presetID="9" presetClass="entr" presetSubtype="0" fill="hold" nodeType="clickEffect">
+                                  <p:stCondLst>
+                                    <p:cond delay="0"/>
+                                  </p:stCondLst>
+                                  <p:childTnLst>
+                                    <p:set>
+                                      <p:cBhvr>
+                                        <p:cTn id="6" dur="1" fill="hold">
+                                          <p:stCondLst>
+                                            <p:cond delay="0"/>
+                                          </p:stCondLst>
+                                        </p:cTn>
+                                        <p:tgtEl>
+                                          <p:spTgt spid="4">
+                                            <p:txEl>
+                                              <p:pRg st="0" end="0"/>
+                                            </p:txEl>
+                                          </p:spTgt>
+                                        </p:tgtEl>
+                                        <p:attrNameLst>
+                                          <p:attrName>style.visibility</p:attrName>
+                                        </p:attrNameLst>
+                                      </p:cBhvr>
+                                      <p:to>
+                                        <p:strVal val="visible"/>
+                                      </p:to>
+                                    </p:set>
+                                    <p:animEffect transition="in" filter="dissolve">
+                                      <p:cBhvr>
+                                        <p:cTn id="7" dur="500"/>
+                                        <p:tgtEl>
+                                          <p:spTgt spid="4">
+                                            <p:txEl>
+                                              <p:pRg st="0" end="0"/>
+                                            </p:txEl>
+                                          </p:spTgt>
+                                        </p:tgtEl>
+                                      </p:cBhvr>
+                                    </p:animEffect>
+                                  </p:childTnLst>
+                                </p:cTn>
+                              </p:par>
+                            </p:childTnLst>
+                          </p:cTn>
+                        </p:par>
+                      </p:childTnLst>
+                    </p:cTn>
+                  </p:par>
+                  <p:par>
+                    <p:cTn id="8" fill="hold">
+                      <p:stCondLst>
+                        <p:cond delay="indefinite"/>
+                      </p:stCondLst>
+                      <p:childTnLst>
+                        <p:par>
+                          <p:cTn id="9" fill="hold">
+                            <p:stCondLst>
+                              <p:cond delay="0"/>
+                            </p:stCondLst>
+                            <p:childTnLst>
+                              <p:par>
+                                <p:cTn id="10" presetID="9" presetClass="entr" presetSubtype="0" fill="hold" nodeType="clickEffect">
+                                  <p:stCondLst>
+                                    <p:cond delay="0"/>
+                                  </p:stCondLst>
+                                  <p:childTnLst>
+                                    <p:set>
+                                      <p:cBhvr>
+                                        <p:cTn id="11" dur="1" fill="hold">
+                                          <p:stCondLst>
+                                            <p:cond delay="0"/>
+                                          </p:stCondLst>
+                                        </p:cTn>
+                                        <p:tgtEl>
+                                          <p:spTgt spid="5">
+                                            <p:txEl>
+                                              <p:pRg st="0" end="0"/>
+                                            </p:txEl>
+                                          </p:spTgt>
+                                        </p:tgtEl>
+                                        <p:attrNameLst>
+                                          <p:attrName>style.visibility</p:attrName>
+                                        </p:attrNameLst>
+                                      </p:cBhvr>
+                                      <p:to>
+                                        <p:strVal val="visible"/>
+                                      </p:to>
+                                    </p:set>
+                                    <p:animEffect transition="in" filter="dissolve">
+                                      <p:cBhvr>
+                                        <p:cTn id="12" dur="500"/>
+                                        <p:tgtEl>
+                                          <p:spTgt spid="5">
+                                            <p:txEl>
+                                              <p:pRg st="0" end="0"/>
+                                            </p:txEl>
+                                          </p:spTgt>
+                                        </p:tgtEl>
+                                      </p:cBhvr>
+                                    </p:animEffect>
+                                  </p:childTnLst>
+                                </p:cTn>
+                              </p:par>
+                            </p:childTnLst>
+                          </p:cTn>
+                        </p:par>
+                      </p:childTnLst>
+                    </p:cTn>
+                  </p:par>
+                  <p:par>
+                    <p:cTn id="13" fill="hold">
+                      <p:stCondLst>
+                        <p:cond delay="indefinite"/>
+                      </p:stCondLst>
+                      <p:childTnLst>
+                        <p:par>
+                          <p:cTn id="14" fill="hold">
+                            <p:stCondLst>
+                              <p:cond delay="0"/>
+                            </p:stCondLst>
+                            <p:childTnLst>
+                              <p:par>
+                                <p:cTn id="15" presetID="9" presetClass="entr" presetSubtype="0" fill="hold" nodeType="clickEffect">
+                                  <p:stCondLst>
+                                    <p:cond delay="0"/>
+                                  </p:stCondLst>
+                                  <p:childTnLst>
+                                    <p:set>
+                                      <p:cBhvr>
+                                        <p:cTn id="16" dur="1" fill="hold">
+                                          <p:stCondLst>
+                                            <p:cond delay="0"/>
+                                          </p:stCondLst>
+                                        </p:cTn>
+                                        <p:tgtEl>
+                                          <p:spTgt spid="6">
+                                            <p:txEl>
+                                              <p:pRg st="0" end="0"/>
+                                            </p:txEl>
+                                          </p:spTgt>
+                                        </p:tgtEl>
+                                        <p:attrNameLst>
+                                          <p:attrName>style.visibility</p:attrName>
+                                        </p:attrNameLst>
+                                      </p:cBhvr>
+                                      <p:to>
+                                        <p:strVal val="visible"/>
+                                      </p:to>
+                                    </p:set>
+                                    <p:animEffect transition="in" filter="dissolve">
+                                      <p:cBhvr>
+                                        <p:cTn id="17" dur="500"/>
+                                        <p:tgtEl>
+                                          <p:spTgt spid="6">
+                                            <p:txEl>
+                                              <p:pRg st="0" end="0"/>
+                                            </p:txEl>
+                                          </p:spTgt>
+                                        </p:tgtEl>
+                                      </p:cBhvr>
+                                    </p:animEffect>
+                                  </p:childTnLst>
+                                </p:cTn>
+                              </p:par>
+                            </p:childTnLst>
+                          </p:cTn>
+                        </p:par>
+                      </p:childTnLst>
+                    </p:cTn>
+                  </p:par>
+                </p:childTnLst>
+              </p:cTn>
+              <p:prevCondLst>
+                <p:cond evt="onPrev" delay="0">
+                  <p:tgtEl>
+                    <p:sldTgt/>
+                  </p:tgtEl>
+                </p:cond>
+              </p:prevCondLst>
+              <p:nextCondLst>
+                <p:cond evt="onNext" delay="0">
+                  <p:tgtEl>
+                    <p:sldTgt/>
+                  </p:tgtEl>
+                </p:cond>
+              </p:nextCondLst>
+            </p:seq>
+          </p:childTnLst>
+        </p:cTn>
+      </p:par>
+    </p:tnLst>
+  </p:timing>
 </p:sld>
 </file>
 
